--- a/slides/07-Ch12.pptx
+++ b/slides/07-Ch12.pptx
@@ -5,7 +5,7 @@
     <p:sldMasterId id="2147483660" r:id="rId1"/>
   </p:sldMasterIdLst>
   <p:notesMasterIdLst>
-    <p:notesMasterId r:id="rId34"/>
+    <p:notesMasterId r:id="rId35"/>
   </p:notesMasterIdLst>
   <p:sldIdLst>
     <p:sldId id="287" r:id="rId2"/>
@@ -30,16 +30,17 @@
     <p:sldId id="279" r:id="rId21"/>
     <p:sldId id="278" r:id="rId22"/>
     <p:sldId id="274" r:id="rId23"/>
-    <p:sldId id="277" r:id="rId24"/>
-    <p:sldId id="276" r:id="rId25"/>
-    <p:sldId id="275" r:id="rId26"/>
-    <p:sldId id="280" r:id="rId27"/>
-    <p:sldId id="282" r:id="rId28"/>
-    <p:sldId id="281" r:id="rId29"/>
-    <p:sldId id="283" r:id="rId30"/>
-    <p:sldId id="289" r:id="rId31"/>
-    <p:sldId id="284" r:id="rId32"/>
-    <p:sldId id="286" r:id="rId33"/>
+    <p:sldId id="290" r:id="rId24"/>
+    <p:sldId id="277" r:id="rId25"/>
+    <p:sldId id="276" r:id="rId26"/>
+    <p:sldId id="275" r:id="rId27"/>
+    <p:sldId id="280" r:id="rId28"/>
+    <p:sldId id="282" r:id="rId29"/>
+    <p:sldId id="281" r:id="rId30"/>
+    <p:sldId id="283" r:id="rId31"/>
+    <p:sldId id="289" r:id="rId32"/>
+    <p:sldId id="284" r:id="rId33"/>
+    <p:sldId id="286" r:id="rId34"/>
   </p:sldIdLst>
   <p:sldSz cx="12192000" cy="6858000"/>
   <p:notesSz cx="6858000" cy="9144000"/>
@@ -228,7 +229,7 @@
           <a:p>
             <a:fld id="{F40331A4-555C-432D-BBCF-C792921E4FFE}" type="datetimeFigureOut">
               <a:rPr lang="en-US" smtClean="0"/>
-              <a:t>5/10/2015</a:t>
+              <a:t>5/11/2015</a:t>
             </a:fld>
             <a:endParaRPr lang="en-US"/>
           </a:p>
@@ -850,7 +851,7 @@
           <a:p>
             <a:fld id="{0B67B5F2-4FAD-46D8-B139-05E66FF5B9FA}" type="datetime1">
               <a:rPr lang="en-US" smtClean="0"/>
-              <a:t>5/10/2015</a:t>
+              <a:t>5/11/2015</a:t>
             </a:fld>
             <a:endParaRPr lang="en-US"/>
           </a:p>
@@ -1125,7 +1126,7 @@
           <a:p>
             <a:fld id="{90D4526B-8404-414C-B117-6BEFAD6182AD}" type="datetime1">
               <a:rPr lang="en-US" smtClean="0"/>
-              <a:t>5/10/2015</a:t>
+              <a:t>5/11/2015</a:t>
             </a:fld>
             <a:endParaRPr lang="en-US"/>
           </a:p>
@@ -1319,7 +1320,7 @@
           <a:p>
             <a:fld id="{ED85FE61-02D0-4EFA-BD3A-E4DE5C2D5674}" type="datetime1">
               <a:rPr lang="en-US" smtClean="0"/>
-              <a:t>5/10/2015</a:t>
+              <a:t>5/11/2015</a:t>
             </a:fld>
             <a:endParaRPr lang="en-US"/>
           </a:p>
@@ -1592,7 +1593,7 @@
           <a:p>
             <a:fld id="{B82AE5C8-411A-4190-9A37-68917D342013}" type="datetime1">
               <a:rPr lang="en-US" smtClean="0"/>
-              <a:t>5/10/2015</a:t>
+              <a:t>5/11/2015</a:t>
             </a:fld>
             <a:endParaRPr lang="en-US"/>
           </a:p>
@@ -1933,7 +1934,7 @@
           <a:p>
             <a:fld id="{B0065B58-EA48-48B0-9AF3-7846E84EEAAE}" type="datetime1">
               <a:rPr lang="en-US" smtClean="0"/>
-              <a:t>5/10/2015</a:t>
+              <a:t>5/11/2015</a:t>
             </a:fld>
             <a:endParaRPr lang="en-US"/>
           </a:p>
@@ -2556,7 +2557,7 @@
           <a:p>
             <a:fld id="{BC449A94-943A-4E72-8DD7-8BBD1EDE4F4E}" type="datetime1">
               <a:rPr lang="en-US" smtClean="0"/>
-              <a:t>5/10/2015</a:t>
+              <a:t>5/11/2015</a:t>
             </a:fld>
             <a:endParaRPr lang="en-US"/>
           </a:p>
@@ -3416,7 +3417,7 @@
           <a:p>
             <a:fld id="{ABA9BA95-E55C-4C6B-A8EF-49EA0FC2A547}" type="datetime1">
               <a:rPr lang="en-US" smtClean="0"/>
-              <a:t>5/10/2015</a:t>
+              <a:t>5/11/2015</a:t>
             </a:fld>
             <a:endParaRPr lang="en-US"/>
           </a:p>
@@ -3586,7 +3587,7 @@
           <a:p>
             <a:fld id="{21130D1B-940F-449D-BDBB-82B8BBAF7C75}" type="datetime1">
               <a:rPr lang="en-US" smtClean="0"/>
-              <a:t>5/10/2015</a:t>
+              <a:t>5/11/2015</a:t>
             </a:fld>
             <a:endParaRPr lang="en-US"/>
           </a:p>
@@ -3766,7 +3767,7 @@
           <a:p>
             <a:fld id="{F79C941A-64B6-4A51-86CB-A9D2C8CC95B9}" type="datetime1">
               <a:rPr lang="en-US" smtClean="0"/>
-              <a:t>5/10/2015</a:t>
+              <a:t>5/11/2015</a:t>
             </a:fld>
             <a:endParaRPr lang="en-US"/>
           </a:p>
@@ -3936,7 +3937,7 @@
           <a:p>
             <a:fld id="{BF91FE64-D278-48FA-B243-B791CF4C7729}" type="datetime1">
               <a:rPr lang="en-US" smtClean="0"/>
-              <a:t>5/10/2015</a:t>
+              <a:t>5/11/2015</a:t>
             </a:fld>
             <a:endParaRPr lang="en-US"/>
           </a:p>
@@ -4183,7 +4184,7 @@
           <a:p>
             <a:fld id="{95C741DE-8BB9-475F-8DD4-6C9C39A9D2B5}" type="datetime1">
               <a:rPr lang="en-US" smtClean="0"/>
-              <a:t>5/10/2015</a:t>
+              <a:t>5/11/2015</a:t>
             </a:fld>
             <a:endParaRPr lang="en-US"/>
           </a:p>
@@ -4475,7 +4476,7 @@
           <a:p>
             <a:fld id="{2E80219A-662A-46D1-A276-C4413F466CF7}" type="datetime1">
               <a:rPr lang="en-US" smtClean="0"/>
-              <a:t>5/10/2015</a:t>
+              <a:t>5/11/2015</a:t>
             </a:fld>
             <a:endParaRPr lang="en-US"/>
           </a:p>
@@ -4919,7 +4920,7 @@
           <a:p>
             <a:fld id="{F9D10871-5EEB-4AD6-80B8-D781CFCA5E85}" type="datetime1">
               <a:rPr lang="en-US" smtClean="0"/>
-              <a:t>5/10/2015</a:t>
+              <a:t>5/11/2015</a:t>
             </a:fld>
             <a:endParaRPr lang="en-US"/>
           </a:p>
@@ -5037,7 +5038,7 @@
           <a:p>
             <a:fld id="{F68E2B00-83BB-46DA-B4A5-1FB0FDFE727C}" type="datetime1">
               <a:rPr lang="en-US" smtClean="0"/>
-              <a:t>5/10/2015</a:t>
+              <a:t>5/11/2015</a:t>
             </a:fld>
             <a:endParaRPr lang="en-US"/>
           </a:p>
@@ -5132,7 +5133,7 @@
           <a:p>
             <a:fld id="{15965E52-639D-4F2C-AA13-91A6FBCFE6EA}" type="datetime1">
               <a:rPr lang="en-US" smtClean="0"/>
-              <a:t>5/10/2015</a:t>
+              <a:t>5/11/2015</a:t>
             </a:fld>
             <a:endParaRPr lang="en-US"/>
           </a:p>
@@ -5411,7 +5412,7 @@
           <a:p>
             <a:fld id="{22D4EFF5-3986-4AF8-9A85-B85208B78951}" type="datetime1">
               <a:rPr lang="en-US" smtClean="0"/>
-              <a:t>5/10/2015</a:t>
+              <a:t>5/11/2015</a:t>
             </a:fld>
             <a:endParaRPr lang="en-US"/>
           </a:p>
@@ -5686,7 +5687,7 @@
           <a:p>
             <a:fld id="{76C9CAC2-4DBD-4A69-A2BA-85C7D7BB39DF}" type="datetime1">
               <a:rPr lang="en-US" smtClean="0"/>
-              <a:t>5/10/2015</a:t>
+              <a:t>5/11/2015</a:t>
             </a:fld>
             <a:endParaRPr lang="en-US"/>
           </a:p>
@@ -6115,7 +6116,7 @@
           <a:p>
             <a:fld id="{807BE1C4-D701-4329-A616-EDC17B6D00DC}" type="datetime1">
               <a:rPr lang="en-US" smtClean="0"/>
-              <a:t>5/10/2015</a:t>
+              <a:t>5/11/2015</a:t>
             </a:fld>
             <a:endParaRPr lang="en-US"/>
           </a:p>
@@ -6698,15 +6699,7 @@
             </a:pPr>
             <a:r>
               <a:rPr lang="en-US" sz="2800" dirty="0" smtClean="0"/>
-              <a:t>Chapter </a:t>
-            </a:r>
-            <a:r>
-              <a:rPr lang="en-US" sz="2800" dirty="0" smtClean="0"/>
-              <a:t>12 </a:t>
-            </a:r>
-            <a:r>
-              <a:rPr lang="en-US" sz="2800" dirty="0" smtClean="0"/>
-              <a:t>: </a:t>
+              <a:t>Chapter 12 : </a:t>
             </a:r>
             <a:r>
               <a:rPr lang="en-US" altLang="en-US" sz="2800" dirty="0">
@@ -6722,11 +6715,7 @@
             </a:pPr>
             <a:r>
               <a:rPr lang="en-US" sz="2800" dirty="0" smtClean="0"/>
-              <a:t>April, </a:t>
-            </a:r>
-            <a:r>
-              <a:rPr lang="en-US" sz="2800" dirty="0" smtClean="0"/>
-              <a:t>2015</a:t>
+              <a:t>April, 2015</a:t>
             </a:r>
             <a:endParaRPr lang="en-US" sz="2800" dirty="0"/>
           </a:p>
@@ -7132,7 +7121,7 @@
                 </a:solidFill>
                 <a:latin typeface="Arial" panose="020B0604020202020204" pitchFamily="34" charset="0"/>
               </a:rPr>
-              <a:t>Pantea</a:t>
+              <a:t>PanteA</a:t>
             </a:r>
             <a:r>
               <a:rPr lang="en-US" sz="3200" dirty="0" smtClean="0">
@@ -7339,11 +7328,7 @@
             </a:r>
             <a:r>
               <a:rPr lang="en-US" altLang="en-US" sz="3200" dirty="0" smtClean="0"/>
-              <a:t>for</a:t>
-            </a:r>
-            <a:r>
-              <a:rPr lang="en-US" altLang="en-US" sz="3200" dirty="0" smtClean="0"/>
-              <a:t> </a:t>
+              <a:t>for </a:t>
             </a:r>
             <a:r>
               <a:rPr lang="en-US" altLang="en-US" sz="3200" dirty="0"/>
@@ -7853,7 +7838,7 @@
               <a:rPr lang="en-US" altLang="en-US" dirty="0" smtClean="0">
                 <a:latin typeface="Courier New" panose="02070309020205020404" pitchFamily="49" charset="0"/>
               </a:rPr>
-              <a:t>() </a:t>
+              <a:t>()? </a:t>
             </a:r>
             <a:endParaRPr lang="en-US" altLang="en-US" dirty="0"/>
           </a:p>
@@ -7961,8 +7946,21 @@
                 </a:solidFill>
                 <a:latin typeface="Courier New" panose="02070309020205020404" pitchFamily="49" charset="0"/>
               </a:rPr>
-              <a:t>f</a:t>
-            </a:r>
+              <a:t>flush():</a:t>
+            </a:r>
+            <a:r>
+              <a:rPr lang="en-US" altLang="en-US" dirty="0" smtClean="0"/>
+              <a:t> write </a:t>
+            </a:r>
+            <a:r>
+              <a:rPr lang="en-US" altLang="en-US" dirty="0"/>
+              <a:t>buffered output to disk</a:t>
+            </a:r>
+            <a:endParaRPr lang="en-US" altLang="en-US" dirty="0">
+              <a:latin typeface="Courier New" panose="02070309020205020404" pitchFamily="49" charset="0"/>
+            </a:endParaRPr>
+          </a:p>
+          <a:p>
             <a:r>
               <a:rPr lang="en-US" altLang="en-US" b="1" dirty="0" smtClean="0">
                 <a:solidFill>
@@ -7973,44 +7971,7 @@
                 </a:solidFill>
                 <a:latin typeface="Courier New" panose="02070309020205020404" pitchFamily="49" charset="0"/>
               </a:rPr>
-              <a:t>lush():</a:t>
-            </a:r>
-            <a:r>
-              <a:rPr lang="en-US" altLang="en-US" dirty="0" smtClean="0"/>
-              <a:t> write </a:t>
-            </a:r>
-            <a:r>
-              <a:rPr lang="en-US" altLang="en-US" dirty="0"/>
-              <a:t>buffered output to disk</a:t>
-            </a:r>
-            <a:endParaRPr lang="en-US" altLang="en-US" dirty="0">
-              <a:latin typeface="Courier New" panose="02070309020205020404" pitchFamily="49" charset="0"/>
-            </a:endParaRPr>
-          </a:p>
-          <a:p>
-            <a:r>
-              <a:rPr lang="en-US" altLang="en-US" b="1" dirty="0" smtClean="0">
-                <a:solidFill>
-                  <a:schemeClr val="accent1">
-                    <a:lumMod val="60000"/>
-                    <a:lumOff val="40000"/>
-                  </a:schemeClr>
-                </a:solidFill>
-                <a:latin typeface="Courier New" panose="02070309020205020404" pitchFamily="49" charset="0"/>
-              </a:rPr>
-              <a:t>c</a:t>
-            </a:r>
-            <a:r>
-              <a:rPr lang="en-US" altLang="en-US" b="1" dirty="0" smtClean="0">
-                <a:solidFill>
-                  <a:schemeClr val="accent1">
-                    <a:lumMod val="60000"/>
-                    <a:lumOff val="40000"/>
-                  </a:schemeClr>
-                </a:solidFill>
-                <a:latin typeface="Courier New" panose="02070309020205020404" pitchFamily="49" charset="0"/>
-              </a:rPr>
-              <a:t>lose():</a:t>
+              <a:t>close():</a:t>
             </a:r>
             <a:r>
               <a:rPr lang="en-US" altLang="en-US" dirty="0" smtClean="0"/>
@@ -10794,13 +10755,24 @@
             </a:r>
             <a:r>
               <a:rPr lang="en-US" altLang="en-US" sz="2000" dirty="0" err="1">
+                <a:solidFill>
+                  <a:srgbClr val="FFC000"/>
+                </a:solidFill>
                 <a:latin typeface="Courier New" panose="02070309020205020404" pitchFamily="49" charset="0"/>
               </a:rPr>
               <a:t>BufferedReader</a:t>
             </a:r>
             <a:r>
+              <a:rPr lang="en-US" altLang="en-US" sz="2000" dirty="0">
+                <a:solidFill>
+                  <a:srgbClr val="FFC000"/>
+                </a:solidFill>
+              </a:rPr>
+              <a:t> </a:t>
+            </a:r>
+            <a:r>
               <a:rPr lang="en-US" altLang="en-US" sz="2000" dirty="0"/>
-              <a:t> object, </a:t>
+              <a:t>object, </a:t>
             </a:r>
           </a:p>
           <a:p>
@@ -10811,47 +10783,74 @@
             </a:r>
             <a:r>
               <a:rPr lang="en-US" altLang="en-US" sz="2000" dirty="0" err="1">
+                <a:solidFill>
+                  <a:srgbClr val="92D050"/>
+                </a:solidFill>
                 <a:latin typeface="Courier New" panose="02070309020205020404" pitchFamily="49" charset="0"/>
               </a:rPr>
               <a:t>FileReader</a:t>
             </a:r>
             <a:r>
+              <a:rPr lang="en-US" altLang="en-US" sz="2000" dirty="0">
+                <a:solidFill>
+                  <a:srgbClr val="92D050"/>
+                </a:solidFill>
+              </a:rPr>
+              <a:t> </a:t>
+            </a:r>
+            <a:r>
               <a:rPr lang="en-US" altLang="en-US" sz="2000" dirty="0"/>
-              <a:t> to open a text file</a:t>
+              <a:t>to open a text file</a:t>
             </a:r>
           </a:p>
           <a:p>
             <a:pPr lvl="1"/>
             <a:r>
               <a:rPr lang="en-US" altLang="en-US" sz="2000" dirty="0" err="1">
+                <a:solidFill>
+                  <a:srgbClr val="92D050"/>
+                </a:solidFill>
                 <a:latin typeface="Courier New" panose="02070309020205020404" pitchFamily="49" charset="0"/>
               </a:rPr>
               <a:t>FileReader</a:t>
             </a:r>
             <a:r>
               <a:rPr lang="en-US" altLang="en-US" sz="2000" dirty="0">
-                <a:latin typeface="Courier New" panose="02070309020205020404" pitchFamily="49" charset="0"/>
-              </a:rPr>
-              <a:t> “</a:t>
-            </a:r>
-            <a:r>
-              <a:rPr lang="en-US" altLang="en-US" sz="2000" dirty="0"/>
-              <a:t>connects”</a:t>
+                <a:solidFill>
+                  <a:srgbClr val="92D050"/>
+                </a:solidFill>
+                <a:latin typeface="Courier New" panose="02070309020205020404" pitchFamily="49" charset="0"/>
+              </a:rPr>
+              <a:t> </a:t>
+            </a:r>
+            <a:r>
+              <a:rPr lang="en-US" altLang="en-US" sz="2000" b="1" dirty="0" smtClean="0">
+                <a:solidFill>
+                  <a:srgbClr val="FF0000"/>
+                </a:solidFill>
+              </a:rPr>
+              <a:t>connects</a:t>
+            </a:r>
+            <a:r>
+              <a:rPr lang="en-US" altLang="en-US" sz="2000" dirty="0" smtClean="0">
+                <a:latin typeface="Courier New" panose="02070309020205020404" pitchFamily="49" charset="0"/>
+              </a:rPr>
+              <a:t> </a:t>
+            </a:r>
+            <a:r>
+              <a:rPr lang="en-US" altLang="en-US" sz="2000" dirty="0" err="1">
+                <a:solidFill>
+                  <a:srgbClr val="FFC000"/>
+                </a:solidFill>
+                <a:latin typeface="Courier New" panose="02070309020205020404" pitchFamily="49" charset="0"/>
+              </a:rPr>
+              <a:t>BufferedReader</a:t>
             </a:r>
             <a:r>
               <a:rPr lang="en-US" altLang="en-US" sz="2000" dirty="0">
-                <a:latin typeface="Courier New" panose="02070309020205020404" pitchFamily="49" charset="0"/>
-              </a:rPr>
-              <a:t> </a:t>
-            </a:r>
-            <a:r>
-              <a:rPr lang="en-US" altLang="en-US" sz="2000" dirty="0" err="1">
-                <a:latin typeface="Courier New" panose="02070309020205020404" pitchFamily="49" charset="0"/>
-              </a:rPr>
-              <a:t>BufferedReader</a:t>
-            </a:r>
-            <a:r>
-              <a:rPr lang="en-US" altLang="en-US" sz="2000" dirty="0">
+                <a:solidFill>
+                  <a:srgbClr val="FFC000"/>
+                </a:solidFill>
                 <a:latin typeface="Courier New" panose="02070309020205020404" pitchFamily="49" charset="0"/>
               </a:rPr>
               <a:t> </a:t>
@@ -11375,14 +11374,24 @@
           <a:lstStyle/>
           <a:p>
             <a:r>
-              <a:rPr lang="en-US" altLang="en-US" dirty="0" err="1">
+              <a:rPr lang="en-US" altLang="en-US" dirty="0" err="1" smtClean="0">
                 <a:latin typeface="Courier New" panose="02070309020205020404" pitchFamily="49" charset="0"/>
               </a:rPr>
               <a:t>readLine</a:t>
             </a:r>
             <a:r>
+              <a:rPr lang="en-US" altLang="en-US" dirty="0" smtClean="0">
+                <a:latin typeface="Courier New" panose="02070309020205020404" pitchFamily="49" charset="0"/>
+              </a:rPr>
+              <a:t>()</a:t>
+            </a:r>
+            <a:r>
+              <a:rPr lang="en-US" altLang="en-US" dirty="0" smtClean="0"/>
+              <a:t>: </a:t>
+            </a:r>
+            <a:r>
               <a:rPr lang="en-US" altLang="en-US" dirty="0"/>
-              <a:t>: read a line into a </a:t>
+              <a:t>read a line into a </a:t>
             </a:r>
             <a:r>
               <a:rPr lang="en-US" altLang="en-US" dirty="0">
@@ -11423,11 +11432,21 @@
               <a:rPr lang="en-US" altLang="en-US" dirty="0">
                 <a:latin typeface="Courier New" panose="02070309020205020404" pitchFamily="49" charset="0"/>
               </a:rPr>
-              <a:t>read</a:t>
+              <a:t>r</a:t>
+            </a:r>
+            <a:r>
+              <a:rPr lang="en-US" altLang="en-US" dirty="0" smtClean="0">
+                <a:latin typeface="Courier New" panose="02070309020205020404" pitchFamily="49" charset="0"/>
+              </a:rPr>
+              <a:t>ead()</a:t>
+            </a:r>
+            <a:r>
+              <a:rPr lang="en-US" altLang="en-US" dirty="0" smtClean="0"/>
+              <a:t>: </a:t>
             </a:r>
             <a:r>
               <a:rPr lang="en-US" altLang="en-US" dirty="0"/>
-              <a:t>: read a </a:t>
+              <a:t>read a </a:t>
             </a:r>
             <a:r>
               <a:rPr lang="en-US" altLang="en-US" dirty="0">
@@ -11445,13 +11464,23 @@
               <a:rPr lang="en-US" altLang="en-US" dirty="0">
                 <a:latin typeface="Courier New" panose="02070309020205020404" pitchFamily="49" charset="0"/>
               </a:rPr>
+              <a:t>c</a:t>
+            </a:r>
+            <a:r>
+              <a:rPr lang="en-US" altLang="en-US" dirty="0" smtClean="0">
+                <a:latin typeface="Courier New" panose="02070309020205020404" pitchFamily="49" charset="0"/>
+              </a:rPr>
+              <a:t>lose()</a:t>
+            </a:r>
+            <a:r>
+              <a:rPr lang="en-US" altLang="en-US" dirty="0" smtClean="0"/>
+              <a:t>: </a:t>
+            </a:r>
+            <a:r>
+              <a:rPr lang="en-US" altLang="en-US" dirty="0"/>
               <a:t>close</a:t>
             </a:r>
             <a:r>
-              <a:rPr lang="en-US" altLang="en-US" dirty="0"/>
-              <a:t>: close</a:t>
-            </a:r>
-            <a:r>
               <a:rPr lang="en-US" altLang="en-US" dirty="0">
                 <a:latin typeface="Courier New" panose="02070309020205020404" pitchFamily="49" charset="0"/>
               </a:rPr>
@@ -11459,12 +11488,18 @@
             </a:r>
             <a:r>
               <a:rPr lang="en-US" altLang="en-US" dirty="0" err="1">
+                <a:solidFill>
+                  <a:srgbClr val="FFC000"/>
+                </a:solidFill>
                 <a:latin typeface="Courier New" panose="02070309020205020404" pitchFamily="49" charset="0"/>
               </a:rPr>
               <a:t>BufferedReader</a:t>
             </a:r>
             <a:r>
               <a:rPr lang="en-US" altLang="en-US" dirty="0">
+                <a:solidFill>
+                  <a:srgbClr val="FFC000"/>
+                </a:solidFill>
                 <a:latin typeface="Courier New" panose="02070309020205020404" pitchFamily="49" charset="0"/>
               </a:rPr>
               <a:t> </a:t>
@@ -11575,34 +11610,36 @@
         <p:spPr/>
         <p:txBody>
           <a:bodyPr>
-            <a:normAutofit fontScale="92500"/>
+            <a:normAutofit lnSpcReduction="10000"/>
           </a:bodyPr>
           <a:lstStyle/>
           <a:p>
-            <a:pPr>
-              <a:buFontTx/>
-              <a:buNone/>
-            </a:pPr>
-            <a:r>
-              <a:rPr lang="en-US" altLang="en-US" u="sng" dirty="0"/>
-              <a:t>Catching </a:t>
-            </a:r>
-            <a:r>
-              <a:rPr lang="en-US" altLang="en-US" u="sng" dirty="0" err="1"/>
-              <a:t>IOExceptions</a:t>
-            </a:r>
-            <a:endParaRPr lang="en-US" altLang="en-US" u="sng" dirty="0"/>
-          </a:p>
-          <a:p>
-            <a:r>
-              <a:rPr lang="en-US" altLang="en-US" dirty="0" err="1">
+            <a:r>
+              <a:rPr lang="en-US" altLang="en-US" dirty="0" err="1" smtClean="0">
+                <a:solidFill>
+                  <a:schemeClr val="accent1">
+                    <a:lumMod val="60000"/>
+                    <a:lumOff val="40000"/>
+                  </a:schemeClr>
+                </a:solidFill>
                 <a:latin typeface="Courier New" panose="02070309020205020404" pitchFamily="49" charset="0"/>
               </a:rPr>
               <a:t>IOException</a:t>
             </a:r>
             <a:r>
+              <a:rPr lang="en-US" altLang="en-US" dirty="0" smtClean="0">
+                <a:solidFill>
+                  <a:schemeClr val="accent1">
+                    <a:lumMod val="60000"/>
+                    <a:lumOff val="40000"/>
+                  </a:schemeClr>
+                </a:solidFill>
+              </a:rPr>
+              <a:t> </a:t>
+            </a:r>
+            <a:r>
               <a:rPr lang="en-US" altLang="en-US" dirty="0"/>
-              <a:t> is a predefined class</a:t>
+              <a:t>is a predefined class</a:t>
             </a:r>
           </a:p>
           <a:p>
@@ -11612,11 +11649,24 @@
             </a:r>
             <a:r>
               <a:rPr lang="en-US" altLang="en-US" dirty="0" err="1">
+                <a:solidFill>
+                  <a:schemeClr val="accent1">
+                    <a:lumMod val="60000"/>
+                    <a:lumOff val="40000"/>
+                  </a:schemeClr>
+                </a:solidFill>
                 <a:latin typeface="Courier New" panose="02070309020205020404" pitchFamily="49" charset="0"/>
               </a:rPr>
               <a:t>IOException</a:t>
             </a:r>
-            <a:endParaRPr lang="en-US" altLang="en-US" dirty="0"/>
+            <a:endParaRPr lang="en-US" altLang="en-US" dirty="0">
+              <a:solidFill>
+                <a:schemeClr val="accent1">
+                  <a:lumMod val="60000"/>
+                  <a:lumOff val="40000"/>
+                </a:schemeClr>
+              </a:solidFill>
+            </a:endParaRPr>
           </a:p>
           <a:p>
             <a:r>
@@ -11627,21 +11677,50 @@
           <a:p>
             <a:r>
               <a:rPr lang="en-US" altLang="en-US" dirty="0" err="1">
+                <a:solidFill>
+                  <a:schemeClr val="accent1">
+                    <a:lumMod val="60000"/>
+                    <a:lumOff val="40000"/>
+                  </a:schemeClr>
+                </a:solidFill>
                 <a:latin typeface="Courier New" panose="02070309020205020404" pitchFamily="49" charset="0"/>
               </a:rPr>
               <a:t>FileNotFoundException</a:t>
             </a:r>
             <a:r>
+              <a:rPr lang="en-US" altLang="en-US" dirty="0">
+                <a:solidFill>
+                  <a:schemeClr val="accent1">
+                    <a:lumMod val="60000"/>
+                    <a:lumOff val="40000"/>
+                  </a:schemeClr>
+                </a:solidFill>
+              </a:rPr>
+              <a:t> </a:t>
+            </a:r>
+            <a:r>
               <a:rPr lang="en-US" altLang="en-US" dirty="0"/>
-              <a:t> is derived from </a:t>
+              <a:t>is derived from </a:t>
             </a:r>
             <a:r>
               <a:rPr lang="en-US" altLang="en-US" dirty="0" err="1">
+                <a:solidFill>
+                  <a:schemeClr val="accent1">
+                    <a:lumMod val="60000"/>
+                    <a:lumOff val="40000"/>
+                  </a:schemeClr>
+                </a:solidFill>
                 <a:latin typeface="Courier New" panose="02070309020205020404" pitchFamily="49" charset="0"/>
               </a:rPr>
               <a:t>IOException</a:t>
             </a:r>
             <a:endParaRPr lang="en-US" altLang="en-US" dirty="0">
+              <a:solidFill>
+                <a:schemeClr val="accent1">
+                  <a:lumMod val="60000"/>
+                  <a:lumOff val="40000"/>
+                </a:schemeClr>
+              </a:solidFill>
               <a:latin typeface="Courier New" panose="02070309020205020404" pitchFamily="49" charset="0"/>
             </a:endParaRPr>
           </a:p>
@@ -11649,10 +11728,24 @@
             <a:pPr lvl="1"/>
             <a:r>
               <a:rPr lang="en-US" altLang="en-US" sz="2000" dirty="0"/>
-              <a:t>therefor any catch block that catches </a:t>
+              <a:t>T</a:t>
+            </a:r>
+            <a:r>
+              <a:rPr lang="en-US" altLang="en-US" sz="2000" dirty="0" smtClean="0"/>
+              <a:t>herefor </a:t>
+            </a:r>
+            <a:r>
+              <a:rPr lang="en-US" altLang="en-US" sz="2000" dirty="0"/>
+              <a:t>any catch block that catches </a:t>
             </a:r>
             <a:r>
               <a:rPr lang="en-US" altLang="en-US" sz="2000" dirty="0" err="1">
+                <a:solidFill>
+                  <a:schemeClr val="accent1">
+                    <a:lumMod val="60000"/>
+                    <a:lumOff val="40000"/>
+                  </a:schemeClr>
+                </a:solidFill>
                 <a:latin typeface="Courier New" panose="02070309020205020404" pitchFamily="49" charset="0"/>
               </a:rPr>
               <a:t>IOException</a:t>
@@ -11667,6 +11760,12 @@
             </a:r>
             <a:r>
               <a:rPr lang="en-US" altLang="en-US" sz="2000" dirty="0" err="1">
+                <a:solidFill>
+                  <a:schemeClr val="accent1">
+                    <a:lumMod val="60000"/>
+                    <a:lumOff val="40000"/>
+                  </a:schemeClr>
+                </a:solidFill>
                 <a:latin typeface="Courier New" panose="02070309020205020404" pitchFamily="49" charset="0"/>
               </a:rPr>
               <a:t>FileNotFoundException</a:t>
@@ -11680,15 +11779,23 @@
           <a:p>
             <a:pPr lvl="1"/>
             <a:r>
+              <a:rPr lang="en-US" altLang="en-US" sz="2000" dirty="0" smtClean="0"/>
+              <a:t>Put </a:t>
+            </a:r>
+            <a:r>
               <a:rPr lang="en-US" altLang="en-US" sz="2000" dirty="0"/>
-              <a:t>put the more specific one first (the derived one) so it catches specifically file-not-found exceptions</a:t>
+              <a:t>the more specific one first (the derived one) so it catches specifically file-not-found exceptions</a:t>
             </a:r>
           </a:p>
           <a:p>
             <a:pPr lvl="1"/>
             <a:r>
+              <a:rPr lang="en-US" altLang="en-US" sz="2000" dirty="0" smtClean="0"/>
+              <a:t>Then </a:t>
+            </a:r>
+            <a:r>
               <a:rPr lang="en-US" altLang="en-US" sz="2000" dirty="0"/>
-              <a:t>then you will know that an I/O error is something other than file-not-found</a:t>
+              <a:t>you will know that an I/O error is something other than file-not-found</a:t>
             </a:r>
           </a:p>
           <a:p>
@@ -11819,13 +11926,24 @@
             </a:r>
             <a:r>
               <a:rPr lang="en-US" altLang="en-US" dirty="0" err="1">
+                <a:solidFill>
+                  <a:srgbClr val="FFC000"/>
+                </a:solidFill>
                 <a:latin typeface="Courier New" panose="02070309020205020404" pitchFamily="49" charset="0"/>
               </a:rPr>
               <a:t>BufferedReader</a:t>
             </a:r>
             <a:r>
+              <a:rPr lang="en-US" altLang="en-US" dirty="0">
+                <a:solidFill>
+                  <a:srgbClr val="FFC000"/>
+                </a:solidFill>
+              </a:rPr>
+              <a:t> </a:t>
+            </a:r>
+            <a:r>
               <a:rPr lang="en-US" altLang="en-US" dirty="0"/>
-              <a:t> methods to read a line and a character, but not just a single word</a:t>
+              <a:t>methods to read a line and a character, but not just a single word</a:t>
             </a:r>
           </a:p>
           <a:p>
@@ -11973,10 +12091,50 @@
           <a:lstStyle/>
           <a:p>
             <a:r>
-              <a:rPr lang="en-US" altLang="en-US" sz="4400" dirty="0"/>
-              <a:t>Testing for End of File in a Text File</a:t>
-            </a:r>
-            <a:endParaRPr lang="en-US" dirty="0"/>
+              <a:rPr lang="en-US" dirty="0" smtClean="0"/>
+              <a:t>String </a:t>
+            </a:r>
+            <a:r>
+              <a:rPr lang="en-US" dirty="0" err="1"/>
+              <a:t>tokenizer</a:t>
+            </a:r>
+            <a:r>
+              <a:rPr lang="en-US" dirty="0"/>
+              <a:t> in Java</a:t>
+            </a:r>
+            <a:br>
+              <a:rPr lang="en-US" dirty="0"/>
+            </a:br>
+            <a:r>
+              <a:rPr lang="en-US" dirty="0"/>
+              <a:t>Based on </a:t>
+            </a:r>
+            <a:r>
+              <a:rPr lang="en-US" dirty="0" err="1">
+                <a:solidFill>
+                  <a:schemeClr val="accent1">
+                    <a:lumMod val="60000"/>
+                    <a:lumOff val="40000"/>
+                  </a:schemeClr>
+                </a:solidFill>
+              </a:rPr>
+              <a:t>stackoverflow</a:t>
+            </a:r>
+            <a:r>
+              <a:rPr lang="en-US" dirty="0">
+                <a:solidFill>
+                  <a:schemeClr val="accent1">
+                    <a:lumMod val="60000"/>
+                    <a:lumOff val="40000"/>
+                  </a:schemeClr>
+                </a:solidFill>
+              </a:rPr>
+              <a:t> </a:t>
+            </a:r>
+            <a:r>
+              <a:rPr lang="en-US" dirty="0"/>
+              <a:t>answer</a:t>
+            </a:r>
           </a:p>
         </p:txBody>
       </p:sp>
@@ -11995,122 +12153,61 @@
           <a:bodyPr/>
           <a:lstStyle/>
           <a:p>
-            <a:pPr>
-              <a:buFontTx/>
-              <a:buNone/>
-            </a:pPr>
-            <a:endParaRPr lang="en-US" altLang="en-US" dirty="0"/>
-          </a:p>
-          <a:p>
-            <a:r>
-              <a:rPr lang="en-US" altLang="en-US" dirty="0"/>
-              <a:t>When </a:t>
-            </a:r>
-            <a:r>
-              <a:rPr lang="en-US" altLang="en-US" dirty="0" err="1">
-                <a:latin typeface="Courier New" panose="02070309020205020404" pitchFamily="49" charset="0"/>
-              </a:rPr>
-              <a:t>readLine</a:t>
-            </a:r>
-            <a:r>
-              <a:rPr lang="en-US" altLang="en-US" dirty="0"/>
-              <a:t> tries to read beyond the end of a text file it returns the special value </a:t>
-            </a:r>
-            <a:r>
-              <a:rPr lang="en-US" altLang="en-US" i="1" dirty="0">
-                <a:latin typeface="Courier New" panose="02070309020205020404" pitchFamily="49" charset="0"/>
-              </a:rPr>
-              <a:t>null</a:t>
-            </a:r>
+            <a:r>
+              <a:rPr lang="en-US" dirty="0"/>
+              <a:t>From </a:t>
+            </a:r>
+            <a:r>
+              <a:rPr lang="en-US" dirty="0" err="1"/>
+              <a:t>StringTokenizer</a:t>
+            </a:r>
+            <a:r>
+              <a:rPr lang="en-US" dirty="0"/>
+              <a:t> documentation </a:t>
+            </a:r>
+            <a:r>
+              <a:rPr lang="en-US" dirty="0" smtClean="0"/>
+              <a:t>:</a:t>
+            </a:r>
+            <a:endParaRPr lang="en-US" dirty="0"/>
           </a:p>
           <a:p>
             <a:pPr lvl="1"/>
             <a:r>
-              <a:rPr lang="en-US" altLang="en-US" sz="2000" dirty="0"/>
-              <a:t>so you can test for </a:t>
-            </a:r>
-            <a:r>
-              <a:rPr lang="en-US" altLang="en-US" sz="2000" dirty="0">
-                <a:latin typeface="Courier New" panose="02070309020205020404" pitchFamily="49" charset="0"/>
-              </a:rPr>
-              <a:t>null</a:t>
-            </a:r>
-            <a:r>
-              <a:rPr lang="en-US" altLang="en-US" sz="2000" dirty="0"/>
-              <a:t> to stop processing a text file</a:t>
-            </a:r>
-          </a:p>
-          <a:p>
-            <a:pPr lvl="1"/>
-            <a:endParaRPr lang="en-US" altLang="en-US" sz="2000" dirty="0"/>
-          </a:p>
-          <a:p>
-            <a:r>
-              <a:rPr lang="en-US" altLang="en-US" dirty="0">
-                <a:latin typeface="Courier New" panose="02070309020205020404" pitchFamily="49" charset="0"/>
-              </a:rPr>
-              <a:t>read</a:t>
-            </a:r>
-            <a:r>
-              <a:rPr lang="en-US" altLang="en-US" dirty="0"/>
-              <a:t> returns -1 when it tries to read beyond the end of a text file</a:t>
-            </a:r>
-          </a:p>
-          <a:p>
-            <a:pPr lvl="1"/>
-            <a:r>
-              <a:rPr lang="en-US" altLang="en-US" sz="2000" dirty="0"/>
-              <a:t>the </a:t>
-            </a:r>
-            <a:r>
-              <a:rPr lang="en-US" altLang="en-US" sz="2000" dirty="0" err="1">
-                <a:latin typeface="Courier New" panose="02070309020205020404" pitchFamily="49" charset="0"/>
-              </a:rPr>
-              <a:t>int</a:t>
-            </a:r>
-            <a:r>
-              <a:rPr lang="en-US" altLang="en-US" sz="2000" dirty="0"/>
-              <a:t> value of all ordinary characters is nonnegative</a:t>
-            </a:r>
-          </a:p>
-          <a:p>
-            <a:pPr lvl="1"/>
-            <a:endParaRPr lang="en-US" altLang="en-US" sz="2000" dirty="0"/>
-          </a:p>
-          <a:p>
-            <a:r>
-              <a:rPr lang="en-US" altLang="en-US" dirty="0"/>
-              <a:t>Neither of these two methods (</a:t>
-            </a:r>
-            <a:r>
-              <a:rPr lang="en-US" altLang="en-US" dirty="0">
-                <a:latin typeface="Courier New" panose="02070309020205020404" pitchFamily="49" charset="0"/>
-              </a:rPr>
-              <a:t>read</a:t>
-            </a:r>
-            <a:r>
-              <a:rPr lang="en-US" altLang="en-US" dirty="0"/>
-              <a:t> and </a:t>
-            </a:r>
-            <a:r>
-              <a:rPr lang="en-US" altLang="en-US" dirty="0" err="1">
-                <a:latin typeface="Courier New" panose="02070309020205020404" pitchFamily="49" charset="0"/>
-              </a:rPr>
-              <a:t>readLine</a:t>
-            </a:r>
-            <a:r>
-              <a:rPr lang="en-US" altLang="en-US" dirty="0"/>
-              <a:t>) will throw an </a:t>
-            </a:r>
-            <a:r>
-              <a:rPr lang="en-US" altLang="en-US" dirty="0" err="1">
-                <a:latin typeface="Courier New" panose="02070309020205020404" pitchFamily="49" charset="0"/>
-              </a:rPr>
-              <a:t>EOFException</a:t>
-            </a:r>
-            <a:r>
-              <a:rPr lang="en-US" altLang="en-US" dirty="0"/>
-              <a:t>.</a:t>
+              <a:rPr lang="en-US" dirty="0" err="1" smtClean="0"/>
+              <a:t>StringTokenizer</a:t>
+            </a:r>
+            <a:r>
+              <a:rPr lang="en-US" dirty="0" smtClean="0"/>
+              <a:t> </a:t>
+            </a:r>
+            <a:r>
+              <a:rPr lang="en-US" dirty="0"/>
+              <a:t>is a legacy class that is retained for compatibility reasons although its use is discouraged in new code. It is recommended that anyone seeking this functionality use the </a:t>
+            </a:r>
+            <a:r>
+              <a:rPr lang="en-US" b="1" dirty="0">
+                <a:solidFill>
+                  <a:srgbClr val="FFC000"/>
+                </a:solidFill>
+              </a:rPr>
+              <a:t>split method </a:t>
+            </a:r>
+            <a:r>
+              <a:rPr lang="en-US" dirty="0"/>
+              <a:t>of String or the </a:t>
+            </a:r>
+            <a:r>
+              <a:rPr lang="en-US" b="1" dirty="0" err="1">
+                <a:solidFill>
+                  <a:srgbClr val="00B050"/>
+                </a:solidFill>
+              </a:rPr>
+              <a:t>java.util.regex</a:t>
+            </a:r>
+            <a:r>
+              <a:rPr lang="en-US" dirty="0"/>
+              <a:t> package instead.</a:t>
             </a:r>
           </a:p>
           <a:p>
@@ -12144,7 +12241,7 @@
     </p:spTree>
     <p:extLst>
       <p:ext uri="{BB962C8B-B14F-4D97-AF65-F5344CB8AC3E}">
-        <p14:creationId xmlns:p14="http://schemas.microsoft.com/office/powerpoint/2010/main" val="3682498222"/>
+        <p14:creationId xmlns:p14="http://schemas.microsoft.com/office/powerpoint/2010/main" val="3435075355"/>
       </p:ext>
     </p:extLst>
   </p:cSld>
@@ -12187,8 +12284,8 @@
           <a:lstStyle/>
           <a:p>
             <a:r>
-              <a:rPr lang="en-US" altLang="en-US" dirty="0"/>
-              <a:t>Using Path Names</a:t>
+              <a:rPr lang="en-US" altLang="en-US" sz="4400" dirty="0"/>
+              <a:t>Testing for End of File in a Text File</a:t>
             </a:r>
             <a:endParaRPr lang="en-US" dirty="0"/>
           </a:p>
@@ -12204,149 +12301,141 @@
             <p:ph idx="1"/>
           </p:nvPr>
         </p:nvSpPr>
-        <p:spPr>
-          <a:xfrm>
-            <a:off x="1103312" y="1444336"/>
-            <a:ext cx="8946541" cy="4804063"/>
-          </a:xfrm>
-        </p:spPr>
-        <p:txBody>
-          <a:bodyPr>
-            <a:normAutofit/>
-          </a:bodyPr>
+        <p:spPr/>
+        <p:txBody>
+          <a:bodyPr/>
           <a:lstStyle/>
-          <a:p>
-            <a:r>
-              <a:rPr lang="en-US" altLang="en-US" b="1" i="1" dirty="0">
-                <a:solidFill>
-                  <a:srgbClr val="FFC000"/>
-                </a:solidFill>
-              </a:rPr>
-              <a:t>Path </a:t>
-            </a:r>
-            <a:r>
-              <a:rPr lang="en-US" altLang="en-US" b="1" i="1" dirty="0" smtClean="0">
-                <a:solidFill>
-                  <a:srgbClr val="FFC000"/>
-                </a:solidFill>
-              </a:rPr>
-              <a:t>name</a:t>
-            </a:r>
-            <a:r>
-              <a:rPr lang="en-US" altLang="en-US" dirty="0" smtClean="0">
-                <a:solidFill>
-                  <a:srgbClr val="FFC000"/>
-                </a:solidFill>
-              </a:rPr>
-              <a:t> </a:t>
-            </a:r>
-            <a:r>
-              <a:rPr lang="en-US" altLang="en-US" dirty="0" smtClean="0"/>
-              <a:t>gives </a:t>
-            </a:r>
-            <a:r>
-              <a:rPr lang="en-US" altLang="en-US" dirty="0"/>
-              <a:t>name of file and tells which directory the file is in</a:t>
-            </a:r>
-          </a:p>
-          <a:p>
-            <a:r>
-              <a:rPr lang="en-US" altLang="en-US" b="1" i="1" dirty="0">
-                <a:solidFill>
-                  <a:srgbClr val="00B0F0"/>
-                </a:solidFill>
-              </a:rPr>
-              <a:t>Relative path </a:t>
-            </a:r>
-            <a:r>
-              <a:rPr lang="en-US" altLang="en-US" b="1" i="1" dirty="0" smtClean="0">
-                <a:solidFill>
-                  <a:srgbClr val="00B0F0"/>
-                </a:solidFill>
-              </a:rPr>
-              <a:t>name</a:t>
-            </a:r>
-            <a:r>
-              <a:rPr lang="en-US" altLang="en-US" dirty="0"/>
-              <a:t> </a:t>
-            </a:r>
-            <a:r>
-              <a:rPr lang="en-US" altLang="en-US" dirty="0" smtClean="0"/>
-              <a:t>gives </a:t>
-            </a:r>
-            <a:r>
-              <a:rPr lang="en-US" altLang="en-US" dirty="0"/>
-              <a:t>the path starting with the directory that the program is in</a:t>
-            </a:r>
-          </a:p>
-          <a:p>
-            <a:r>
-              <a:rPr lang="en-US" altLang="en-US" dirty="0"/>
-              <a:t>Typical UNIX path name:</a:t>
-            </a:r>
-          </a:p>
           <a:p>
             <a:pPr>
               <a:buFontTx/>
               <a:buNone/>
             </a:pPr>
+            <a:endParaRPr lang="en-US" altLang="en-US" dirty="0"/>
+          </a:p>
+          <a:p>
+            <a:r>
+              <a:rPr lang="en-US" altLang="en-US" dirty="0"/>
+              <a:t>When </a:t>
+            </a:r>
+            <a:r>
+              <a:rPr lang="en-US" altLang="en-US" dirty="0" err="1" smtClean="0">
+                <a:latin typeface="Courier New" panose="02070309020205020404" pitchFamily="49" charset="0"/>
+              </a:rPr>
+              <a:t>readLine</a:t>
+            </a:r>
+            <a:r>
+              <a:rPr lang="en-US" altLang="en-US" smtClean="0">
+                <a:latin typeface="Courier New" panose="02070309020205020404" pitchFamily="49" charset="0"/>
+              </a:rPr>
+              <a:t>()</a:t>
+            </a:r>
+            <a:r>
+              <a:rPr lang="en-US" altLang="en-US" smtClean="0"/>
+              <a:t> </a:t>
+            </a:r>
+            <a:r>
+              <a:rPr lang="en-US" altLang="en-US" dirty="0"/>
+              <a:t>tries to read beyond the end of a text file it returns the special value </a:t>
+            </a:r>
+            <a:r>
+              <a:rPr lang="en-US" altLang="en-US" i="1" dirty="0">
+                <a:latin typeface="Courier New" panose="02070309020205020404" pitchFamily="49" charset="0"/>
+              </a:rPr>
+              <a:t>null</a:t>
+            </a:r>
+          </a:p>
+          <a:p>
+            <a:pPr lvl="1"/>
+            <a:r>
+              <a:rPr lang="en-US" altLang="en-US" sz="2000" dirty="0"/>
+              <a:t>so you can test for </a:t>
+            </a:r>
+            <a:r>
+              <a:rPr lang="en-US" altLang="en-US" sz="2000" dirty="0">
+                <a:latin typeface="Courier New" panose="02070309020205020404" pitchFamily="49" charset="0"/>
+              </a:rPr>
+              <a:t>null</a:t>
+            </a:r>
+            <a:r>
+              <a:rPr lang="en-US" altLang="en-US" sz="2000" dirty="0"/>
+              <a:t> to stop processing a text file</a:t>
+            </a:r>
+          </a:p>
+          <a:p>
+            <a:pPr lvl="1"/>
+            <a:endParaRPr lang="en-US" altLang="en-US" sz="2000" dirty="0"/>
+          </a:p>
+          <a:p>
             <a:r>
               <a:rPr lang="en-US" altLang="en-US" dirty="0">
                 <a:latin typeface="Courier New" panose="02070309020205020404" pitchFamily="49" charset="0"/>
               </a:rPr>
-              <a:t>/</a:t>
-            </a:r>
-            <a:r>
-              <a:rPr lang="en-US" altLang="en-US" dirty="0" smtClean="0">
-                <a:latin typeface="Courier New" panose="02070309020205020404" pitchFamily="49" charset="0"/>
-              </a:rPr>
-              <a:t>user/smith/home/work/java/FileClassDemo.java</a:t>
-            </a:r>
-            <a:endParaRPr lang="en-US" altLang="en-US" dirty="0">
-              <a:latin typeface="Courier New" panose="02070309020205020404" pitchFamily="49" charset="0"/>
-            </a:endParaRPr>
-          </a:p>
-          <a:p>
+              <a:t>read</a:t>
+            </a:r>
             <a:r>
               <a:rPr lang="en-US" altLang="en-US" dirty="0"/>
-              <a:t>Typical Windows path name:</a:t>
-            </a:r>
-          </a:p>
-          <a:p>
-            <a:pPr>
-              <a:buFontTx/>
-              <a:buNone/>
-            </a:pPr>
+              <a:t> returns -1 when it tries to read beyond the end of a text file</a:t>
+            </a:r>
+          </a:p>
+          <a:p>
+            <a:pPr lvl="1"/>
+            <a:r>
+              <a:rPr lang="en-US" altLang="en-US" sz="2000" dirty="0"/>
+              <a:t>the </a:t>
+            </a:r>
+            <a:r>
+              <a:rPr lang="en-US" altLang="en-US" sz="2000" dirty="0" err="1">
+                <a:latin typeface="Courier New" panose="02070309020205020404" pitchFamily="49" charset="0"/>
+              </a:rPr>
+              <a:t>int</a:t>
+            </a:r>
+            <a:r>
+              <a:rPr lang="en-US" altLang="en-US" sz="2000" dirty="0"/>
+              <a:t> value of all ordinary characters is nonnegative</a:t>
+            </a:r>
+          </a:p>
+          <a:p>
+            <a:pPr lvl="1"/>
+            <a:endParaRPr lang="en-US" altLang="en-US" sz="2000" dirty="0"/>
+          </a:p>
+          <a:p>
+            <a:r>
+              <a:rPr lang="en-US" altLang="en-US" dirty="0"/>
+              <a:t>Neither of these two methods (</a:t>
+            </a:r>
             <a:r>
               <a:rPr lang="en-US" altLang="en-US" dirty="0">
                 <a:latin typeface="Courier New" panose="02070309020205020404" pitchFamily="49" charset="0"/>
               </a:rPr>
-              <a:t>D:\Work\Java\Programs\FileClassDemo.java</a:t>
-            </a:r>
-          </a:p>
-          <a:p>
+              <a:t>read</a:t>
+            </a:r>
             <a:r>
               <a:rPr lang="en-US" altLang="en-US" dirty="0"/>
-              <a:t>When a backslash is used in a quoted string it must be written as two backslashes since backslash is the escape character:</a:t>
-            </a:r>
-          </a:p>
-          <a:p>
-            <a:pPr>
-              <a:buFontTx/>
-              <a:buNone/>
-            </a:pPr>
-            <a:r>
-              <a:rPr lang="en-US" altLang="en-US" dirty="0">
-                <a:latin typeface="Courier New" panose="02070309020205020404" pitchFamily="49" charset="0"/>
-              </a:rPr>
-              <a:t>"D:\\Work\\Java\\Programs\\FileClassDemo.java"</a:t>
-            </a:r>
-          </a:p>
-          <a:p>
+              <a:t> and </a:t>
+            </a:r>
+            <a:r>
+              <a:rPr lang="en-US" altLang="en-US" dirty="0" err="1">
+                <a:latin typeface="Courier New" panose="02070309020205020404" pitchFamily="49" charset="0"/>
+              </a:rPr>
+              <a:t>readLine</a:t>
+            </a:r>
             <a:r>
               <a:rPr lang="en-US" altLang="en-US" dirty="0"/>
-              <a:t>Java will accept path names in UNIX or Windows format, regardless of which operating system it is actually running on.</a:t>
-            </a:r>
+              <a:t>) will throw an </a:t>
+            </a:r>
+            <a:r>
+              <a:rPr lang="en-US" altLang="en-US" dirty="0" err="1">
+                <a:latin typeface="Courier New" panose="02070309020205020404" pitchFamily="49" charset="0"/>
+              </a:rPr>
+              <a:t>EOFException</a:t>
+            </a:r>
+            <a:r>
+              <a:rPr lang="en-US" altLang="en-US" dirty="0"/>
+              <a:t>.</a:t>
+            </a:r>
+          </a:p>
+          <a:p>
+            <a:endParaRPr lang="en-US" dirty="0"/>
           </a:p>
         </p:txBody>
       </p:sp>
@@ -12376,20 +12465,13 @@
     </p:spTree>
     <p:extLst>
       <p:ext uri="{BB962C8B-B14F-4D97-AF65-F5344CB8AC3E}">
-        <p14:creationId xmlns:p14="http://schemas.microsoft.com/office/powerpoint/2010/main" val="77456297"/>
+        <p14:creationId xmlns:p14="http://schemas.microsoft.com/office/powerpoint/2010/main" val="3682498222"/>
       </p:ext>
     </p:extLst>
   </p:cSld>
   <p:clrMapOvr>
     <a:masterClrMapping/>
   </p:clrMapOvr>
-  <p:timing>
-    <p:tnLst>
-      <p:par>
-        <p:cTn id="1" dur="indefinite" restart="never" nodeType="tmRoot"/>
-      </p:par>
-    </p:tnLst>
-  </p:timing>
 </p:sld>
 </file>
 
@@ -12426,29 +12508,10 @@
           <a:lstStyle/>
           <a:p>
             <a:r>
-              <a:rPr lang="en-US" altLang="en-US" b="1" dirty="0">
-                <a:latin typeface="Courier New" panose="02070309020205020404" pitchFamily="49" charset="0"/>
-              </a:rPr>
-              <a:t>File</a:t>
-            </a:r>
-            <a:r>
               <a:rPr lang="en-US" altLang="en-US" dirty="0"/>
-              <a:t> Class </a:t>
-            </a:r>
-            <a:r>
-              <a:rPr lang="en-US" altLang="en-US" sz="2400" dirty="0">
-                <a:solidFill>
-                  <a:srgbClr val="FFFF00"/>
-                </a:solidFill>
-                <a:latin typeface="Courier New" panose="02070309020205020404" pitchFamily="49" charset="0"/>
-              </a:rPr>
-              <a:t>[java.io]</a:t>
-            </a:r>
-            <a:endParaRPr lang="en-US" dirty="0">
-              <a:solidFill>
-                <a:srgbClr val="FFFF00"/>
-              </a:solidFill>
-            </a:endParaRPr>
+              <a:t>Using Path Names</a:t>
+            </a:r>
+            <a:endParaRPr lang="en-US" dirty="0"/>
           </a:p>
         </p:txBody>
       </p:sp>
@@ -12464,530 +12527,147 @@
         </p:nvSpPr>
         <p:spPr>
           <a:xfrm>
-            <a:off x="1103312" y="1853248"/>
-            <a:ext cx="8946541" cy="4395151"/>
+            <a:off x="1103312" y="1444336"/>
+            <a:ext cx="8946541" cy="4804063"/>
           </a:xfrm>
         </p:spPr>
         <p:txBody>
           <a:bodyPr>
-            <a:normAutofit fontScale="85000" lnSpcReduction="20000"/>
+            <a:normAutofit/>
           </a:bodyPr>
           <a:lstStyle/>
           <a:p>
+            <a:r>
+              <a:rPr lang="en-US" altLang="en-US" b="1" i="1" dirty="0">
+                <a:solidFill>
+                  <a:srgbClr val="FFC000"/>
+                </a:solidFill>
+              </a:rPr>
+              <a:t>Path </a:t>
+            </a:r>
+            <a:r>
+              <a:rPr lang="en-US" altLang="en-US" b="1" i="1" dirty="0" smtClean="0">
+                <a:solidFill>
+                  <a:srgbClr val="FFC000"/>
+                </a:solidFill>
+              </a:rPr>
+              <a:t>name</a:t>
+            </a:r>
+            <a:r>
+              <a:rPr lang="en-US" altLang="en-US" dirty="0" smtClean="0">
+                <a:solidFill>
+                  <a:srgbClr val="FFC000"/>
+                </a:solidFill>
+              </a:rPr>
+              <a:t> </a:t>
+            </a:r>
+            <a:r>
+              <a:rPr lang="en-US" altLang="en-US" dirty="0" smtClean="0"/>
+              <a:t>gives </a:t>
+            </a:r>
+            <a:r>
+              <a:rPr lang="en-US" altLang="en-US" dirty="0"/>
+              <a:t>name of file and tells which directory the file is in</a:t>
+            </a:r>
+          </a:p>
+          <a:p>
+            <a:r>
+              <a:rPr lang="en-US" altLang="en-US" b="1" i="1" dirty="0">
+                <a:solidFill>
+                  <a:srgbClr val="00B0F0"/>
+                </a:solidFill>
+              </a:rPr>
+              <a:t>Relative path </a:t>
+            </a:r>
+            <a:r>
+              <a:rPr lang="en-US" altLang="en-US" b="1" i="1" dirty="0" smtClean="0">
+                <a:solidFill>
+                  <a:srgbClr val="00B0F0"/>
+                </a:solidFill>
+              </a:rPr>
+              <a:t>name</a:t>
+            </a:r>
+            <a:r>
+              <a:rPr lang="en-US" altLang="en-US" dirty="0"/>
+              <a:t> </a:t>
+            </a:r>
+            <a:r>
+              <a:rPr lang="en-US" altLang="en-US" dirty="0" smtClean="0"/>
+              <a:t>gives </a:t>
+            </a:r>
+            <a:r>
+              <a:rPr lang="en-US" altLang="en-US" dirty="0"/>
+              <a:t>the path starting with the directory that the program is in</a:t>
+            </a:r>
+          </a:p>
+          <a:p>
+            <a:r>
+              <a:rPr lang="en-US" altLang="en-US" dirty="0"/>
+              <a:t>Typical UNIX path name:</a:t>
+            </a:r>
+          </a:p>
+          <a:p>
             <a:pPr>
-              <a:lnSpc>
-                <a:spcPct val="90000"/>
-              </a:lnSpc>
+              <a:buFontTx/>
+              <a:buNone/>
             </a:pPr>
             <a:r>
-              <a:rPr lang="en-US" altLang="en-US" dirty="0"/>
-              <a:t>Acts like a wrapper class for file names</a:t>
-            </a:r>
-          </a:p>
-          <a:p>
-            <a:pPr>
-              <a:lnSpc>
-                <a:spcPct val="90000"/>
-              </a:lnSpc>
-            </a:pPr>
-            <a:r>
-              <a:rPr lang="en-US" altLang="en-US" dirty="0"/>
-              <a:t>A file name like "</a:t>
-            </a:r>
-            <a:r>
               <a:rPr lang="en-US" altLang="en-US" dirty="0">
                 <a:latin typeface="Courier New" panose="02070309020205020404" pitchFamily="49" charset="0"/>
               </a:rPr>
-              <a:t>numbers.txt</a:t>
-            </a:r>
-            <a:r>
-              <a:rPr lang="en-US" altLang="en-US" dirty="0"/>
-              <a:t>" has only </a:t>
-            </a:r>
-            <a:r>
-              <a:rPr lang="en-US" altLang="en-US" dirty="0">
-                <a:latin typeface="Courier New" panose="02070309020205020404" pitchFamily="49" charset="0"/>
-              </a:rPr>
-              <a:t>String</a:t>
-            </a:r>
-            <a:r>
-              <a:rPr lang="en-US" altLang="en-US" dirty="0"/>
-              <a:t> properties</a:t>
+              <a:t>/</a:t>
+            </a:r>
+            <a:r>
+              <a:rPr lang="en-US" altLang="en-US" dirty="0" smtClean="0">
+                <a:latin typeface="Courier New" panose="02070309020205020404" pitchFamily="49" charset="0"/>
+              </a:rPr>
+              <a:t>user/smith/home/work/java/FileClassDemo.java</a:t>
             </a:r>
             <a:endParaRPr lang="en-US" altLang="en-US" dirty="0">
               <a:latin typeface="Courier New" panose="02070309020205020404" pitchFamily="49" charset="0"/>
             </a:endParaRPr>
           </a:p>
           <a:p>
+            <a:r>
+              <a:rPr lang="en-US" altLang="en-US" dirty="0"/>
+              <a:t>Typical Windows path name:</a:t>
+            </a:r>
+          </a:p>
+          <a:p>
             <a:pPr>
-              <a:lnSpc>
-                <a:spcPct val="90000"/>
-              </a:lnSpc>
+              <a:buFontTx/>
+              <a:buNone/>
             </a:pPr>
             <a:r>
               <a:rPr lang="en-US" altLang="en-US" dirty="0">
                 <a:latin typeface="Courier New" panose="02070309020205020404" pitchFamily="49" charset="0"/>
               </a:rPr>
-              <a:t>File</a:t>
-            </a:r>
+              <a:t>D:\Work\Java\Programs\FileClassDemo.java</a:t>
+            </a:r>
+          </a:p>
+          <a:p>
             <a:r>
               <a:rPr lang="en-US" altLang="en-US" dirty="0"/>
-              <a:t> has some very useful methods</a:t>
-            </a:r>
-          </a:p>
-          <a:p>
-            <a:pPr lvl="1">
-              <a:lnSpc>
-                <a:spcPct val="90000"/>
-              </a:lnSpc>
+              <a:t>When a backslash is used in a quoted string it must be written as two backslashes since backslash is the escape character:</a:t>
+            </a:r>
+          </a:p>
+          <a:p>
+            <a:pPr>
+              <a:buFontTx/>
+              <a:buNone/>
             </a:pPr>
             <a:r>
-              <a:rPr lang="en-US" altLang="en-US" sz="2000" dirty="0">
-                <a:latin typeface="Courier New" panose="02070309020205020404" pitchFamily="49" charset="0"/>
-              </a:rPr>
-              <a:t>exists</a:t>
-            </a:r>
-            <a:r>
-              <a:rPr lang="en-US" altLang="en-US" sz="2000" dirty="0"/>
-              <a:t>: tests if a file already exists</a:t>
-            </a:r>
-          </a:p>
-          <a:p>
-            <a:pPr lvl="1">
-              <a:lnSpc>
-                <a:spcPct val="90000"/>
-              </a:lnSpc>
-            </a:pPr>
-            <a:r>
-              <a:rPr lang="en-US" altLang="en-US" sz="2000" dirty="0" err="1">
-                <a:latin typeface="Courier New" panose="02070309020205020404" pitchFamily="49" charset="0"/>
-              </a:rPr>
-              <a:t>canRead</a:t>
-            </a:r>
-            <a:r>
-              <a:rPr lang="en-US" altLang="en-US" sz="2000" dirty="0"/>
-              <a:t>: tests if the OS will let you read a file</a:t>
-            </a:r>
-          </a:p>
-          <a:p>
-            <a:pPr lvl="1">
-              <a:lnSpc>
-                <a:spcPct val="90000"/>
-              </a:lnSpc>
-            </a:pPr>
-            <a:r>
-              <a:rPr lang="en-US" altLang="en-US" sz="2000" dirty="0" err="1">
-                <a:latin typeface="Courier New" panose="02070309020205020404" pitchFamily="49" charset="0"/>
-              </a:rPr>
-              <a:t>canWrite</a:t>
-            </a:r>
-            <a:r>
-              <a:rPr lang="en-US" altLang="en-US" sz="2000" dirty="0"/>
-              <a:t>: tests if the OS will let you write to a file</a:t>
-            </a:r>
-          </a:p>
-          <a:p>
-            <a:pPr lvl="1">
-              <a:lnSpc>
-                <a:spcPct val="90000"/>
-              </a:lnSpc>
-            </a:pPr>
-            <a:r>
-              <a:rPr lang="en-US" altLang="en-US" sz="2000" dirty="0">
-                <a:latin typeface="Courier New" panose="02070309020205020404" pitchFamily="49" charset="0"/>
-              </a:rPr>
-              <a:t>delete</a:t>
-            </a:r>
-            <a:r>
-              <a:rPr lang="en-US" altLang="en-US" sz="2000" dirty="0"/>
-              <a:t>: deletes the file, returns true if successful</a:t>
-            </a:r>
-          </a:p>
-          <a:p>
-            <a:pPr lvl="1">
-              <a:lnSpc>
-                <a:spcPct val="90000"/>
-              </a:lnSpc>
-            </a:pPr>
-            <a:r>
-              <a:rPr lang="en-US" altLang="en-US" sz="2000" dirty="0">
-                <a:latin typeface="Courier New" panose="02070309020205020404" pitchFamily="49" charset="0"/>
-              </a:rPr>
-              <a:t>length</a:t>
-            </a:r>
-            <a:r>
-              <a:rPr lang="en-US" altLang="en-US" sz="2000" dirty="0"/>
-              <a:t>: returns the number of bytes in the file</a:t>
-            </a:r>
-          </a:p>
-          <a:p>
-            <a:pPr lvl="1">
-              <a:lnSpc>
-                <a:spcPct val="90000"/>
-              </a:lnSpc>
-            </a:pPr>
-            <a:r>
-              <a:rPr lang="en-US" altLang="en-US" sz="2000" dirty="0" err="1">
-                <a:latin typeface="Courier New" panose="02070309020205020404" pitchFamily="49" charset="0"/>
-              </a:rPr>
-              <a:t>getName</a:t>
-            </a:r>
-            <a:r>
-              <a:rPr lang="en-US" altLang="en-US" sz="2000" dirty="0"/>
-              <a:t>: returns file name, excluding the preceding path</a:t>
-            </a:r>
-          </a:p>
-          <a:p>
-            <a:pPr lvl="1">
-              <a:lnSpc>
-                <a:spcPct val="90000"/>
-              </a:lnSpc>
-            </a:pPr>
-            <a:r>
-              <a:rPr lang="en-US" altLang="en-US" sz="2000" dirty="0" err="1">
-                <a:latin typeface="Courier New" panose="02070309020205020404" pitchFamily="49" charset="0"/>
-              </a:rPr>
-              <a:t>getPath</a:t>
-            </a:r>
-            <a:r>
-              <a:rPr lang="en-US" altLang="en-US" sz="2000" dirty="0"/>
-              <a:t>: returns the path name—the full name</a:t>
-            </a:r>
-          </a:p>
-          <a:p>
-            <a:pPr>
-              <a:lnSpc>
-                <a:spcPct val="90000"/>
-              </a:lnSpc>
-              <a:buFontTx/>
-              <a:buNone/>
-            </a:pPr>
-            <a:endParaRPr lang="en-US" altLang="en-US" dirty="0"/>
-          </a:p>
-          <a:p>
-            <a:pPr marL="0" indent="0">
-              <a:buNone/>
-            </a:pPr>
-            <a:r>
-              <a:rPr lang="en-US" i="1" dirty="0" smtClean="0">
-                <a:solidFill>
-                  <a:srgbClr val="E0E2E4"/>
-                </a:solidFill>
-                <a:latin typeface="Courier New" panose="02070309020205020404" pitchFamily="49" charset="0"/>
-              </a:rPr>
-              <a:t>File </a:t>
-            </a:r>
-            <a:r>
-              <a:rPr lang="en-US" i="1" dirty="0" err="1">
-                <a:solidFill>
-                  <a:srgbClr val="E0E2E4"/>
-                </a:solidFill>
-                <a:latin typeface="Courier New" panose="02070309020205020404" pitchFamily="49" charset="0"/>
-              </a:rPr>
-              <a:t>numFile</a:t>
-            </a:r>
-            <a:r>
-              <a:rPr lang="en-US" i="1" dirty="0">
-                <a:solidFill>
-                  <a:srgbClr val="E0E2E4"/>
-                </a:solidFill>
-                <a:latin typeface="Courier New" panose="02070309020205020404" pitchFamily="49" charset="0"/>
-              </a:rPr>
-              <a:t> </a:t>
-            </a:r>
-            <a:r>
-              <a:rPr lang="en-US" i="1" dirty="0">
-                <a:solidFill>
-                  <a:srgbClr val="E8E2B7"/>
-                </a:solidFill>
-                <a:latin typeface="Courier New" panose="02070309020205020404" pitchFamily="49" charset="0"/>
-              </a:rPr>
-              <a:t>=</a:t>
-            </a:r>
-            <a:r>
-              <a:rPr lang="en-US" i="1" dirty="0">
-                <a:solidFill>
-                  <a:srgbClr val="E0E2E4"/>
-                </a:solidFill>
-                <a:latin typeface="Courier New" panose="02070309020205020404" pitchFamily="49" charset="0"/>
-              </a:rPr>
-              <a:t> </a:t>
-            </a:r>
-            <a:r>
-              <a:rPr lang="en-US" i="1" dirty="0">
-                <a:solidFill>
-                  <a:srgbClr val="93C763"/>
-                </a:solidFill>
-                <a:latin typeface="Courier New" panose="02070309020205020404" pitchFamily="49" charset="0"/>
-              </a:rPr>
-              <a:t>new</a:t>
-            </a:r>
-            <a:r>
-              <a:rPr lang="en-US" i="1" dirty="0">
-                <a:solidFill>
-                  <a:srgbClr val="E0E2E4"/>
-                </a:solidFill>
-                <a:latin typeface="Courier New" panose="02070309020205020404" pitchFamily="49" charset="0"/>
-              </a:rPr>
-              <a:t> File</a:t>
-            </a:r>
-            <a:r>
-              <a:rPr lang="en-US" i="1" dirty="0">
-                <a:solidFill>
-                  <a:srgbClr val="E8E2B7"/>
-                </a:solidFill>
-                <a:latin typeface="Courier New" panose="02070309020205020404" pitchFamily="49" charset="0"/>
-              </a:rPr>
-              <a:t>(</a:t>
-            </a:r>
-            <a:r>
-              <a:rPr lang="en-US" i="1" dirty="0">
-                <a:solidFill>
-                  <a:srgbClr val="E0E2E4"/>
-                </a:solidFill>
-                <a:latin typeface="Courier New" panose="02070309020205020404" pitchFamily="49" charset="0"/>
-              </a:rPr>
-              <a:t>“numbers</a:t>
-            </a:r>
-            <a:r>
-              <a:rPr lang="en-US" i="1" dirty="0">
-                <a:solidFill>
-                  <a:srgbClr val="E8E2B7"/>
-                </a:solidFill>
-                <a:latin typeface="Courier New" panose="02070309020205020404" pitchFamily="49" charset="0"/>
-              </a:rPr>
-              <a:t>.</a:t>
-            </a:r>
-            <a:r>
-              <a:rPr lang="en-US" i="1" dirty="0">
-                <a:solidFill>
-                  <a:srgbClr val="E0E2E4"/>
-                </a:solidFill>
-                <a:latin typeface="Courier New" panose="02070309020205020404" pitchFamily="49" charset="0"/>
-              </a:rPr>
-              <a:t>txt</a:t>
-            </a:r>
-            <a:r>
-              <a:rPr lang="en-US" i="1" dirty="0" smtClean="0">
-                <a:solidFill>
-                  <a:srgbClr val="E0E2E4"/>
-                </a:solidFill>
-                <a:latin typeface="Courier New" panose="02070309020205020404" pitchFamily="49" charset="0"/>
-              </a:rPr>
-              <a:t>”</a:t>
-            </a:r>
-            <a:r>
-              <a:rPr lang="en-US" i="1" dirty="0" smtClean="0">
-                <a:solidFill>
-                  <a:srgbClr val="E8E2B7"/>
-                </a:solidFill>
-                <a:latin typeface="Courier New" panose="02070309020205020404" pitchFamily="49" charset="0"/>
-              </a:rPr>
-              <a:t>);</a:t>
-            </a:r>
-          </a:p>
-          <a:p>
-            <a:pPr marL="0" indent="0">
-              <a:buNone/>
-            </a:pPr>
-            <a:r>
-              <a:rPr lang="en-US" i="1" dirty="0" smtClean="0">
-                <a:solidFill>
-                  <a:srgbClr val="93C763"/>
-                </a:solidFill>
-                <a:latin typeface="Courier New" panose="02070309020205020404" pitchFamily="49" charset="0"/>
-              </a:rPr>
-              <a:t>if</a:t>
-            </a:r>
-            <a:r>
-              <a:rPr lang="en-US" i="1" dirty="0" smtClean="0">
-                <a:solidFill>
-                  <a:srgbClr val="E0E2E4"/>
-                </a:solidFill>
-                <a:latin typeface="Courier New" panose="02070309020205020404" pitchFamily="49" charset="0"/>
-              </a:rPr>
-              <a:t> </a:t>
-            </a:r>
-            <a:r>
-              <a:rPr lang="en-US" i="1" dirty="0">
-                <a:solidFill>
-                  <a:srgbClr val="E8E2B7"/>
-                </a:solidFill>
-                <a:latin typeface="Courier New" panose="02070309020205020404" pitchFamily="49" charset="0"/>
-              </a:rPr>
-              <a:t>(</a:t>
-            </a:r>
-            <a:r>
-              <a:rPr lang="en-US" i="1" dirty="0" err="1">
-                <a:solidFill>
-                  <a:srgbClr val="E0E2E4"/>
-                </a:solidFill>
-                <a:latin typeface="Courier New" panose="02070309020205020404" pitchFamily="49" charset="0"/>
-              </a:rPr>
-              <a:t>numFile</a:t>
-            </a:r>
-            <a:r>
-              <a:rPr lang="en-US" i="1" dirty="0" err="1">
-                <a:solidFill>
-                  <a:srgbClr val="E8E2B7"/>
-                </a:solidFill>
-                <a:latin typeface="Courier New" panose="02070309020205020404" pitchFamily="49" charset="0"/>
-              </a:rPr>
-              <a:t>.</a:t>
-            </a:r>
-            <a:r>
-              <a:rPr lang="en-US" i="1" dirty="0" err="1">
-                <a:solidFill>
-                  <a:srgbClr val="E0E2E4"/>
-                </a:solidFill>
-                <a:latin typeface="Courier New" panose="02070309020205020404" pitchFamily="49" charset="0"/>
-              </a:rPr>
-              <a:t>exists</a:t>
-            </a:r>
-            <a:r>
-              <a:rPr lang="en-US" i="1" dirty="0" smtClean="0">
-                <a:solidFill>
-                  <a:srgbClr val="E8E2B7"/>
-                </a:solidFill>
-                <a:latin typeface="Courier New" panose="02070309020205020404" pitchFamily="49" charset="0"/>
-              </a:rPr>
-              <a:t>())</a:t>
-            </a:r>
-            <a:endParaRPr lang="en-US" i="1" dirty="0" smtClean="0">
-              <a:solidFill>
-                <a:srgbClr val="E0E2E4"/>
-              </a:solidFill>
-              <a:latin typeface="Courier New" panose="02070309020205020404" pitchFamily="49" charset="0"/>
-            </a:endParaRPr>
-          </a:p>
-          <a:p>
-            <a:pPr marL="0" indent="0">
-              <a:buNone/>
-            </a:pPr>
-            <a:r>
-              <a:rPr lang="en-US" i="1" dirty="0" smtClean="0">
-                <a:solidFill>
-                  <a:srgbClr val="E0E2E4"/>
-                </a:solidFill>
-                <a:latin typeface="Courier New" panose="02070309020205020404" pitchFamily="49" charset="0"/>
-              </a:rPr>
-              <a:t>	</a:t>
-            </a:r>
-            <a:r>
-              <a:rPr lang="en-US" i="1" dirty="0" err="1" smtClean="0">
-                <a:solidFill>
-                  <a:srgbClr val="E0E2E4"/>
-                </a:solidFill>
-                <a:latin typeface="Courier New" panose="02070309020205020404" pitchFamily="49" charset="0"/>
-              </a:rPr>
-              <a:t>System</a:t>
-            </a:r>
-            <a:r>
-              <a:rPr lang="en-US" i="1" dirty="0" err="1" smtClean="0">
-                <a:solidFill>
-                  <a:srgbClr val="E8E2B7"/>
-                </a:solidFill>
-                <a:latin typeface="Courier New" panose="02070309020205020404" pitchFamily="49" charset="0"/>
-              </a:rPr>
-              <a:t>.</a:t>
-            </a:r>
-            <a:r>
-              <a:rPr lang="en-US" i="1" dirty="0" err="1" smtClean="0">
-                <a:solidFill>
-                  <a:srgbClr val="E0E2E4"/>
-                </a:solidFill>
-                <a:latin typeface="Courier New" panose="02070309020205020404" pitchFamily="49" charset="0"/>
-              </a:rPr>
-              <a:t>out</a:t>
-            </a:r>
-            <a:r>
-              <a:rPr lang="en-US" i="1" dirty="0" err="1" smtClean="0">
-                <a:solidFill>
-                  <a:srgbClr val="E8E2B7"/>
-                </a:solidFill>
-                <a:latin typeface="Courier New" panose="02070309020205020404" pitchFamily="49" charset="0"/>
-              </a:rPr>
-              <a:t>.</a:t>
-            </a:r>
-            <a:r>
-              <a:rPr lang="en-US" i="1" dirty="0" err="1" smtClean="0">
-                <a:solidFill>
-                  <a:srgbClr val="E0E2E4"/>
-                </a:solidFill>
-                <a:latin typeface="Courier New" panose="02070309020205020404" pitchFamily="49" charset="0"/>
-              </a:rPr>
-              <a:t>println</a:t>
-            </a:r>
-            <a:r>
-              <a:rPr lang="en-US" i="1" dirty="0" smtClean="0">
-                <a:solidFill>
-                  <a:srgbClr val="E8E2B7"/>
-                </a:solidFill>
-                <a:latin typeface="Courier New" panose="02070309020205020404" pitchFamily="49" charset="0"/>
-              </a:rPr>
-              <a:t>(</a:t>
-            </a:r>
-            <a:r>
-              <a:rPr lang="en-US" i="1" dirty="0" err="1" smtClean="0">
-                <a:solidFill>
-                  <a:srgbClr val="E0E2E4"/>
-                </a:solidFill>
-                <a:latin typeface="Courier New" panose="02070309020205020404" pitchFamily="49" charset="0"/>
-              </a:rPr>
-              <a:t>numfile</a:t>
-            </a:r>
-            <a:r>
-              <a:rPr lang="en-US" i="1" dirty="0" err="1" smtClean="0">
-                <a:solidFill>
-                  <a:srgbClr val="E8E2B7"/>
-                </a:solidFill>
-                <a:latin typeface="Courier New" panose="02070309020205020404" pitchFamily="49" charset="0"/>
-              </a:rPr>
-              <a:t>.</a:t>
-            </a:r>
-            <a:r>
-              <a:rPr lang="en-US" i="1" dirty="0" err="1" smtClean="0">
-                <a:solidFill>
-                  <a:srgbClr val="E0E2E4"/>
-                </a:solidFill>
-                <a:latin typeface="Courier New" panose="02070309020205020404" pitchFamily="49" charset="0"/>
-              </a:rPr>
-              <a:t>length</a:t>
-            </a:r>
-            <a:r>
-              <a:rPr lang="en-US" i="1" dirty="0">
-                <a:solidFill>
-                  <a:srgbClr val="E8E2B7"/>
-                </a:solidFill>
-                <a:latin typeface="Courier New" panose="02070309020205020404" pitchFamily="49" charset="0"/>
-              </a:rPr>
-              <a:t>());</a:t>
-            </a:r>
-            <a:r>
-              <a:rPr lang="en-US" i="1" dirty="0">
-                <a:solidFill>
-                  <a:srgbClr val="E0E2E4"/>
-                </a:solidFill>
-                <a:latin typeface="Courier New" panose="02070309020205020404" pitchFamily="49" charset="0"/>
-              </a:rPr>
-              <a:t> </a:t>
-            </a:r>
-            <a:endParaRPr lang="en-US" dirty="0"/>
-          </a:p>
-          <a:p>
-            <a:pPr>
-              <a:lnSpc>
-                <a:spcPct val="90000"/>
-              </a:lnSpc>
-              <a:buFontTx/>
-              <a:buNone/>
-            </a:pPr>
-            <a:endParaRPr lang="en-US" altLang="en-US" dirty="0">
-              <a:latin typeface="Courier New" panose="02070309020205020404" pitchFamily="49" charset="0"/>
-            </a:endParaRPr>
-          </a:p>
-          <a:p>
-            <a:endParaRPr lang="en-US" dirty="0"/>
+              <a:rPr lang="en-US" altLang="en-US" dirty="0">
+                <a:latin typeface="Courier New" panose="02070309020205020404" pitchFamily="49" charset="0"/>
+              </a:rPr>
+              <a:t>"D:\\Work\\Java\\Programs\\FileClassDemo.java"</a:t>
+            </a:r>
+          </a:p>
+          <a:p>
+            <a:r>
+              <a:rPr lang="en-US" altLang="en-US" dirty="0"/>
+              <a:t>Java will accept path names in UNIX or Windows format, regardless of which operating system it is actually running on.</a:t>
+            </a:r>
           </a:p>
         </p:txBody>
       </p:sp>
@@ -13017,7 +12697,7 @@
     </p:spTree>
     <p:extLst>
       <p:ext uri="{BB962C8B-B14F-4D97-AF65-F5344CB8AC3E}">
-        <p14:creationId xmlns:p14="http://schemas.microsoft.com/office/powerpoint/2010/main" val="3725054584"/>
+        <p14:creationId xmlns:p14="http://schemas.microsoft.com/office/powerpoint/2010/main" val="77456297"/>
       </p:ext>
     </p:extLst>
   </p:cSld>
@@ -13067,10 +12747,29 @@
           <a:lstStyle/>
           <a:p>
             <a:r>
+              <a:rPr lang="en-US" altLang="en-US" b="1" dirty="0">
+                <a:latin typeface="Courier New" panose="02070309020205020404" pitchFamily="49" charset="0"/>
+              </a:rPr>
+              <a:t>File</a:t>
+            </a:r>
+            <a:r>
               <a:rPr lang="en-US" altLang="en-US" dirty="0"/>
-              <a:t>Alternative with Scanner</a:t>
-            </a:r>
-            <a:endParaRPr lang="en-US" dirty="0"/>
+              <a:t> Class </a:t>
+            </a:r>
+            <a:r>
+              <a:rPr lang="en-US" altLang="en-US" sz="2400" dirty="0">
+                <a:solidFill>
+                  <a:srgbClr val="FFFF00"/>
+                </a:solidFill>
+                <a:latin typeface="Courier New" panose="02070309020205020404" pitchFamily="49" charset="0"/>
+              </a:rPr>
+              <a:t>[java.io]</a:t>
+            </a:r>
+            <a:endParaRPr lang="en-US" dirty="0">
+              <a:solidFill>
+                <a:srgbClr val="FFFF00"/>
+              </a:solidFill>
+            </a:endParaRPr>
           </a:p>
         </p:txBody>
       </p:sp>
@@ -13084,9 +12783,16 @@
             <p:ph idx="1"/>
           </p:nvPr>
         </p:nvSpPr>
-        <p:spPr/>
-        <p:txBody>
-          <a:bodyPr/>
+        <p:spPr>
+          <a:xfrm>
+            <a:off x="1103312" y="1853248"/>
+            <a:ext cx="8946541" cy="4395151"/>
+          </a:xfrm>
+        </p:spPr>
+        <p:txBody>
+          <a:bodyPr>
+            <a:normAutofit fontScale="85000" lnSpcReduction="20000"/>
+          </a:bodyPr>
           <a:lstStyle/>
           <a:p>
             <a:pPr>
@@ -13095,56 +12801,9 @@
               </a:lnSpc>
             </a:pPr>
             <a:r>
-              <a:rPr lang="en-US" altLang="en-US" dirty="0">
-                <a:latin typeface="Arial" panose="020B0604020202020204" pitchFamily="34" charset="0"/>
-              </a:rPr>
-              <a:t>Instead of </a:t>
-            </a:r>
-            <a:r>
-              <a:rPr lang="en-US" altLang="en-US" dirty="0" err="1">
-                <a:latin typeface="Courier New" panose="02070309020205020404" pitchFamily="49" charset="0"/>
-              </a:rPr>
-              <a:t>BufferedReader</a:t>
-            </a:r>
-            <a:r>
-              <a:rPr lang="en-US" altLang="en-US" dirty="0">
-                <a:latin typeface="Arial" panose="020B0604020202020204" pitchFamily="34" charset="0"/>
-              </a:rPr>
-              <a:t> with </a:t>
-            </a:r>
-            <a:r>
-              <a:rPr lang="en-US" altLang="en-US" dirty="0" err="1">
-                <a:latin typeface="Courier New" panose="02070309020205020404" pitchFamily="49" charset="0"/>
-              </a:rPr>
-              <a:t>FileReader</a:t>
-            </a:r>
-            <a:r>
-              <a:rPr lang="en-US" altLang="en-US" dirty="0">
-                <a:latin typeface="Courier New" panose="02070309020205020404" pitchFamily="49" charset="0"/>
-              </a:rPr>
-              <a:t>, </a:t>
-            </a:r>
-            <a:r>
-              <a:rPr lang="en-US" altLang="en-US" dirty="0">
-                <a:latin typeface="Arial" panose="020B0604020202020204" pitchFamily="34" charset="0"/>
-              </a:rPr>
-              <a:t>then</a:t>
-            </a:r>
-            <a:r>
-              <a:rPr lang="en-US" altLang="en-US" dirty="0">
-                <a:latin typeface="Courier New" panose="02070309020205020404" pitchFamily="49" charset="0"/>
-              </a:rPr>
-              <a:t> </a:t>
-            </a:r>
-            <a:r>
-              <a:rPr lang="en-US" altLang="en-US" dirty="0" err="1">
-                <a:latin typeface="Courier New" panose="02070309020205020404" pitchFamily="49" charset="0"/>
-              </a:rPr>
-              <a:t>StringTokenizer</a:t>
-            </a:r>
-            <a:endParaRPr lang="en-US" altLang="en-US" dirty="0">
-              <a:latin typeface="Courier New" panose="02070309020205020404" pitchFamily="49" charset="0"/>
-            </a:endParaRPr>
+              <a:rPr lang="en-US" altLang="en-US" dirty="0"/>
+              <a:t>Acts like a wrapper class for file names</a:t>
+            </a:r>
           </a:p>
           <a:p>
             <a:pPr>
@@ -13153,34 +12812,167 @@
               </a:lnSpc>
             </a:pPr>
             <a:r>
+              <a:rPr lang="en-US" altLang="en-US" dirty="0"/>
+              <a:t>A file name like "</a:t>
+            </a:r>
+            <a:r>
               <a:rPr lang="en-US" altLang="en-US" dirty="0">
-                <a:latin typeface="Arial" panose="020B0604020202020204" pitchFamily="34" charset="0"/>
-              </a:rPr>
-              <a:t>Use </a:t>
+                <a:latin typeface="Courier New" panose="02070309020205020404" pitchFamily="49" charset="0"/>
+              </a:rPr>
+              <a:t>numbers.txt</a:t>
+            </a:r>
+            <a:r>
+              <a:rPr lang="en-US" altLang="en-US" dirty="0"/>
+              <a:t>" has only </a:t>
             </a:r>
             <a:r>
               <a:rPr lang="en-US" altLang="en-US" dirty="0">
                 <a:latin typeface="Courier New" panose="02070309020205020404" pitchFamily="49" charset="0"/>
               </a:rPr>
-              <a:t>Scanner</a:t>
-            </a:r>
+              <a:t>String</a:t>
+            </a:r>
+            <a:r>
+              <a:rPr lang="en-US" altLang="en-US" dirty="0"/>
+              <a:t> properties</a:t>
+            </a:r>
+            <a:endParaRPr lang="en-US" altLang="en-US" dirty="0">
+              <a:latin typeface="Courier New" panose="02070309020205020404" pitchFamily="49" charset="0"/>
+            </a:endParaRPr>
+          </a:p>
+          <a:p>
+            <a:pPr>
+              <a:lnSpc>
+                <a:spcPct val="90000"/>
+              </a:lnSpc>
+            </a:pPr>
             <a:r>
               <a:rPr lang="en-US" altLang="en-US" dirty="0">
-                <a:latin typeface="Arial" panose="020B0604020202020204" pitchFamily="34" charset="0"/>
-              </a:rPr>
-              <a:t> with </a:t>
-            </a:r>
-            <a:r>
-              <a:rPr lang="en-US" altLang="en-US" dirty="0">
                 <a:latin typeface="Courier New" panose="02070309020205020404" pitchFamily="49" charset="0"/>
               </a:rPr>
               <a:t>File</a:t>
             </a:r>
             <a:r>
-              <a:rPr lang="en-US" altLang="en-US" dirty="0">
-                <a:latin typeface="Arial" panose="020B0604020202020204" pitchFamily="34" charset="0"/>
-              </a:rPr>
-              <a:t>:</a:t>
+              <a:rPr lang="en-US" altLang="en-US" dirty="0"/>
+              <a:t> has some very useful methods</a:t>
+            </a:r>
+          </a:p>
+          <a:p>
+            <a:pPr lvl="1">
+              <a:lnSpc>
+                <a:spcPct val="90000"/>
+              </a:lnSpc>
+            </a:pPr>
+            <a:r>
+              <a:rPr lang="en-US" altLang="en-US" sz="2000" dirty="0">
+                <a:latin typeface="Courier New" panose="02070309020205020404" pitchFamily="49" charset="0"/>
+              </a:rPr>
+              <a:t>exists</a:t>
+            </a:r>
+            <a:r>
+              <a:rPr lang="en-US" altLang="en-US" sz="2000" dirty="0"/>
+              <a:t>: tests if a file already exists</a:t>
+            </a:r>
+          </a:p>
+          <a:p>
+            <a:pPr lvl="1">
+              <a:lnSpc>
+                <a:spcPct val="90000"/>
+              </a:lnSpc>
+            </a:pPr>
+            <a:r>
+              <a:rPr lang="en-US" altLang="en-US" sz="2000" dirty="0" err="1">
+                <a:latin typeface="Courier New" panose="02070309020205020404" pitchFamily="49" charset="0"/>
+              </a:rPr>
+              <a:t>canRead</a:t>
+            </a:r>
+            <a:r>
+              <a:rPr lang="en-US" altLang="en-US" sz="2000" dirty="0"/>
+              <a:t>: tests if the OS will let you read a file</a:t>
+            </a:r>
+          </a:p>
+          <a:p>
+            <a:pPr lvl="1">
+              <a:lnSpc>
+                <a:spcPct val="90000"/>
+              </a:lnSpc>
+            </a:pPr>
+            <a:r>
+              <a:rPr lang="en-US" altLang="en-US" sz="2000" dirty="0" err="1">
+                <a:latin typeface="Courier New" panose="02070309020205020404" pitchFamily="49" charset="0"/>
+              </a:rPr>
+              <a:t>canWrite</a:t>
+            </a:r>
+            <a:r>
+              <a:rPr lang="en-US" altLang="en-US" sz="2000" dirty="0"/>
+              <a:t>: tests if the OS will let you write to a file</a:t>
+            </a:r>
+          </a:p>
+          <a:p>
+            <a:pPr lvl="1">
+              <a:lnSpc>
+                <a:spcPct val="90000"/>
+              </a:lnSpc>
+            </a:pPr>
+            <a:r>
+              <a:rPr lang="en-US" altLang="en-US" sz="2000" dirty="0">
+                <a:latin typeface="Courier New" panose="02070309020205020404" pitchFamily="49" charset="0"/>
+              </a:rPr>
+              <a:t>delete</a:t>
+            </a:r>
+            <a:r>
+              <a:rPr lang="en-US" altLang="en-US" sz="2000" dirty="0"/>
+              <a:t>: deletes the file, returns true if successful</a:t>
+            </a:r>
+          </a:p>
+          <a:p>
+            <a:pPr lvl="1">
+              <a:lnSpc>
+                <a:spcPct val="90000"/>
+              </a:lnSpc>
+            </a:pPr>
+            <a:r>
+              <a:rPr lang="en-US" altLang="en-US" sz="2000" dirty="0">
+                <a:latin typeface="Courier New" panose="02070309020205020404" pitchFamily="49" charset="0"/>
+              </a:rPr>
+              <a:t>length</a:t>
+            </a:r>
+            <a:r>
+              <a:rPr lang="en-US" altLang="en-US" sz="2000" dirty="0"/>
+              <a:t>: returns the number of bytes in the file</a:t>
+            </a:r>
+          </a:p>
+          <a:p>
+            <a:pPr lvl="1">
+              <a:lnSpc>
+                <a:spcPct val="90000"/>
+              </a:lnSpc>
+            </a:pPr>
+            <a:r>
+              <a:rPr lang="en-US" altLang="en-US" sz="2000" dirty="0" err="1">
+                <a:latin typeface="Courier New" panose="02070309020205020404" pitchFamily="49" charset="0"/>
+              </a:rPr>
+              <a:t>getName</a:t>
+            </a:r>
+            <a:r>
+              <a:rPr lang="en-US" altLang="en-US" sz="2000" dirty="0"/>
+              <a:t>: returns file name, excluding the preceding path</a:t>
+            </a:r>
+          </a:p>
+          <a:p>
+            <a:pPr lvl="1">
+              <a:lnSpc>
+                <a:spcPct val="90000"/>
+              </a:lnSpc>
+            </a:pPr>
+            <a:r>
+              <a:rPr lang="en-US" altLang="en-US" sz="2000" dirty="0" err="1">
+                <a:latin typeface="Courier New" panose="02070309020205020404" pitchFamily="49" charset="0"/>
+              </a:rPr>
+              <a:t>getPath</a:t>
+            </a:r>
+            <a:r>
+              <a:rPr lang="en-US" altLang="en-US" sz="2000" dirty="0"/>
+              <a:t>: returns the path name—the full name</a:t>
             </a:r>
           </a:p>
           <a:p>
@@ -13191,24 +12983,317 @@
               <a:buFontTx/>
               <a:buNone/>
             </a:pPr>
-            <a:r>
-              <a:rPr lang="en-US" altLang="en-US" sz="1800" dirty="0">
-                <a:latin typeface="Courier New" panose="02070309020205020404" pitchFamily="49" charset="0"/>
-              </a:rPr>
-              <a:t>Scanner </a:t>
-            </a:r>
-            <a:r>
-              <a:rPr lang="en-US" altLang="en-US" sz="1800" dirty="0" err="1">
-                <a:latin typeface="Courier New" panose="02070309020205020404" pitchFamily="49" charset="0"/>
-              </a:rPr>
-              <a:t>inFile</a:t>
-            </a:r>
-            <a:r>
-              <a:rPr lang="en-US" altLang="en-US" sz="1800" dirty="0">
-                <a:latin typeface="Courier New" panose="02070309020205020404" pitchFamily="49" charset="0"/>
-              </a:rPr>
-              <a:t> = </a:t>
-            </a:r>
+            <a:endParaRPr lang="en-US" altLang="en-US" dirty="0"/>
+          </a:p>
+          <a:p>
+            <a:pPr marL="0" indent="0">
+              <a:buNone/>
+            </a:pPr>
+            <a:r>
+              <a:rPr lang="en-US" i="1" dirty="0" smtClean="0">
+                <a:solidFill>
+                  <a:srgbClr val="E0E2E4"/>
+                </a:solidFill>
+                <a:latin typeface="Courier New" panose="02070309020205020404" pitchFamily="49" charset="0"/>
+              </a:rPr>
+              <a:t>File </a:t>
+            </a:r>
+            <a:r>
+              <a:rPr lang="en-US" i="1" dirty="0" err="1">
+                <a:solidFill>
+                  <a:srgbClr val="E0E2E4"/>
+                </a:solidFill>
+                <a:latin typeface="Courier New" panose="02070309020205020404" pitchFamily="49" charset="0"/>
+              </a:rPr>
+              <a:t>numFile</a:t>
+            </a:r>
+            <a:r>
+              <a:rPr lang="en-US" i="1" dirty="0">
+                <a:solidFill>
+                  <a:srgbClr val="E0E2E4"/>
+                </a:solidFill>
+                <a:latin typeface="Courier New" panose="02070309020205020404" pitchFamily="49" charset="0"/>
+              </a:rPr>
+              <a:t> </a:t>
+            </a:r>
+            <a:r>
+              <a:rPr lang="en-US" i="1" dirty="0">
+                <a:solidFill>
+                  <a:srgbClr val="E8E2B7"/>
+                </a:solidFill>
+                <a:latin typeface="Courier New" panose="02070309020205020404" pitchFamily="49" charset="0"/>
+              </a:rPr>
+              <a:t>=</a:t>
+            </a:r>
+            <a:r>
+              <a:rPr lang="en-US" i="1" dirty="0">
+                <a:solidFill>
+                  <a:srgbClr val="E0E2E4"/>
+                </a:solidFill>
+                <a:latin typeface="Courier New" panose="02070309020205020404" pitchFamily="49" charset="0"/>
+              </a:rPr>
+              <a:t> </a:t>
+            </a:r>
+            <a:r>
+              <a:rPr lang="en-US" i="1" dirty="0">
+                <a:solidFill>
+                  <a:srgbClr val="93C763"/>
+                </a:solidFill>
+                <a:latin typeface="Courier New" panose="02070309020205020404" pitchFamily="49" charset="0"/>
+              </a:rPr>
+              <a:t>new</a:t>
+            </a:r>
+            <a:r>
+              <a:rPr lang="en-US" i="1" dirty="0">
+                <a:solidFill>
+                  <a:srgbClr val="E0E2E4"/>
+                </a:solidFill>
+                <a:latin typeface="Courier New" panose="02070309020205020404" pitchFamily="49" charset="0"/>
+              </a:rPr>
+              <a:t> File</a:t>
+            </a:r>
+            <a:r>
+              <a:rPr lang="en-US" i="1" dirty="0">
+                <a:solidFill>
+                  <a:srgbClr val="E8E2B7"/>
+                </a:solidFill>
+                <a:latin typeface="Courier New" panose="02070309020205020404" pitchFamily="49" charset="0"/>
+              </a:rPr>
+              <a:t>(</a:t>
+            </a:r>
+            <a:r>
+              <a:rPr lang="en-US" i="1" dirty="0">
+                <a:solidFill>
+                  <a:srgbClr val="E0E2E4"/>
+                </a:solidFill>
+                <a:latin typeface="Courier New" panose="02070309020205020404" pitchFamily="49" charset="0"/>
+              </a:rPr>
+              <a:t>“numbers</a:t>
+            </a:r>
+            <a:r>
+              <a:rPr lang="en-US" i="1" dirty="0">
+                <a:solidFill>
+                  <a:srgbClr val="E8E2B7"/>
+                </a:solidFill>
+                <a:latin typeface="Courier New" panose="02070309020205020404" pitchFamily="49" charset="0"/>
+              </a:rPr>
+              <a:t>.</a:t>
+            </a:r>
+            <a:r>
+              <a:rPr lang="en-US" i="1" dirty="0">
+                <a:solidFill>
+                  <a:srgbClr val="E0E2E4"/>
+                </a:solidFill>
+                <a:latin typeface="Courier New" panose="02070309020205020404" pitchFamily="49" charset="0"/>
+              </a:rPr>
+              <a:t>txt</a:t>
+            </a:r>
+            <a:r>
+              <a:rPr lang="en-US" i="1" dirty="0" smtClean="0">
+                <a:solidFill>
+                  <a:srgbClr val="E0E2E4"/>
+                </a:solidFill>
+                <a:latin typeface="Courier New" panose="02070309020205020404" pitchFamily="49" charset="0"/>
+              </a:rPr>
+              <a:t>”</a:t>
+            </a:r>
+            <a:r>
+              <a:rPr lang="en-US" i="1" dirty="0" smtClean="0">
+                <a:solidFill>
+                  <a:srgbClr val="E8E2B7"/>
+                </a:solidFill>
+                <a:latin typeface="Courier New" panose="02070309020205020404" pitchFamily="49" charset="0"/>
+              </a:rPr>
+              <a:t>);</a:t>
+            </a:r>
+          </a:p>
+          <a:p>
+            <a:pPr marL="0" indent="0">
+              <a:buNone/>
+            </a:pPr>
+            <a:r>
+              <a:rPr lang="en-US" i="1" dirty="0" smtClean="0">
+                <a:solidFill>
+                  <a:srgbClr val="93C763"/>
+                </a:solidFill>
+                <a:latin typeface="Courier New" panose="02070309020205020404" pitchFamily="49" charset="0"/>
+              </a:rPr>
+              <a:t>if</a:t>
+            </a:r>
+            <a:r>
+              <a:rPr lang="en-US" i="1" dirty="0" smtClean="0">
+                <a:solidFill>
+                  <a:srgbClr val="E0E2E4"/>
+                </a:solidFill>
+                <a:latin typeface="Courier New" panose="02070309020205020404" pitchFamily="49" charset="0"/>
+              </a:rPr>
+              <a:t> </a:t>
+            </a:r>
+            <a:r>
+              <a:rPr lang="en-US" i="1" dirty="0">
+                <a:solidFill>
+                  <a:srgbClr val="E8E2B7"/>
+                </a:solidFill>
+                <a:latin typeface="Courier New" panose="02070309020205020404" pitchFamily="49" charset="0"/>
+              </a:rPr>
+              <a:t>(</a:t>
+            </a:r>
+            <a:r>
+              <a:rPr lang="en-US" i="1" dirty="0" err="1">
+                <a:solidFill>
+                  <a:srgbClr val="E0E2E4"/>
+                </a:solidFill>
+                <a:latin typeface="Courier New" panose="02070309020205020404" pitchFamily="49" charset="0"/>
+              </a:rPr>
+              <a:t>numFile</a:t>
+            </a:r>
+            <a:r>
+              <a:rPr lang="en-US" i="1" dirty="0" err="1">
+                <a:solidFill>
+                  <a:srgbClr val="E8E2B7"/>
+                </a:solidFill>
+                <a:latin typeface="Courier New" panose="02070309020205020404" pitchFamily="49" charset="0"/>
+              </a:rPr>
+              <a:t>.</a:t>
+            </a:r>
+            <a:r>
+              <a:rPr lang="en-US" i="1" dirty="0" err="1">
+                <a:solidFill>
+                  <a:srgbClr val="E0E2E4"/>
+                </a:solidFill>
+                <a:latin typeface="Courier New" panose="02070309020205020404" pitchFamily="49" charset="0"/>
+              </a:rPr>
+              <a:t>exists</a:t>
+            </a:r>
+            <a:r>
+              <a:rPr lang="en-US" i="1" dirty="0" smtClean="0">
+                <a:solidFill>
+                  <a:srgbClr val="E8E2B7"/>
+                </a:solidFill>
+                <a:latin typeface="Courier New" panose="02070309020205020404" pitchFamily="49" charset="0"/>
+              </a:rPr>
+              <a:t>())</a:t>
+            </a:r>
+            <a:endParaRPr lang="en-US" i="1" dirty="0" smtClean="0">
+              <a:solidFill>
+                <a:srgbClr val="E0E2E4"/>
+              </a:solidFill>
+              <a:latin typeface="Courier New" panose="02070309020205020404" pitchFamily="49" charset="0"/>
+            </a:endParaRPr>
+          </a:p>
+          <a:p>
+            <a:pPr marL="0" indent="0">
+              <a:buNone/>
+            </a:pPr>
+            <a:r>
+              <a:rPr lang="en-US" i="1" dirty="0" smtClean="0">
+                <a:solidFill>
+                  <a:srgbClr val="E0E2E4"/>
+                </a:solidFill>
+                <a:latin typeface="Courier New" panose="02070309020205020404" pitchFamily="49" charset="0"/>
+              </a:rPr>
+              <a:t>	</a:t>
+            </a:r>
+            <a:r>
+              <a:rPr lang="en-US" i="1" dirty="0" err="1" smtClean="0">
+                <a:solidFill>
+                  <a:srgbClr val="E0E2E4"/>
+                </a:solidFill>
+                <a:latin typeface="Courier New" panose="02070309020205020404" pitchFamily="49" charset="0"/>
+              </a:rPr>
+              <a:t>System</a:t>
+            </a:r>
+            <a:r>
+              <a:rPr lang="en-US" i="1" dirty="0" err="1" smtClean="0">
+                <a:solidFill>
+                  <a:srgbClr val="E8E2B7"/>
+                </a:solidFill>
+                <a:latin typeface="Courier New" panose="02070309020205020404" pitchFamily="49" charset="0"/>
+              </a:rPr>
+              <a:t>.</a:t>
+            </a:r>
+            <a:r>
+              <a:rPr lang="en-US" i="1" dirty="0" err="1" smtClean="0">
+                <a:solidFill>
+                  <a:srgbClr val="E0E2E4"/>
+                </a:solidFill>
+                <a:latin typeface="Courier New" panose="02070309020205020404" pitchFamily="49" charset="0"/>
+              </a:rPr>
+              <a:t>out</a:t>
+            </a:r>
+            <a:r>
+              <a:rPr lang="en-US" i="1" dirty="0" err="1" smtClean="0">
+                <a:solidFill>
+                  <a:srgbClr val="E8E2B7"/>
+                </a:solidFill>
+                <a:latin typeface="Courier New" panose="02070309020205020404" pitchFamily="49" charset="0"/>
+              </a:rPr>
+              <a:t>.</a:t>
+            </a:r>
+            <a:r>
+              <a:rPr lang="en-US" i="1" dirty="0" err="1" smtClean="0">
+                <a:solidFill>
+                  <a:srgbClr val="E0E2E4"/>
+                </a:solidFill>
+                <a:latin typeface="Courier New" panose="02070309020205020404" pitchFamily="49" charset="0"/>
+              </a:rPr>
+              <a:t>println</a:t>
+            </a:r>
+            <a:r>
+              <a:rPr lang="en-US" i="1" dirty="0" smtClean="0">
+                <a:solidFill>
+                  <a:srgbClr val="E8E2B7"/>
+                </a:solidFill>
+                <a:latin typeface="Courier New" panose="02070309020205020404" pitchFamily="49" charset="0"/>
+              </a:rPr>
+              <a:t>(</a:t>
+            </a:r>
+            <a:r>
+              <a:rPr lang="en-US" i="1" dirty="0" err="1" smtClean="0">
+                <a:solidFill>
+                  <a:srgbClr val="E0E2E4"/>
+                </a:solidFill>
+                <a:latin typeface="Courier New" panose="02070309020205020404" pitchFamily="49" charset="0"/>
+              </a:rPr>
+              <a:t>numfile</a:t>
+            </a:r>
+            <a:r>
+              <a:rPr lang="en-US" i="1" dirty="0" err="1" smtClean="0">
+                <a:solidFill>
+                  <a:srgbClr val="E8E2B7"/>
+                </a:solidFill>
+                <a:latin typeface="Courier New" panose="02070309020205020404" pitchFamily="49" charset="0"/>
+              </a:rPr>
+              <a:t>.</a:t>
+            </a:r>
+            <a:r>
+              <a:rPr lang="en-US" i="1" dirty="0" err="1" smtClean="0">
+                <a:solidFill>
+                  <a:srgbClr val="E0E2E4"/>
+                </a:solidFill>
+                <a:latin typeface="Courier New" panose="02070309020205020404" pitchFamily="49" charset="0"/>
+              </a:rPr>
+              <a:t>length</a:t>
+            </a:r>
+            <a:r>
+              <a:rPr lang="en-US" i="1" dirty="0">
+                <a:solidFill>
+                  <a:srgbClr val="E8E2B7"/>
+                </a:solidFill>
+                <a:latin typeface="Courier New" panose="02070309020205020404" pitchFamily="49" charset="0"/>
+              </a:rPr>
+              <a:t>());</a:t>
+            </a:r>
+            <a:r>
+              <a:rPr lang="en-US" i="1" dirty="0">
+                <a:solidFill>
+                  <a:srgbClr val="E0E2E4"/>
+                </a:solidFill>
+                <a:latin typeface="Courier New" panose="02070309020205020404" pitchFamily="49" charset="0"/>
+              </a:rPr>
+              <a:t> </a:t>
+            </a:r>
+            <a:endParaRPr lang="en-US" dirty="0"/>
           </a:p>
           <a:p>
             <a:pPr>
@@ -13218,94 +13303,12 @@
               <a:buFontTx/>
               <a:buNone/>
             </a:pPr>
-            <a:r>
-              <a:rPr lang="en-US" altLang="en-US" sz="1800" dirty="0">
-                <a:latin typeface="Courier New" panose="02070309020205020404" pitchFamily="49" charset="0"/>
-              </a:rPr>
-              <a:t>   new Scanner(new File(“in.txt”));</a:t>
-            </a:r>
-          </a:p>
-          <a:p>
-            <a:pPr>
-              <a:lnSpc>
-                <a:spcPct val="90000"/>
-              </a:lnSpc>
-            </a:pPr>
-            <a:r>
-              <a:rPr lang="en-US" altLang="en-US" dirty="0">
-                <a:latin typeface="Arial" panose="020B0604020202020204" pitchFamily="34" charset="0"/>
-              </a:rPr>
-              <a:t>Similar to </a:t>
-            </a:r>
-            <a:r>
-              <a:rPr lang="en-US" altLang="en-US" dirty="0">
-                <a:latin typeface="Courier New" panose="02070309020205020404" pitchFamily="49" charset="0"/>
-              </a:rPr>
-              <a:t>Scanner</a:t>
-            </a:r>
-            <a:r>
-              <a:rPr lang="en-US" altLang="en-US" dirty="0">
-                <a:latin typeface="Arial" panose="020B0604020202020204" pitchFamily="34" charset="0"/>
-              </a:rPr>
-              <a:t> with </a:t>
-            </a:r>
-            <a:r>
-              <a:rPr lang="en-US" altLang="en-US" dirty="0">
-                <a:latin typeface="Courier New" panose="02070309020205020404" pitchFamily="49" charset="0"/>
-              </a:rPr>
-              <a:t>System.in</a:t>
-            </a:r>
-            <a:r>
-              <a:rPr lang="en-US" altLang="en-US" dirty="0">
-                <a:latin typeface="Arial" panose="020B0604020202020204" pitchFamily="34" charset="0"/>
-              </a:rPr>
-              <a:t>:</a:t>
-            </a:r>
-          </a:p>
-          <a:p>
-            <a:pPr>
-              <a:lnSpc>
-                <a:spcPct val="90000"/>
-              </a:lnSpc>
-              <a:buFontTx/>
-              <a:buNone/>
-            </a:pPr>
-            <a:r>
-              <a:rPr lang="en-US" altLang="en-US" sz="1800" dirty="0">
-                <a:latin typeface="Courier New" panose="02070309020205020404" pitchFamily="49" charset="0"/>
-              </a:rPr>
-              <a:t>Scanner keyboard = </a:t>
-            </a:r>
-          </a:p>
-          <a:p>
-            <a:pPr>
-              <a:lnSpc>
-                <a:spcPct val="90000"/>
-              </a:lnSpc>
-              <a:buFontTx/>
-              <a:buNone/>
-            </a:pPr>
-            <a:r>
-              <a:rPr lang="en-US" altLang="en-US" sz="1800" dirty="0">
-                <a:latin typeface="Courier New" panose="02070309020205020404" pitchFamily="49" charset="0"/>
-              </a:rPr>
-              <a:t>   new Scanner(System.in);</a:t>
-            </a:r>
-            <a:endParaRPr lang="en-US" altLang="en-US" sz="1800" dirty="0">
-              <a:latin typeface="Arial" panose="020B0604020202020204" pitchFamily="34" charset="0"/>
+            <a:endParaRPr lang="en-US" altLang="en-US" dirty="0">
+              <a:latin typeface="Courier New" panose="02070309020205020404" pitchFamily="49" charset="0"/>
             </a:endParaRPr>
           </a:p>
           <a:p>
-            <a:pPr>
-              <a:lnSpc>
-                <a:spcPct val="90000"/>
-              </a:lnSpc>
-              <a:buFontTx/>
-              <a:buNone/>
-            </a:pPr>
-            <a:endParaRPr lang="en-US" altLang="en-US" sz="1800" dirty="0">
-              <a:latin typeface="Arial" panose="020B0604020202020204" pitchFamily="34" charset="0"/>
-            </a:endParaRPr>
+            <a:endParaRPr lang="en-US" dirty="0"/>
           </a:p>
         </p:txBody>
       </p:sp>
@@ -13335,7 +13338,7 @@
     </p:spTree>
     <p:extLst>
       <p:ext uri="{BB962C8B-B14F-4D97-AF65-F5344CB8AC3E}">
-        <p14:creationId xmlns:p14="http://schemas.microsoft.com/office/powerpoint/2010/main" val="2224647352"/>
+        <p14:creationId xmlns:p14="http://schemas.microsoft.com/office/powerpoint/2010/main" val="3725054584"/>
       </p:ext>
     </p:extLst>
   </p:cSld>
@@ -13386,17 +13389,7 @@
           <a:p>
             <a:r>
               <a:rPr lang="en-US" altLang="en-US" dirty="0"/>
-              <a:t>Reading in </a:t>
-            </a:r>
-            <a:r>
-              <a:rPr lang="en-US" altLang="en-US" dirty="0" err="1">
-                <a:latin typeface="Courier New" panose="02070309020205020404" pitchFamily="49" charset="0"/>
-              </a:rPr>
-              <a:t>int</a:t>
-            </a:r>
-            <a:r>
-              <a:rPr lang="en-US" altLang="en-US" dirty="0" err="1"/>
-              <a:t>’s</a:t>
+              <a:t>Alternative with Scanner</a:t>
             </a:r>
             <a:endParaRPr lang="en-US" dirty="0"/>
           </a:p>
@@ -13417,390 +13410,264 @@
           <a:bodyPr/>
           <a:lstStyle/>
           <a:p>
-            <a:pPr marL="0" indent="0">
-              <a:buNone/>
+            <a:pPr>
+              <a:lnSpc>
+                <a:spcPct val="90000"/>
+              </a:lnSpc>
             </a:pPr>
             <a:r>
-              <a:rPr lang="en-US" i="1" dirty="0">
-                <a:solidFill>
-                  <a:srgbClr val="E0E2E4"/>
-                </a:solidFill>
-                <a:latin typeface="Courier New" panose="02070309020205020404" pitchFamily="49" charset="0"/>
-              </a:rPr>
-              <a:t>Scanner </a:t>
-            </a:r>
-            <a:r>
-              <a:rPr lang="en-US" i="1" dirty="0" err="1">
-                <a:solidFill>
-                  <a:srgbClr val="E0E2E4"/>
-                </a:solidFill>
-                <a:latin typeface="Courier New" panose="02070309020205020404" pitchFamily="49" charset="0"/>
-              </a:rPr>
-              <a:t>inFile</a:t>
-            </a:r>
-            <a:r>
-              <a:rPr lang="en-US" i="1" dirty="0">
-                <a:solidFill>
-                  <a:srgbClr val="E0E2E4"/>
-                </a:solidFill>
+              <a:rPr lang="en-US" altLang="en-US" dirty="0">
+                <a:latin typeface="Arial" panose="020B0604020202020204" pitchFamily="34" charset="0"/>
+              </a:rPr>
+              <a:t>Instead of </a:t>
+            </a:r>
+            <a:r>
+              <a:rPr lang="en-US" altLang="en-US" dirty="0" err="1">
+                <a:solidFill>
+                  <a:srgbClr val="FFC000"/>
+                </a:solidFill>
+                <a:latin typeface="Courier New" panose="02070309020205020404" pitchFamily="49" charset="0"/>
+              </a:rPr>
+              <a:t>BufferedReader</a:t>
+            </a:r>
+            <a:r>
+              <a:rPr lang="en-US" altLang="en-US" dirty="0">
+                <a:latin typeface="Arial" panose="020B0604020202020204" pitchFamily="34" charset="0"/>
+              </a:rPr>
+              <a:t> with </a:t>
+            </a:r>
+            <a:r>
+              <a:rPr lang="en-US" altLang="en-US" dirty="0" err="1">
+                <a:solidFill>
+                  <a:srgbClr val="92D050"/>
+                </a:solidFill>
+                <a:latin typeface="Courier New" panose="02070309020205020404" pitchFamily="49" charset="0"/>
+              </a:rPr>
+              <a:t>FileReader</a:t>
+            </a:r>
+            <a:r>
+              <a:rPr lang="en-US" altLang="en-US" dirty="0">
+                <a:latin typeface="Courier New" panose="02070309020205020404" pitchFamily="49" charset="0"/>
+              </a:rPr>
+              <a:t>, </a:t>
+            </a:r>
+            <a:r>
+              <a:rPr lang="en-US" altLang="en-US" dirty="0">
+                <a:latin typeface="Arial" panose="020B0604020202020204" pitchFamily="34" charset="0"/>
+              </a:rPr>
+              <a:t>then</a:t>
+            </a:r>
+            <a:r>
+              <a:rPr lang="en-US" altLang="en-US" dirty="0">
                 <a:latin typeface="Courier New" panose="02070309020205020404" pitchFamily="49" charset="0"/>
               </a:rPr>
               <a:t> </a:t>
             </a:r>
             <a:r>
-              <a:rPr lang="en-US" i="1" dirty="0">
-                <a:solidFill>
-                  <a:srgbClr val="E8E2B7"/>
-                </a:solidFill>
-                <a:latin typeface="Courier New" panose="02070309020205020404" pitchFamily="49" charset="0"/>
-              </a:rPr>
-              <a:t>=</a:t>
-            </a:r>
-            <a:r>
-              <a:rPr lang="en-US" i="1" dirty="0">
-                <a:solidFill>
-                  <a:srgbClr val="E0E2E4"/>
-                </a:solidFill>
-                <a:latin typeface="Courier New" panose="02070309020205020404" pitchFamily="49" charset="0"/>
-              </a:rPr>
-              <a:t> </a:t>
-            </a:r>
-            <a:r>
-              <a:rPr lang="en-US" i="1" dirty="0">
-                <a:solidFill>
-                  <a:srgbClr val="93C763"/>
-                </a:solidFill>
-                <a:latin typeface="Courier New" panose="02070309020205020404" pitchFamily="49" charset="0"/>
-              </a:rPr>
-              <a:t>new</a:t>
-            </a:r>
-            <a:r>
-              <a:rPr lang="en-US" i="1" dirty="0">
-                <a:solidFill>
-                  <a:srgbClr val="E0E2E4"/>
-                </a:solidFill>
-                <a:latin typeface="Courier New" panose="02070309020205020404" pitchFamily="49" charset="0"/>
-              </a:rPr>
-              <a:t> Scanner</a:t>
-            </a:r>
-            <a:r>
-              <a:rPr lang="en-US" i="1" dirty="0">
-                <a:solidFill>
-                  <a:srgbClr val="E8E2B7"/>
-                </a:solidFill>
-                <a:latin typeface="Courier New" panose="02070309020205020404" pitchFamily="49" charset="0"/>
-              </a:rPr>
-              <a:t>(</a:t>
-            </a:r>
-            <a:r>
-              <a:rPr lang="en-US" i="1" dirty="0">
-                <a:solidFill>
-                  <a:srgbClr val="93C763"/>
-                </a:solidFill>
-                <a:latin typeface="Courier New" panose="02070309020205020404" pitchFamily="49" charset="0"/>
-              </a:rPr>
-              <a:t>new</a:t>
-            </a:r>
-            <a:r>
-              <a:rPr lang="en-US" i="1" dirty="0">
-                <a:solidFill>
-                  <a:srgbClr val="E0E2E4"/>
-                </a:solidFill>
-                <a:latin typeface="Courier New" panose="02070309020205020404" pitchFamily="49" charset="0"/>
-              </a:rPr>
-              <a:t> File</a:t>
-            </a:r>
-            <a:r>
-              <a:rPr lang="en-US" i="1" dirty="0">
-                <a:solidFill>
-                  <a:srgbClr val="E8E2B7"/>
-                </a:solidFill>
-                <a:latin typeface="Courier New" panose="02070309020205020404" pitchFamily="49" charset="0"/>
-              </a:rPr>
-              <a:t>(</a:t>
-            </a:r>
-            <a:r>
-              <a:rPr lang="en-US" i="1" dirty="0">
-                <a:solidFill>
-                  <a:srgbClr val="E0E2E4"/>
-                </a:solidFill>
-                <a:latin typeface="Courier New" panose="02070309020205020404" pitchFamily="49" charset="0"/>
-              </a:rPr>
-              <a:t>“in</a:t>
-            </a:r>
-            <a:r>
-              <a:rPr lang="en-US" i="1" dirty="0">
-                <a:solidFill>
-                  <a:srgbClr val="E8E2B7"/>
-                </a:solidFill>
-                <a:latin typeface="Courier New" panose="02070309020205020404" pitchFamily="49" charset="0"/>
-              </a:rPr>
-              <a:t>.</a:t>
-            </a:r>
-            <a:r>
-              <a:rPr lang="en-US" i="1" dirty="0">
-                <a:solidFill>
-                  <a:srgbClr val="E0E2E4"/>
-                </a:solidFill>
-                <a:latin typeface="Courier New" panose="02070309020205020404" pitchFamily="49" charset="0"/>
-              </a:rPr>
-              <a:t>txt</a:t>
-            </a:r>
-            <a:r>
-              <a:rPr lang="en-US" i="1" dirty="0" smtClean="0">
-                <a:solidFill>
-                  <a:srgbClr val="E0E2E4"/>
-                </a:solidFill>
-                <a:latin typeface="Courier New" panose="02070309020205020404" pitchFamily="49" charset="0"/>
-              </a:rPr>
-              <a:t>"));</a:t>
-            </a:r>
-          </a:p>
-          <a:p>
-            <a:pPr marL="0" indent="0">
-              <a:buNone/>
-            </a:pPr>
-            <a:r>
-              <a:rPr lang="en-US" i="1" dirty="0" err="1" smtClean="0">
-                <a:solidFill>
-                  <a:srgbClr val="678CB1"/>
-                </a:solidFill>
-                <a:latin typeface="Courier New" panose="02070309020205020404" pitchFamily="49" charset="0"/>
-              </a:rPr>
-              <a:t>int</a:t>
-            </a:r>
-            <a:r>
-              <a:rPr lang="en-US" i="1" dirty="0" smtClean="0">
-                <a:solidFill>
-                  <a:srgbClr val="E0E2E4"/>
-                </a:solidFill>
-                <a:latin typeface="Courier New" panose="02070309020205020404" pitchFamily="49" charset="0"/>
-              </a:rPr>
-              <a:t> </a:t>
-            </a:r>
-            <a:r>
-              <a:rPr lang="en-US" i="1" dirty="0">
-                <a:solidFill>
-                  <a:srgbClr val="E0E2E4"/>
-                </a:solidFill>
-                <a:latin typeface="Courier New" panose="02070309020205020404" pitchFamily="49" charset="0"/>
-              </a:rPr>
-              <a:t>number</a:t>
-            </a:r>
-            <a:r>
-              <a:rPr lang="en-US" i="1" dirty="0" smtClean="0">
-                <a:solidFill>
-                  <a:srgbClr val="E8E2B7"/>
-                </a:solidFill>
-                <a:latin typeface="Courier New" panose="02070309020205020404" pitchFamily="49" charset="0"/>
-              </a:rPr>
-              <a:t>;</a:t>
-            </a:r>
-          </a:p>
-          <a:p>
-            <a:pPr marL="0" indent="0">
-              <a:buNone/>
-            </a:pPr>
-            <a:r>
-              <a:rPr lang="en-US" i="1" dirty="0" smtClean="0">
-                <a:solidFill>
-                  <a:srgbClr val="93C763"/>
-                </a:solidFill>
-                <a:latin typeface="Courier New" panose="02070309020205020404" pitchFamily="49" charset="0"/>
-              </a:rPr>
-              <a:t>while</a:t>
-            </a:r>
-            <a:r>
-              <a:rPr lang="en-US" i="1" dirty="0" smtClean="0">
-                <a:solidFill>
-                  <a:srgbClr val="E0E2E4"/>
-                </a:solidFill>
-                <a:latin typeface="Courier New" panose="02070309020205020404" pitchFamily="49" charset="0"/>
-              </a:rPr>
-              <a:t> </a:t>
-            </a:r>
-            <a:r>
-              <a:rPr lang="en-US" i="1" dirty="0">
-                <a:solidFill>
-                  <a:srgbClr val="E8E2B7"/>
-                </a:solidFill>
-                <a:latin typeface="Courier New" panose="02070309020205020404" pitchFamily="49" charset="0"/>
-              </a:rPr>
-              <a:t>(</a:t>
-            </a:r>
-            <a:r>
-              <a:rPr lang="en-US" i="1" dirty="0" err="1">
-                <a:solidFill>
-                  <a:srgbClr val="E0E2E4"/>
-                </a:solidFill>
-                <a:latin typeface="Courier New" panose="02070309020205020404" pitchFamily="49" charset="0"/>
-              </a:rPr>
-              <a:t>inFile</a:t>
-            </a:r>
-            <a:r>
-              <a:rPr lang="en-US" i="1" dirty="0" err="1">
-                <a:solidFill>
-                  <a:srgbClr val="E8E2B7"/>
-                </a:solidFill>
-                <a:latin typeface="Courier New" panose="02070309020205020404" pitchFamily="49" charset="0"/>
-              </a:rPr>
-              <a:t>.</a:t>
-            </a:r>
-            <a:r>
-              <a:rPr lang="en-US" i="1" dirty="0" err="1">
-                <a:solidFill>
-                  <a:srgbClr val="E0E2E4"/>
-                </a:solidFill>
-                <a:latin typeface="Courier New" panose="02070309020205020404" pitchFamily="49" charset="0"/>
-              </a:rPr>
-              <a:t>hasInt</a:t>
-            </a:r>
-            <a:r>
-              <a:rPr lang="en-US" i="1" dirty="0" smtClean="0">
-                <a:solidFill>
-                  <a:srgbClr val="E8E2B7"/>
-                </a:solidFill>
-                <a:latin typeface="Courier New" panose="02070309020205020404" pitchFamily="49" charset="0"/>
-              </a:rPr>
-              <a:t>()){</a:t>
-            </a:r>
-            <a:endParaRPr lang="en-US" i="1" dirty="0" smtClean="0">
+              <a:rPr lang="en-US" altLang="en-US" dirty="0" err="1">
+                <a:solidFill>
+                  <a:srgbClr val="00B0F0"/>
+                </a:solidFill>
+                <a:latin typeface="Courier New" panose="02070309020205020404" pitchFamily="49" charset="0"/>
+              </a:rPr>
+              <a:t>StringTokenizer</a:t>
+            </a:r>
+            <a:endParaRPr lang="en-US" altLang="en-US" dirty="0">
               <a:solidFill>
-                <a:srgbClr val="E0E2E4"/>
+                <a:srgbClr val="00B0F0"/>
               </a:solidFill>
               <a:latin typeface="Courier New" panose="02070309020205020404" pitchFamily="49" charset="0"/>
             </a:endParaRPr>
           </a:p>
           <a:p>
-            <a:pPr marL="0" indent="0">
-              <a:buNone/>
+            <a:pPr>
+              <a:lnSpc>
+                <a:spcPct val="90000"/>
+              </a:lnSpc>
             </a:pPr>
             <a:r>
-              <a:rPr lang="en-US" i="1" dirty="0">
-                <a:solidFill>
-                  <a:srgbClr val="E0E2E4"/>
-                </a:solidFill>
-                <a:latin typeface="Courier New" panose="02070309020205020404" pitchFamily="49" charset="0"/>
-              </a:rPr>
-              <a:t>	</a:t>
-            </a:r>
-            <a:r>
-              <a:rPr lang="en-US" i="1" dirty="0" smtClean="0">
-                <a:solidFill>
-                  <a:srgbClr val="E0E2E4"/>
-                </a:solidFill>
-                <a:latin typeface="Courier New" panose="02070309020205020404" pitchFamily="49" charset="0"/>
-              </a:rPr>
-              <a:t>number </a:t>
-            </a:r>
-            <a:r>
-              <a:rPr lang="en-US" i="1" dirty="0">
-                <a:solidFill>
-                  <a:srgbClr val="E8E2B7"/>
-                </a:solidFill>
-                <a:latin typeface="Courier New" panose="02070309020205020404" pitchFamily="49" charset="0"/>
-              </a:rPr>
-              <a:t>=</a:t>
-            </a:r>
-            <a:r>
-              <a:rPr lang="en-US" i="1" dirty="0">
-                <a:solidFill>
-                  <a:srgbClr val="E0E2E4"/>
-                </a:solidFill>
-                <a:latin typeface="Courier New" panose="02070309020205020404" pitchFamily="49" charset="0"/>
+              <a:rPr lang="en-US" altLang="en-US" dirty="0">
+                <a:latin typeface="Arial" panose="020B0604020202020204" pitchFamily="34" charset="0"/>
+              </a:rPr>
+              <a:t>Use </a:t>
+            </a:r>
+            <a:r>
+              <a:rPr lang="en-US" altLang="en-US" dirty="0">
+                <a:solidFill>
+                  <a:srgbClr val="FFC000"/>
+                </a:solidFill>
+                <a:latin typeface="Courier New" panose="02070309020205020404" pitchFamily="49" charset="0"/>
+              </a:rPr>
+              <a:t>Scanner</a:t>
+            </a:r>
+            <a:r>
+              <a:rPr lang="en-US" altLang="en-US" dirty="0">
+                <a:solidFill>
+                  <a:srgbClr val="FFC000"/>
+                </a:solidFill>
+                <a:latin typeface="Arial" panose="020B0604020202020204" pitchFamily="34" charset="0"/>
               </a:rPr>
               <a:t> </a:t>
             </a:r>
             <a:r>
-              <a:rPr lang="en-US" i="1" dirty="0" err="1">
-                <a:solidFill>
-                  <a:srgbClr val="E0E2E4"/>
-                </a:solidFill>
+              <a:rPr lang="en-US" altLang="en-US" dirty="0">
+                <a:latin typeface="Arial" panose="020B0604020202020204" pitchFamily="34" charset="0"/>
+              </a:rPr>
+              <a:t>with </a:t>
+            </a:r>
+            <a:r>
+              <a:rPr lang="en-US" altLang="en-US" dirty="0">
+                <a:solidFill>
+                  <a:srgbClr val="92D050"/>
+                </a:solidFill>
+                <a:latin typeface="Courier New" panose="02070309020205020404" pitchFamily="49" charset="0"/>
+              </a:rPr>
+              <a:t>File</a:t>
+            </a:r>
+            <a:r>
+              <a:rPr lang="en-US" altLang="en-US" dirty="0">
+                <a:latin typeface="Arial" panose="020B0604020202020204" pitchFamily="34" charset="0"/>
+              </a:rPr>
+              <a:t>:</a:t>
+            </a:r>
+          </a:p>
+          <a:p>
+            <a:pPr>
+              <a:lnSpc>
+                <a:spcPct val="90000"/>
+              </a:lnSpc>
+              <a:buFontTx/>
+              <a:buNone/>
+            </a:pPr>
+            <a:r>
+              <a:rPr lang="en-US" altLang="en-US" sz="1800" dirty="0">
+                <a:latin typeface="Courier New" panose="02070309020205020404" pitchFamily="49" charset="0"/>
+              </a:rPr>
+              <a:t>Scanner </a:t>
+            </a:r>
+            <a:r>
+              <a:rPr lang="en-US" altLang="en-US" sz="1800" dirty="0" err="1">
                 <a:latin typeface="Courier New" panose="02070309020205020404" pitchFamily="49" charset="0"/>
               </a:rPr>
               <a:t>inFile</a:t>
             </a:r>
             <a:r>
-              <a:rPr lang="en-US" i="1" dirty="0" err="1">
-                <a:solidFill>
-                  <a:srgbClr val="E8E2B7"/>
-                </a:solidFill>
-                <a:latin typeface="Courier New" panose="02070309020205020404" pitchFamily="49" charset="0"/>
-              </a:rPr>
-              <a:t>.</a:t>
-            </a:r>
-            <a:r>
-              <a:rPr lang="en-US" i="1" dirty="0" err="1">
-                <a:solidFill>
-                  <a:srgbClr val="E0E2E4"/>
-                </a:solidFill>
-                <a:latin typeface="Courier New" panose="02070309020205020404" pitchFamily="49" charset="0"/>
-              </a:rPr>
-              <a:t>nextInt</a:t>
-            </a:r>
-            <a:r>
-              <a:rPr lang="en-US" i="1" dirty="0" smtClean="0">
-                <a:solidFill>
-                  <a:srgbClr val="E8E2B7"/>
-                </a:solidFill>
-                <a:latin typeface="Courier New" panose="02070309020205020404" pitchFamily="49" charset="0"/>
-              </a:rPr>
-              <a:t>();</a:t>
-            </a:r>
-          </a:p>
-          <a:p>
-            <a:pPr marL="0" indent="0">
+              <a:rPr lang="en-US" altLang="en-US" sz="1800" dirty="0">
+                <a:latin typeface="Courier New" panose="02070309020205020404" pitchFamily="49" charset="0"/>
+              </a:rPr>
+              <a:t> = </a:t>
+            </a:r>
+          </a:p>
+          <a:p>
+            <a:pPr>
+              <a:lnSpc>
+                <a:spcPct val="90000"/>
+              </a:lnSpc>
+              <a:buFontTx/>
               <a:buNone/>
             </a:pPr>
             <a:r>
-              <a:rPr lang="en-US" i="1" dirty="0" smtClean="0">
-                <a:solidFill>
-                  <a:srgbClr val="E8E2B7"/>
-                </a:solidFill>
-                <a:latin typeface="Courier New" panose="02070309020205020404" pitchFamily="49" charset="0"/>
-              </a:rPr>
-              <a:t>	</a:t>
-            </a:r>
-            <a:r>
-              <a:rPr lang="en-US" i="1" dirty="0" smtClean="0">
-                <a:solidFill>
-                  <a:srgbClr val="66747B"/>
-                </a:solidFill>
-                <a:latin typeface="Courier New" panose="02070309020205020404" pitchFamily="49" charset="0"/>
-              </a:rPr>
-              <a:t>// …</a:t>
-            </a:r>
-            <a:endParaRPr lang="en-US" i="1" dirty="0" smtClean="0">
-              <a:solidFill>
-                <a:srgbClr val="E0E2E4"/>
-              </a:solidFill>
-              <a:latin typeface="Courier New" panose="02070309020205020404" pitchFamily="49" charset="0"/>
+              <a:rPr lang="en-US" altLang="en-US" sz="1800" dirty="0">
+                <a:latin typeface="Courier New" panose="02070309020205020404" pitchFamily="49" charset="0"/>
+              </a:rPr>
+              <a:t>   new Scanner(new File(“in.txt”));</a:t>
+            </a:r>
+          </a:p>
+          <a:p>
+            <a:pPr>
+              <a:lnSpc>
+                <a:spcPct val="90000"/>
+              </a:lnSpc>
+            </a:pPr>
+            <a:r>
+              <a:rPr lang="en-US" altLang="en-US" dirty="0">
+                <a:latin typeface="Arial" panose="020B0604020202020204" pitchFamily="34" charset="0"/>
+              </a:rPr>
+              <a:t>Similar to </a:t>
+            </a:r>
+            <a:r>
+              <a:rPr lang="en-US" altLang="en-US" dirty="0">
+                <a:solidFill>
+                  <a:srgbClr val="FFC000"/>
+                </a:solidFill>
+                <a:latin typeface="Courier New" panose="02070309020205020404" pitchFamily="49" charset="0"/>
+              </a:rPr>
+              <a:t>Scanner</a:t>
+            </a:r>
+            <a:r>
+              <a:rPr lang="en-US" altLang="en-US" dirty="0">
+                <a:solidFill>
+                  <a:srgbClr val="FFC000"/>
+                </a:solidFill>
+                <a:latin typeface="Arial" panose="020B0604020202020204" pitchFamily="34" charset="0"/>
+              </a:rPr>
+              <a:t> </a:t>
+            </a:r>
+            <a:r>
+              <a:rPr lang="en-US" altLang="en-US" dirty="0">
+                <a:latin typeface="Arial" panose="020B0604020202020204" pitchFamily="34" charset="0"/>
+              </a:rPr>
+              <a:t>with </a:t>
+            </a:r>
+            <a:r>
+              <a:rPr lang="en-US" altLang="en-US" dirty="0">
+                <a:solidFill>
+                  <a:srgbClr val="92D050"/>
+                </a:solidFill>
+                <a:latin typeface="Courier New" panose="02070309020205020404" pitchFamily="49" charset="0"/>
+              </a:rPr>
+              <a:t>System.in</a:t>
+            </a:r>
+            <a:r>
+              <a:rPr lang="en-US" altLang="en-US" dirty="0">
+                <a:latin typeface="Arial" panose="020B0604020202020204" pitchFamily="34" charset="0"/>
+              </a:rPr>
+              <a:t>:</a:t>
+            </a:r>
+          </a:p>
+          <a:p>
+            <a:pPr>
+              <a:lnSpc>
+                <a:spcPct val="90000"/>
+              </a:lnSpc>
+              <a:buFontTx/>
+              <a:buNone/>
+            </a:pPr>
+            <a:r>
+              <a:rPr lang="en-US" altLang="en-US" sz="1800" dirty="0">
+                <a:latin typeface="Courier New" panose="02070309020205020404" pitchFamily="49" charset="0"/>
+              </a:rPr>
+              <a:t>Scanner keyboard = </a:t>
+            </a:r>
+          </a:p>
+          <a:p>
+            <a:pPr>
+              <a:lnSpc>
+                <a:spcPct val="90000"/>
+              </a:lnSpc>
+              <a:buFontTx/>
+              <a:buNone/>
+            </a:pPr>
+            <a:r>
+              <a:rPr lang="en-US" altLang="en-US" sz="1800" dirty="0">
+                <a:latin typeface="Courier New" panose="02070309020205020404" pitchFamily="49" charset="0"/>
+              </a:rPr>
+              <a:t>   new Scanner(System.in);</a:t>
+            </a:r>
+            <a:endParaRPr lang="en-US" altLang="en-US" sz="1800" dirty="0">
+              <a:latin typeface="Arial" panose="020B0604020202020204" pitchFamily="34" charset="0"/>
             </a:endParaRPr>
           </a:p>
           <a:p>
-            <a:pPr marL="0" indent="0">
+            <a:pPr>
+              <a:lnSpc>
+                <a:spcPct val="90000"/>
+              </a:lnSpc>
+              <a:buFontTx/>
               <a:buNone/>
             </a:pPr>
-            <a:r>
-              <a:rPr lang="en-US" i="1" dirty="0" smtClean="0">
-                <a:solidFill>
-                  <a:srgbClr val="E8E2B7"/>
-                </a:solidFill>
-                <a:latin typeface="Courier New" panose="02070309020205020404" pitchFamily="49" charset="0"/>
-              </a:rPr>
-              <a:t>}</a:t>
-            </a:r>
-            <a:r>
-              <a:rPr lang="en-US" i="1" dirty="0" smtClean="0">
-                <a:solidFill>
-                  <a:srgbClr val="E0E2E4"/>
-                </a:solidFill>
-                <a:latin typeface="Courier New" panose="02070309020205020404" pitchFamily="49" charset="0"/>
-              </a:rPr>
-              <a:t> </a:t>
-            </a:r>
-            <a:endParaRPr lang="en-US" dirty="0">
-              <a:effectLst/>
+            <a:endParaRPr lang="en-US" altLang="en-US" sz="1800" dirty="0">
+              <a:latin typeface="Arial" panose="020B0604020202020204" pitchFamily="34" charset="0"/>
             </a:endParaRPr>
           </a:p>
         </p:txBody>
@@ -13831,7 +13698,7 @@
     </p:spTree>
     <p:extLst>
       <p:ext uri="{BB962C8B-B14F-4D97-AF65-F5344CB8AC3E}">
-        <p14:creationId xmlns:p14="http://schemas.microsoft.com/office/powerpoint/2010/main" val="3671739282"/>
+        <p14:creationId xmlns:p14="http://schemas.microsoft.com/office/powerpoint/2010/main" val="2224647352"/>
       </p:ext>
     </p:extLst>
   </p:cSld>
@@ -13882,7 +13749,17 @@
           <a:p>
             <a:r>
               <a:rPr lang="en-US" altLang="en-US" dirty="0"/>
-              <a:t>Reading in lines of characters</a:t>
+              <a:t>Reading in </a:t>
+            </a:r>
+            <a:r>
+              <a:rPr lang="en-US" altLang="en-US" dirty="0" err="1">
+                <a:latin typeface="Courier New" panose="02070309020205020404" pitchFamily="49" charset="0"/>
+              </a:rPr>
+              <a:t>int</a:t>
+            </a:r>
+            <a:r>
+              <a:rPr lang="en-US" altLang="en-US" dirty="0" err="1"/>
+              <a:t>’s</a:t>
             </a:r>
             <a:endParaRPr lang="en-US" dirty="0"/>
           </a:p>
@@ -14047,22 +13924,31 @@
               <a:buNone/>
             </a:pPr>
             <a:r>
+              <a:rPr lang="en-US" i="1" dirty="0" err="1" smtClean="0">
+                <a:solidFill>
+                  <a:srgbClr val="678CB1"/>
+                </a:solidFill>
+                <a:latin typeface="Courier New" panose="02070309020205020404" pitchFamily="49" charset="0"/>
+              </a:rPr>
+              <a:t>int</a:t>
+            </a:r>
+            <a:r>
               <a:rPr lang="en-US" i="1" dirty="0" smtClean="0">
                 <a:solidFill>
                   <a:srgbClr val="E0E2E4"/>
                 </a:solidFill>
                 <a:latin typeface="Courier New" panose="02070309020205020404" pitchFamily="49" charset="0"/>
               </a:rPr>
-              <a:t>String </a:t>
-            </a:r>
-            <a:r>
-              <a:rPr lang="en-US" i="1" dirty="0">
-                <a:solidFill>
-                  <a:srgbClr val="E0E2E4"/>
-                </a:solidFill>
-                <a:latin typeface="Courier New" panose="02070309020205020404" pitchFamily="49" charset="0"/>
-              </a:rPr>
-              <a:t>line</a:t>
+              <a:t> </a:t>
+            </a:r>
+            <a:r>
+              <a:rPr lang="en-US" i="1" dirty="0">
+                <a:solidFill>
+                  <a:srgbClr val="E0E2E4"/>
+                </a:solidFill>
+                <a:latin typeface="Courier New" panose="02070309020205020404" pitchFamily="49" charset="0"/>
+              </a:rPr>
+              <a:t>number</a:t>
             </a:r>
             <a:r>
               <a:rPr lang="en-US" i="1" dirty="0" smtClean="0">
@@ -14130,7 +14016,7 @@
                 </a:solidFill>
                 <a:latin typeface="Courier New" panose="02070309020205020404" pitchFamily="49" charset="0"/>
               </a:rPr>
-              <a:t>hasNextLine</a:t>
+              <a:t>hasInt</a:t>
             </a:r>
             <a:r>
               <a:rPr lang="en-US" i="1" dirty="0" smtClean="0">
@@ -14140,92 +14026,6 @@
                 <a:latin typeface="Courier New" panose="02070309020205020404" pitchFamily="49" charset="0"/>
               </a:rPr>
               <a:t>()){</a:t>
-            </a:r>
-          </a:p>
-          <a:p>
-            <a:pPr marL="0" indent="0">
-              <a:buNone/>
-            </a:pPr>
-            <a:r>
-              <a:rPr lang="en-US" i="1" dirty="0">
-                <a:solidFill>
-                  <a:srgbClr val="E8E2B7"/>
-                </a:solidFill>
-                <a:latin typeface="Courier New" panose="02070309020205020404" pitchFamily="49" charset="0"/>
-              </a:rPr>
-              <a:t>	</a:t>
-            </a:r>
-            <a:r>
-              <a:rPr lang="en-US" i="1" dirty="0" smtClean="0">
-                <a:solidFill>
-                  <a:srgbClr val="E0E2E4"/>
-                </a:solidFill>
-                <a:latin typeface="Courier New" panose="02070309020205020404" pitchFamily="49" charset="0"/>
-              </a:rPr>
-              <a:t>line </a:t>
-            </a:r>
-            <a:r>
-              <a:rPr lang="en-US" i="1" dirty="0">
-                <a:solidFill>
-                  <a:srgbClr val="E8E2B7"/>
-                </a:solidFill>
-                <a:latin typeface="Courier New" panose="02070309020205020404" pitchFamily="49" charset="0"/>
-              </a:rPr>
-              <a:t>=</a:t>
-            </a:r>
-            <a:r>
-              <a:rPr lang="en-US" i="1" dirty="0">
-                <a:solidFill>
-                  <a:srgbClr val="E0E2E4"/>
-                </a:solidFill>
-                <a:latin typeface="Courier New" panose="02070309020205020404" pitchFamily="49" charset="0"/>
-              </a:rPr>
-              <a:t> </a:t>
-            </a:r>
-            <a:r>
-              <a:rPr lang="en-US" i="1" dirty="0" err="1">
-                <a:solidFill>
-                  <a:srgbClr val="E0E2E4"/>
-                </a:solidFill>
-                <a:latin typeface="Courier New" panose="02070309020205020404" pitchFamily="49" charset="0"/>
-              </a:rPr>
-              <a:t>inFile</a:t>
-            </a:r>
-            <a:r>
-              <a:rPr lang="en-US" i="1" dirty="0" err="1">
-                <a:solidFill>
-                  <a:srgbClr val="E8E2B7"/>
-                </a:solidFill>
-                <a:latin typeface="Courier New" panose="02070309020205020404" pitchFamily="49" charset="0"/>
-              </a:rPr>
-              <a:t>.</a:t>
-            </a:r>
-            <a:r>
-              <a:rPr lang="en-US" i="1" dirty="0" err="1">
-                <a:solidFill>
-                  <a:srgbClr val="E0E2E4"/>
-                </a:solidFill>
-                <a:latin typeface="Courier New" panose="02070309020205020404" pitchFamily="49" charset="0"/>
-              </a:rPr>
-              <a:t>nextLine</a:t>
-            </a:r>
-            <a:r>
-              <a:rPr lang="en-US" i="1" dirty="0">
-                <a:solidFill>
-                  <a:srgbClr val="E8E2B7"/>
-                </a:solidFill>
-                <a:latin typeface="Courier New" panose="02070309020205020404" pitchFamily="49" charset="0"/>
-              </a:rPr>
-              <a:t>();</a:t>
-            </a:r>
-            <a:r>
-              <a:rPr lang="en-US" i="1" dirty="0">
-                <a:solidFill>
-                  <a:srgbClr val="E0E2E4"/>
-                </a:solidFill>
-                <a:latin typeface="Courier New" panose="02070309020205020404" pitchFamily="49" charset="0"/>
-              </a:rPr>
-              <a:t> </a:t>
             </a:r>
             <a:endParaRPr lang="en-US" i="1" dirty="0" smtClean="0">
               <a:solidFill>
@@ -14239,14 +14039,106 @@
               <a:buNone/>
             </a:pPr>
             <a:r>
+              <a:rPr lang="en-US" i="1" dirty="0">
+                <a:solidFill>
+                  <a:srgbClr val="E0E2E4"/>
+                </a:solidFill>
+                <a:latin typeface="Courier New" panose="02070309020205020404" pitchFamily="49" charset="0"/>
+              </a:rPr>
+              <a:t>	</a:t>
+            </a:r>
+            <a:r>
               <a:rPr lang="en-US" i="1" dirty="0" smtClean="0">
                 <a:solidFill>
+                  <a:srgbClr val="E0E2E4"/>
+                </a:solidFill>
+                <a:latin typeface="Courier New" panose="02070309020205020404" pitchFamily="49" charset="0"/>
+              </a:rPr>
+              <a:t>number </a:t>
+            </a:r>
+            <a:r>
+              <a:rPr lang="en-US" i="1" dirty="0">
+                <a:solidFill>
+                  <a:srgbClr val="E8E2B7"/>
+                </a:solidFill>
+                <a:latin typeface="Courier New" panose="02070309020205020404" pitchFamily="49" charset="0"/>
+              </a:rPr>
+              <a:t>=</a:t>
+            </a:r>
+            <a:r>
+              <a:rPr lang="en-US" i="1" dirty="0">
+                <a:solidFill>
+                  <a:srgbClr val="E0E2E4"/>
+                </a:solidFill>
+                <a:latin typeface="Courier New" panose="02070309020205020404" pitchFamily="49" charset="0"/>
+              </a:rPr>
+              <a:t> </a:t>
+            </a:r>
+            <a:r>
+              <a:rPr lang="en-US" i="1" dirty="0" err="1">
+                <a:solidFill>
+                  <a:srgbClr val="E0E2E4"/>
+                </a:solidFill>
+                <a:latin typeface="Courier New" panose="02070309020205020404" pitchFamily="49" charset="0"/>
+              </a:rPr>
+              <a:t>inFile</a:t>
+            </a:r>
+            <a:r>
+              <a:rPr lang="en-US" i="1" dirty="0" err="1">
+                <a:solidFill>
+                  <a:srgbClr val="E8E2B7"/>
+                </a:solidFill>
+                <a:latin typeface="Courier New" panose="02070309020205020404" pitchFamily="49" charset="0"/>
+              </a:rPr>
+              <a:t>.</a:t>
+            </a:r>
+            <a:r>
+              <a:rPr lang="en-US" i="1" dirty="0" err="1">
+                <a:solidFill>
+                  <a:srgbClr val="E0E2E4"/>
+                </a:solidFill>
+                <a:latin typeface="Courier New" panose="02070309020205020404" pitchFamily="49" charset="0"/>
+              </a:rPr>
+              <a:t>nextInt</a:t>
+            </a:r>
+            <a:r>
+              <a:rPr lang="en-US" i="1" dirty="0" smtClean="0">
+                <a:solidFill>
+                  <a:srgbClr val="E8E2B7"/>
+                </a:solidFill>
+                <a:latin typeface="Courier New" panose="02070309020205020404" pitchFamily="49" charset="0"/>
+              </a:rPr>
+              <a:t>();</a:t>
+            </a:r>
+          </a:p>
+          <a:p>
+            <a:pPr marL="0" indent="0">
+              <a:buNone/>
+            </a:pPr>
+            <a:r>
+              <a:rPr lang="en-US" i="1" dirty="0" smtClean="0">
+                <a:solidFill>
+                  <a:srgbClr val="E8E2B7"/>
+                </a:solidFill>
+                <a:latin typeface="Courier New" panose="02070309020205020404" pitchFamily="49" charset="0"/>
+              </a:rPr>
+              <a:t>	</a:t>
+            </a:r>
+            <a:r>
+              <a:rPr lang="en-US" i="1" dirty="0" smtClean="0">
+                <a:solidFill>
                   <a:srgbClr val="66747B"/>
                 </a:solidFill>
                 <a:latin typeface="Courier New" panose="02070309020205020404" pitchFamily="49" charset="0"/>
               </a:rPr>
-              <a:t>	// …</a:t>
-            </a:r>
+              <a:t>// …</a:t>
+            </a:r>
+            <a:endParaRPr lang="en-US" i="1" dirty="0" smtClean="0">
+              <a:solidFill>
+                <a:srgbClr val="E0E2E4"/>
+              </a:solidFill>
+              <a:latin typeface="Courier New" panose="02070309020205020404" pitchFamily="49" charset="0"/>
+            </a:endParaRPr>
           </a:p>
           <a:p>
             <a:pPr marL="0" indent="0">
@@ -14261,10 +14153,18 @@
               </a:rPr>
               <a:t>}</a:t>
             </a:r>
-            <a:endParaRPr lang="en-US" dirty="0"/>
-          </a:p>
-          <a:p>
-            <a:endParaRPr lang="en-US" dirty="0"/>
+            <a:r>
+              <a:rPr lang="en-US" i="1" dirty="0" smtClean="0">
+                <a:solidFill>
+                  <a:srgbClr val="E0E2E4"/>
+                </a:solidFill>
+                <a:latin typeface="Courier New" panose="02070309020205020404" pitchFamily="49" charset="0"/>
+              </a:rPr>
+              <a:t> </a:t>
+            </a:r>
+            <a:endParaRPr lang="en-US" dirty="0">
+              <a:effectLst/>
+            </a:endParaRPr>
           </a:p>
         </p:txBody>
       </p:sp>
@@ -14294,7 +14194,7 @@
     </p:spTree>
     <p:extLst>
       <p:ext uri="{BB962C8B-B14F-4D97-AF65-F5344CB8AC3E}">
-        <p14:creationId xmlns:p14="http://schemas.microsoft.com/office/powerpoint/2010/main" val="2079043483"/>
+        <p14:creationId xmlns:p14="http://schemas.microsoft.com/office/powerpoint/2010/main" val="3671739282"/>
       </p:ext>
     </p:extLst>
   </p:cSld>
@@ -14345,7 +14245,7 @@
           <a:p>
             <a:r>
               <a:rPr lang="en-US" altLang="en-US" dirty="0"/>
-              <a:t>Multiple types on one line</a:t>
+              <a:t>Reading in lines of characters</a:t>
             </a:r>
             <a:endParaRPr lang="en-US" dirty="0"/>
           </a:p>
@@ -14361,16 +14261,9 @@
             <p:ph idx="1"/>
           </p:nvPr>
         </p:nvSpPr>
-        <p:spPr>
-          <a:xfrm>
-            <a:off x="536448" y="1475232"/>
-            <a:ext cx="9513405" cy="5382768"/>
-          </a:xfrm>
-        </p:spPr>
-        <p:txBody>
-          <a:bodyPr>
-            <a:normAutofit/>
-          </a:bodyPr>
+        <p:spPr/>
+        <p:txBody>
+          <a:bodyPr/>
           <a:lstStyle/>
           <a:p>
             <a:pPr marL="0" indent="0">
@@ -14379,20 +14272,137 @@
             <a:r>
               <a:rPr lang="en-US" i="1" dirty="0">
                 <a:solidFill>
-                  <a:srgbClr val="66747B"/>
-                </a:solidFill>
-                <a:latin typeface="Courier New" panose="02070309020205020404" pitchFamily="49" charset="0"/>
-              </a:rPr>
-              <a:t>// Name, id, </a:t>
+                  <a:srgbClr val="E0E2E4"/>
+                </a:solidFill>
+                <a:latin typeface="Courier New" panose="02070309020205020404" pitchFamily="49" charset="0"/>
+              </a:rPr>
+              <a:t>Scanner </a:t>
+            </a:r>
+            <a:r>
+              <a:rPr lang="en-US" i="1" dirty="0" err="1">
+                <a:solidFill>
+                  <a:srgbClr val="E0E2E4"/>
+                </a:solidFill>
+                <a:latin typeface="Courier New" panose="02070309020205020404" pitchFamily="49" charset="0"/>
+              </a:rPr>
+              <a:t>inFile</a:t>
+            </a:r>
+            <a:r>
+              <a:rPr lang="en-US" i="1" dirty="0">
+                <a:solidFill>
+                  <a:srgbClr val="E0E2E4"/>
+                </a:solidFill>
+                <a:latin typeface="Courier New" panose="02070309020205020404" pitchFamily="49" charset="0"/>
+              </a:rPr>
+              <a:t> </a:t>
+            </a:r>
+            <a:r>
+              <a:rPr lang="en-US" i="1" dirty="0">
+                <a:solidFill>
+                  <a:srgbClr val="E8E2B7"/>
+                </a:solidFill>
+                <a:latin typeface="Courier New" panose="02070309020205020404" pitchFamily="49" charset="0"/>
+              </a:rPr>
+              <a:t>=</a:t>
+            </a:r>
+            <a:r>
+              <a:rPr lang="en-US" i="1" dirty="0">
+                <a:solidFill>
+                  <a:srgbClr val="E0E2E4"/>
+                </a:solidFill>
+                <a:latin typeface="Courier New" panose="02070309020205020404" pitchFamily="49" charset="0"/>
+              </a:rPr>
+              <a:t> </a:t>
+            </a:r>
+            <a:r>
+              <a:rPr lang="en-US" i="1" dirty="0">
+                <a:solidFill>
+                  <a:srgbClr val="93C763"/>
+                </a:solidFill>
+                <a:latin typeface="Courier New" panose="02070309020205020404" pitchFamily="49" charset="0"/>
+              </a:rPr>
+              <a:t>new</a:t>
+            </a:r>
+            <a:r>
+              <a:rPr lang="en-US" i="1" dirty="0">
+                <a:solidFill>
+                  <a:srgbClr val="E0E2E4"/>
+                </a:solidFill>
+                <a:latin typeface="Courier New" panose="02070309020205020404" pitchFamily="49" charset="0"/>
+              </a:rPr>
+              <a:t> Scanner</a:t>
+            </a:r>
+            <a:r>
+              <a:rPr lang="en-US" i="1" dirty="0">
+                <a:solidFill>
+                  <a:srgbClr val="E8E2B7"/>
+                </a:solidFill>
+                <a:latin typeface="Courier New" panose="02070309020205020404" pitchFamily="49" charset="0"/>
+              </a:rPr>
+              <a:t>(</a:t>
+            </a:r>
+            <a:r>
+              <a:rPr lang="en-US" i="1" dirty="0">
+                <a:solidFill>
+                  <a:srgbClr val="93C763"/>
+                </a:solidFill>
+                <a:latin typeface="Courier New" panose="02070309020205020404" pitchFamily="49" charset="0"/>
+              </a:rPr>
+              <a:t>new</a:t>
+            </a:r>
+            <a:r>
+              <a:rPr lang="en-US" i="1" dirty="0">
+                <a:solidFill>
+                  <a:srgbClr val="E0E2E4"/>
+                </a:solidFill>
+                <a:latin typeface="Courier New" panose="02070309020205020404" pitchFamily="49" charset="0"/>
+              </a:rPr>
+              <a:t> File</a:t>
+            </a:r>
+            <a:r>
+              <a:rPr lang="en-US" i="1" dirty="0">
+                <a:solidFill>
+                  <a:srgbClr val="E8E2B7"/>
+                </a:solidFill>
+                <a:latin typeface="Courier New" panose="02070309020205020404" pitchFamily="49" charset="0"/>
+              </a:rPr>
+              <a:t>(</a:t>
+            </a:r>
+            <a:r>
+              <a:rPr lang="en-US" i="1" dirty="0">
+                <a:solidFill>
+                  <a:srgbClr val="E0E2E4"/>
+                </a:solidFill>
+                <a:latin typeface="Courier New" panose="02070309020205020404" pitchFamily="49" charset="0"/>
+              </a:rPr>
+              <a:t>“in</a:t>
+            </a:r>
+            <a:r>
+              <a:rPr lang="en-US" i="1" dirty="0">
+                <a:solidFill>
+                  <a:srgbClr val="E8E2B7"/>
+                </a:solidFill>
+                <a:latin typeface="Courier New" panose="02070309020205020404" pitchFamily="49" charset="0"/>
+              </a:rPr>
+              <a:t>.</a:t>
+            </a:r>
+            <a:r>
+              <a:rPr lang="en-US" i="1" dirty="0">
+                <a:solidFill>
+                  <a:srgbClr val="E0E2E4"/>
+                </a:solidFill>
+                <a:latin typeface="Courier New" panose="02070309020205020404" pitchFamily="49" charset="0"/>
+              </a:rPr>
+              <a:t>txt</a:t>
             </a:r>
             <a:r>
               <a:rPr lang="en-US" i="1" dirty="0" smtClean="0">
                 <a:solidFill>
-                  <a:srgbClr val="66747B"/>
-                </a:solidFill>
-                <a:latin typeface="Courier New" panose="02070309020205020404" pitchFamily="49" charset="0"/>
-              </a:rPr>
-              <a:t>balance</a:t>
+                  <a:srgbClr val="E0E2E4"/>
+                </a:solidFill>
+                <a:latin typeface="Courier New" panose="02070309020205020404" pitchFamily="49" charset="0"/>
+              </a:rPr>
+              <a:t>"));</a:t>
             </a:r>
           </a:p>
           <a:p>
@@ -14406,7 +14416,57 @@
                 </a:solidFill>
                 <a:latin typeface="Courier New" panose="02070309020205020404" pitchFamily="49" charset="0"/>
               </a:rPr>
-              <a:t>Scanner </a:t>
+              <a:t>String </a:t>
+            </a:r>
+            <a:r>
+              <a:rPr lang="en-US" i="1" dirty="0">
+                <a:solidFill>
+                  <a:srgbClr val="E0E2E4"/>
+                </a:solidFill>
+                <a:latin typeface="Courier New" panose="02070309020205020404" pitchFamily="49" charset="0"/>
+              </a:rPr>
+              <a:t>line</a:t>
+            </a:r>
+            <a:r>
+              <a:rPr lang="en-US" i="1" dirty="0" smtClean="0">
+                <a:solidFill>
+                  <a:srgbClr val="E8E2B7"/>
+                </a:solidFill>
+                <a:latin typeface="Courier New" panose="02070309020205020404" pitchFamily="49" charset="0"/>
+              </a:rPr>
+              <a:t>;</a:t>
+            </a:r>
+          </a:p>
+          <a:p>
+            <a:pPr marL="0" indent="0">
+              <a:buNone/>
+            </a:pPr>
+            <a:r>
+              <a:rPr lang="en-US" i="1" dirty="0" smtClean="0">
+                <a:solidFill>
+                  <a:srgbClr val="93C763"/>
+                </a:solidFill>
+                <a:latin typeface="Courier New" panose="02070309020205020404" pitchFamily="49" charset="0"/>
+              </a:rPr>
+              <a:t>while</a:t>
+            </a:r>
+            <a:r>
+              <a:rPr lang="en-US" i="1" dirty="0" smtClean="0">
+                <a:solidFill>
+                  <a:srgbClr val="E0E2E4"/>
+                </a:solidFill>
+                <a:latin typeface="Courier New" panose="02070309020205020404" pitchFamily="49" charset="0"/>
+              </a:rPr>
+              <a:t> </a:t>
+            </a:r>
+            <a:r>
+              <a:rPr lang="en-US" i="1" dirty="0">
+                <a:solidFill>
+                  <a:srgbClr val="E8E2B7"/>
+                </a:solidFill>
+                <a:latin typeface="Courier New" panose="02070309020205020404" pitchFamily="49" charset="0"/>
+              </a:rPr>
+              <a:t>(</a:t>
             </a:r>
             <a:r>
               <a:rPr lang="en-US" i="1" dirty="0" err="1">
@@ -14418,6 +14478,65 @@
               <a:t>inFile</a:t>
             </a:r>
             <a:r>
+              <a:rPr lang="en-US" i="1" dirty="0" err="1">
+                <a:solidFill>
+                  <a:srgbClr val="E8E2B7"/>
+                </a:solidFill>
+                <a:latin typeface="Courier New" panose="02070309020205020404" pitchFamily="49" charset="0"/>
+              </a:rPr>
+              <a:t>.</a:t>
+            </a:r>
+            <a:r>
+              <a:rPr lang="en-US" i="1" dirty="0" err="1">
+                <a:solidFill>
+                  <a:srgbClr val="E0E2E4"/>
+                </a:solidFill>
+                <a:latin typeface="Courier New" panose="02070309020205020404" pitchFamily="49" charset="0"/>
+              </a:rPr>
+              <a:t>hasNextLine</a:t>
+            </a:r>
+            <a:r>
+              <a:rPr lang="en-US" i="1" dirty="0" smtClean="0">
+                <a:solidFill>
+                  <a:srgbClr val="E8E2B7"/>
+                </a:solidFill>
+                <a:latin typeface="Courier New" panose="02070309020205020404" pitchFamily="49" charset="0"/>
+              </a:rPr>
+              <a:t>()){</a:t>
+            </a:r>
+          </a:p>
+          <a:p>
+            <a:pPr marL="0" indent="0">
+              <a:buNone/>
+            </a:pPr>
+            <a:r>
+              <a:rPr lang="en-US" i="1" dirty="0">
+                <a:solidFill>
+                  <a:srgbClr val="E8E2B7"/>
+                </a:solidFill>
+                <a:latin typeface="Courier New" panose="02070309020205020404" pitchFamily="49" charset="0"/>
+              </a:rPr>
+              <a:t>	</a:t>
+            </a:r>
+            <a:r>
+              <a:rPr lang="en-US" i="1" dirty="0" smtClean="0">
+                <a:solidFill>
+                  <a:srgbClr val="E0E2E4"/>
+                </a:solidFill>
+                <a:latin typeface="Courier New" panose="02070309020205020404" pitchFamily="49" charset="0"/>
+              </a:rPr>
+              <a:t>line </a:t>
+            </a:r>
+            <a:r>
+              <a:rPr lang="en-US" i="1" dirty="0">
+                <a:solidFill>
+                  <a:srgbClr val="E8E2B7"/>
+                </a:solidFill>
+                <a:latin typeface="Courier New" panose="02070309020205020404" pitchFamily="49" charset="0"/>
+              </a:rPr>
+              <a:t>=</a:t>
+            </a:r>
+            <a:r>
               <a:rPr lang="en-US" i="1" dirty="0">
                 <a:solidFill>
                   <a:srgbClr val="E0E2E4"/>
@@ -14427,13 +14546,40 @@
               <a:t> </a:t>
             </a:r>
             <a:r>
-              <a:rPr lang="en-US" i="1" dirty="0">
+              <a:rPr lang="en-US" i="1" dirty="0" err="1">
+                <a:solidFill>
+                  <a:srgbClr val="E0E2E4"/>
+                </a:solidFill>
+                <a:latin typeface="Courier New" panose="02070309020205020404" pitchFamily="49" charset="0"/>
+              </a:rPr>
+              <a:t>inFile</a:t>
+            </a:r>
+            <a:r>
+              <a:rPr lang="en-US" i="1" dirty="0" err="1">
                 <a:solidFill>
                   <a:srgbClr val="E8E2B7"/>
                 </a:solidFill>
                 <a:latin typeface="Courier New" panose="02070309020205020404" pitchFamily="49" charset="0"/>
               </a:rPr>
-              <a:t>=</a:t>
+              <a:t>.</a:t>
+            </a:r>
+            <a:r>
+              <a:rPr lang="en-US" i="1" dirty="0" err="1">
+                <a:solidFill>
+                  <a:srgbClr val="E0E2E4"/>
+                </a:solidFill>
+                <a:latin typeface="Courier New" panose="02070309020205020404" pitchFamily="49" charset="0"/>
+              </a:rPr>
+              <a:t>nextLine</a:t>
+            </a:r>
+            <a:r>
+              <a:rPr lang="en-US" i="1" dirty="0">
+                <a:solidFill>
+                  <a:srgbClr val="E8E2B7"/>
+                </a:solidFill>
+                <a:latin typeface="Courier New" panose="02070309020205020404" pitchFamily="49" charset="0"/>
+              </a:rPr>
+              <a:t>();</a:t>
             </a:r>
             <a:r>
               <a:rPr lang="en-US" i="1" dirty="0">
@@ -14443,422 +14589,10 @@
                 <a:latin typeface="Courier New" panose="02070309020205020404" pitchFamily="49" charset="0"/>
               </a:rPr>
               <a:t> </a:t>
-            </a:r>
-            <a:r>
-              <a:rPr lang="en-US" i="1" dirty="0">
-                <a:solidFill>
-                  <a:srgbClr val="93C763"/>
-                </a:solidFill>
-                <a:latin typeface="Courier New" panose="02070309020205020404" pitchFamily="49" charset="0"/>
-              </a:rPr>
-              <a:t>new</a:t>
-            </a:r>
-            <a:r>
-              <a:rPr lang="en-US" i="1" dirty="0">
-                <a:solidFill>
-                  <a:srgbClr val="E0E2E4"/>
-                </a:solidFill>
-                <a:latin typeface="Courier New" panose="02070309020205020404" pitchFamily="49" charset="0"/>
-              </a:rPr>
-              <a:t> Scanner</a:t>
-            </a:r>
-            <a:r>
-              <a:rPr lang="en-US" i="1" dirty="0">
-                <a:solidFill>
-                  <a:srgbClr val="E8E2B7"/>
-                </a:solidFill>
-                <a:latin typeface="Courier New" panose="02070309020205020404" pitchFamily="49" charset="0"/>
-              </a:rPr>
-              <a:t>(</a:t>
-            </a:r>
-            <a:r>
-              <a:rPr lang="en-US" i="1" dirty="0">
-                <a:solidFill>
-                  <a:srgbClr val="93C763"/>
-                </a:solidFill>
-                <a:latin typeface="Courier New" panose="02070309020205020404" pitchFamily="49" charset="0"/>
-              </a:rPr>
-              <a:t>new</a:t>
-            </a:r>
-            <a:r>
-              <a:rPr lang="en-US" i="1" dirty="0">
-                <a:solidFill>
-                  <a:srgbClr val="E0E2E4"/>
-                </a:solidFill>
-                <a:latin typeface="Courier New" panose="02070309020205020404" pitchFamily="49" charset="0"/>
-              </a:rPr>
-              <a:t> File</a:t>
-            </a:r>
-            <a:r>
-              <a:rPr lang="en-US" i="1" dirty="0">
-                <a:solidFill>
-                  <a:srgbClr val="E8E2B7"/>
-                </a:solidFill>
-                <a:latin typeface="Courier New" panose="02070309020205020404" pitchFamily="49" charset="0"/>
-              </a:rPr>
-              <a:t>(</a:t>
-            </a:r>
-            <a:r>
-              <a:rPr lang="en-US" i="1" dirty="0">
-                <a:solidFill>
-                  <a:srgbClr val="E0E2E4"/>
-                </a:solidFill>
-                <a:latin typeface="Courier New" panose="02070309020205020404" pitchFamily="49" charset="0"/>
-              </a:rPr>
-              <a:t>“in</a:t>
-            </a:r>
-            <a:r>
-              <a:rPr lang="en-US" i="1" dirty="0">
-                <a:solidFill>
-                  <a:srgbClr val="E8E2B7"/>
-                </a:solidFill>
-                <a:latin typeface="Courier New" panose="02070309020205020404" pitchFamily="49" charset="0"/>
-              </a:rPr>
-              <a:t>.</a:t>
-            </a:r>
-            <a:r>
-              <a:rPr lang="en-US" i="1" dirty="0">
-                <a:solidFill>
-                  <a:srgbClr val="E0E2E4"/>
-                </a:solidFill>
-                <a:latin typeface="Courier New" panose="02070309020205020404" pitchFamily="49" charset="0"/>
-              </a:rPr>
-              <a:t>txt</a:t>
-            </a:r>
-            <a:r>
-              <a:rPr lang="en-US" i="1" dirty="0" smtClean="0">
-                <a:solidFill>
-                  <a:srgbClr val="E0E2E4"/>
-                </a:solidFill>
-                <a:latin typeface="Courier New" panose="02070309020205020404" pitchFamily="49" charset="0"/>
-              </a:rPr>
-              <a:t>"));</a:t>
-            </a:r>
-          </a:p>
-          <a:p>
-            <a:pPr marL="0" indent="0">
-              <a:buNone/>
-            </a:pPr>
-            <a:r>
-              <a:rPr lang="en-US" i="1" dirty="0" smtClean="0">
-                <a:solidFill>
-                  <a:srgbClr val="93C763"/>
-                </a:solidFill>
-                <a:latin typeface="Courier New" panose="02070309020205020404" pitchFamily="49" charset="0"/>
-              </a:rPr>
-              <a:t>while</a:t>
-            </a:r>
-            <a:r>
-              <a:rPr lang="en-US" i="1" dirty="0" smtClean="0">
-                <a:solidFill>
-                  <a:srgbClr val="E0E2E4"/>
-                </a:solidFill>
-                <a:latin typeface="Courier New" panose="02070309020205020404" pitchFamily="49" charset="0"/>
-              </a:rPr>
-              <a:t> </a:t>
-            </a:r>
-            <a:r>
-              <a:rPr lang="en-US" i="1" dirty="0">
-                <a:solidFill>
-                  <a:srgbClr val="E8E2B7"/>
-                </a:solidFill>
-                <a:latin typeface="Courier New" panose="02070309020205020404" pitchFamily="49" charset="0"/>
-              </a:rPr>
-              <a:t>(</a:t>
-            </a:r>
-            <a:r>
-              <a:rPr lang="en-US" i="1" dirty="0" err="1">
-                <a:solidFill>
-                  <a:srgbClr val="E0E2E4"/>
-                </a:solidFill>
-                <a:latin typeface="Courier New" panose="02070309020205020404" pitchFamily="49" charset="0"/>
-              </a:rPr>
-              <a:t>inFile</a:t>
-            </a:r>
-            <a:r>
-              <a:rPr lang="en-US" i="1" dirty="0" err="1">
-                <a:solidFill>
-                  <a:srgbClr val="E8E2B7"/>
-                </a:solidFill>
-                <a:latin typeface="Courier New" panose="02070309020205020404" pitchFamily="49" charset="0"/>
-              </a:rPr>
-              <a:t>.</a:t>
-            </a:r>
-            <a:r>
-              <a:rPr lang="en-US" i="1" dirty="0" err="1">
-                <a:solidFill>
-                  <a:srgbClr val="E0E2E4"/>
-                </a:solidFill>
-                <a:latin typeface="Courier New" panose="02070309020205020404" pitchFamily="49" charset="0"/>
-              </a:rPr>
-              <a:t>hasNext</a:t>
-            </a:r>
-            <a:r>
-              <a:rPr lang="en-US" i="1" dirty="0" smtClean="0">
-                <a:solidFill>
-                  <a:srgbClr val="E8E2B7"/>
-                </a:solidFill>
-                <a:latin typeface="Courier New" panose="02070309020205020404" pitchFamily="49" charset="0"/>
-              </a:rPr>
-              <a:t>()){</a:t>
-            </a:r>
-          </a:p>
-          <a:p>
-            <a:pPr marL="0" indent="0">
-              <a:buNone/>
-            </a:pPr>
-            <a:r>
-              <a:rPr lang="en-US" i="1" dirty="0">
-                <a:solidFill>
-                  <a:srgbClr val="E0E2E4"/>
-                </a:solidFill>
-                <a:latin typeface="Courier New" panose="02070309020205020404" pitchFamily="49" charset="0"/>
-              </a:rPr>
-              <a:t>	</a:t>
-            </a:r>
-            <a:r>
-              <a:rPr lang="en-US" i="1" dirty="0" smtClean="0">
-                <a:solidFill>
-                  <a:srgbClr val="E0E2E4"/>
-                </a:solidFill>
-                <a:latin typeface="Courier New" panose="02070309020205020404" pitchFamily="49" charset="0"/>
-              </a:rPr>
-              <a:t>name </a:t>
-            </a:r>
-            <a:r>
-              <a:rPr lang="en-US" i="1" dirty="0">
-                <a:solidFill>
-                  <a:srgbClr val="E8E2B7"/>
-                </a:solidFill>
-                <a:latin typeface="Courier New" panose="02070309020205020404" pitchFamily="49" charset="0"/>
-              </a:rPr>
-              <a:t>=</a:t>
-            </a:r>
-            <a:r>
-              <a:rPr lang="en-US" i="1" dirty="0">
-                <a:solidFill>
-                  <a:srgbClr val="E0E2E4"/>
-                </a:solidFill>
-                <a:latin typeface="Courier New" panose="02070309020205020404" pitchFamily="49" charset="0"/>
-              </a:rPr>
-              <a:t> </a:t>
-            </a:r>
-            <a:r>
-              <a:rPr lang="en-US" i="1" dirty="0" err="1">
-                <a:solidFill>
-                  <a:srgbClr val="E0E2E4"/>
-                </a:solidFill>
-                <a:latin typeface="Courier New" panose="02070309020205020404" pitchFamily="49" charset="0"/>
-              </a:rPr>
-              <a:t>inFile</a:t>
-            </a:r>
-            <a:r>
-              <a:rPr lang="en-US" i="1" dirty="0" err="1">
-                <a:solidFill>
-                  <a:srgbClr val="E8E2B7"/>
-                </a:solidFill>
-                <a:latin typeface="Courier New" panose="02070309020205020404" pitchFamily="49" charset="0"/>
-              </a:rPr>
-              <a:t>.</a:t>
-            </a:r>
-            <a:r>
-              <a:rPr lang="en-US" i="1" dirty="0" err="1">
-                <a:solidFill>
-                  <a:srgbClr val="E0E2E4"/>
-                </a:solidFill>
-                <a:latin typeface="Courier New" panose="02070309020205020404" pitchFamily="49" charset="0"/>
-              </a:rPr>
-              <a:t>next</a:t>
-            </a:r>
-            <a:r>
-              <a:rPr lang="en-US" i="1" dirty="0" smtClean="0">
-                <a:solidFill>
-                  <a:srgbClr val="E8E2B7"/>
-                </a:solidFill>
-                <a:latin typeface="Courier New" panose="02070309020205020404" pitchFamily="49" charset="0"/>
-              </a:rPr>
-              <a:t>();</a:t>
-            </a:r>
-          </a:p>
-          <a:p>
-            <a:pPr marL="0" indent="0">
-              <a:buNone/>
-            </a:pPr>
-            <a:r>
-              <a:rPr lang="en-US" i="1" dirty="0">
-                <a:solidFill>
-                  <a:srgbClr val="E0E2E4"/>
-                </a:solidFill>
-                <a:latin typeface="Courier New" panose="02070309020205020404" pitchFamily="49" charset="0"/>
-              </a:rPr>
-              <a:t>	</a:t>
-            </a:r>
-            <a:r>
-              <a:rPr lang="en-US" i="1" dirty="0" smtClean="0">
-                <a:solidFill>
-                  <a:srgbClr val="E0E2E4"/>
-                </a:solidFill>
-                <a:latin typeface="Courier New" panose="02070309020205020404" pitchFamily="49" charset="0"/>
-              </a:rPr>
-              <a:t>id </a:t>
-            </a:r>
-            <a:r>
-              <a:rPr lang="en-US" i="1" dirty="0">
-                <a:solidFill>
-                  <a:srgbClr val="E8E2B7"/>
-                </a:solidFill>
-                <a:latin typeface="Courier New" panose="02070309020205020404" pitchFamily="49" charset="0"/>
-              </a:rPr>
-              <a:t>=</a:t>
-            </a:r>
-            <a:r>
-              <a:rPr lang="en-US" i="1" dirty="0">
-                <a:solidFill>
-                  <a:srgbClr val="E0E2E4"/>
-                </a:solidFill>
-                <a:latin typeface="Courier New" panose="02070309020205020404" pitchFamily="49" charset="0"/>
-              </a:rPr>
-              <a:t> </a:t>
-            </a:r>
-            <a:r>
-              <a:rPr lang="en-US" i="1" dirty="0" err="1">
-                <a:solidFill>
-                  <a:srgbClr val="E0E2E4"/>
-                </a:solidFill>
-                <a:latin typeface="Courier New" panose="02070309020205020404" pitchFamily="49" charset="0"/>
-              </a:rPr>
-              <a:t>inFile</a:t>
-            </a:r>
-            <a:r>
-              <a:rPr lang="en-US" i="1" dirty="0" err="1">
-                <a:solidFill>
-                  <a:srgbClr val="E8E2B7"/>
-                </a:solidFill>
-                <a:latin typeface="Courier New" panose="02070309020205020404" pitchFamily="49" charset="0"/>
-              </a:rPr>
-              <a:t>.</a:t>
-            </a:r>
-            <a:r>
-              <a:rPr lang="en-US" i="1" dirty="0" err="1">
-                <a:solidFill>
-                  <a:srgbClr val="E0E2E4"/>
-                </a:solidFill>
-                <a:latin typeface="Courier New" panose="02070309020205020404" pitchFamily="49" charset="0"/>
-              </a:rPr>
-              <a:t>nextInt</a:t>
-            </a:r>
-            <a:r>
-              <a:rPr lang="en-US" i="1" dirty="0" smtClean="0">
-                <a:solidFill>
-                  <a:srgbClr val="E8E2B7"/>
-                </a:solidFill>
-                <a:latin typeface="Courier New" panose="02070309020205020404" pitchFamily="49" charset="0"/>
-              </a:rPr>
-              <a:t>();</a:t>
-            </a:r>
-          </a:p>
-          <a:p>
-            <a:pPr marL="0" indent="0">
-              <a:buNone/>
-            </a:pPr>
-            <a:r>
-              <a:rPr lang="en-US" i="1" dirty="0" smtClean="0">
-                <a:solidFill>
-                  <a:srgbClr val="E0E2E4"/>
-                </a:solidFill>
-                <a:latin typeface="Courier New" panose="02070309020205020404" pitchFamily="49" charset="0"/>
-              </a:rPr>
-              <a:t>	balance </a:t>
-            </a:r>
-            <a:r>
-              <a:rPr lang="en-US" i="1" dirty="0">
-                <a:solidFill>
-                  <a:srgbClr val="E8E2B7"/>
-                </a:solidFill>
-                <a:latin typeface="Courier New" panose="02070309020205020404" pitchFamily="49" charset="0"/>
-              </a:rPr>
-              <a:t>=</a:t>
-            </a:r>
-            <a:r>
-              <a:rPr lang="en-US" i="1" dirty="0">
-                <a:solidFill>
-                  <a:srgbClr val="E0E2E4"/>
-                </a:solidFill>
-                <a:latin typeface="Courier New" panose="02070309020205020404" pitchFamily="49" charset="0"/>
-              </a:rPr>
-              <a:t> </a:t>
-            </a:r>
-            <a:r>
-              <a:rPr lang="en-US" i="1" dirty="0" err="1">
-                <a:solidFill>
-                  <a:srgbClr val="E0E2E4"/>
-                </a:solidFill>
-                <a:latin typeface="Courier New" panose="02070309020205020404" pitchFamily="49" charset="0"/>
-              </a:rPr>
-              <a:t>inFile</a:t>
-            </a:r>
-            <a:r>
-              <a:rPr lang="en-US" i="1" dirty="0" err="1">
-                <a:solidFill>
-                  <a:srgbClr val="E8E2B7"/>
-                </a:solidFill>
-                <a:latin typeface="Courier New" panose="02070309020205020404" pitchFamily="49" charset="0"/>
-              </a:rPr>
-              <a:t>.</a:t>
-            </a:r>
-            <a:r>
-              <a:rPr lang="en-US" i="1" dirty="0" err="1">
-                <a:solidFill>
-                  <a:srgbClr val="E0E2E4"/>
-                </a:solidFill>
-                <a:latin typeface="Courier New" panose="02070309020205020404" pitchFamily="49" charset="0"/>
-              </a:rPr>
-              <a:t>nextFloat</a:t>
-            </a:r>
-            <a:r>
-              <a:rPr lang="en-US" i="1" dirty="0" smtClean="0">
-                <a:solidFill>
-                  <a:srgbClr val="E8E2B7"/>
-                </a:solidFill>
-                <a:latin typeface="Courier New" panose="02070309020205020404" pitchFamily="49" charset="0"/>
-              </a:rPr>
-              <a:t>();</a:t>
-            </a:r>
-          </a:p>
-          <a:p>
-            <a:pPr marL="0" indent="0">
-              <a:buNone/>
-            </a:pPr>
-            <a:r>
-              <a:rPr lang="en-US" i="1" dirty="0" smtClean="0">
-                <a:solidFill>
-                  <a:srgbClr val="E0E2E4"/>
-                </a:solidFill>
-                <a:latin typeface="Courier New" panose="02070309020205020404" pitchFamily="49" charset="0"/>
-              </a:rPr>
-              <a:t> 	</a:t>
-            </a:r>
-            <a:r>
-              <a:rPr lang="en-US" i="1" dirty="0" smtClean="0">
-                <a:solidFill>
-                  <a:srgbClr val="66747B"/>
-                </a:solidFill>
-                <a:latin typeface="Courier New" panose="02070309020205020404" pitchFamily="49" charset="0"/>
-              </a:rPr>
-              <a:t>// </a:t>
-            </a:r>
-            <a:r>
-              <a:rPr lang="en-US" i="1" dirty="0">
-                <a:solidFill>
-                  <a:srgbClr val="66747B"/>
-                </a:solidFill>
-                <a:latin typeface="Courier New" panose="02070309020205020404" pitchFamily="49" charset="0"/>
-              </a:rPr>
-              <a:t>… </a:t>
             </a:r>
             <a:endParaRPr lang="en-US" i="1" dirty="0" smtClean="0">
               <a:solidFill>
-                <a:srgbClr val="66747B"/>
+                <a:srgbClr val="E0E2E4"/>
               </a:solidFill>
               <a:latin typeface="Courier New" panose="02070309020205020404" pitchFamily="49" charset="0"/>
             </a:endParaRPr>
@@ -14870,107 +14604,30 @@
             <a:r>
               <a:rPr lang="en-US" i="1" dirty="0" smtClean="0">
                 <a:solidFill>
-                  <a:srgbClr val="93C763"/>
-                </a:solidFill>
-                <a:latin typeface="Courier New" panose="02070309020205020404" pitchFamily="49" charset="0"/>
-              </a:rPr>
-              <a:t>	new</a:t>
-            </a:r>
+                  <a:srgbClr val="66747B"/>
+                </a:solidFill>
+                <a:latin typeface="Courier New" panose="02070309020205020404" pitchFamily="49" charset="0"/>
+              </a:rPr>
+              <a:t>	// …</a:t>
+            </a:r>
+          </a:p>
+          <a:p>
+            <a:pPr marL="0" indent="0">
+              <a:buNone/>
+            </a:pPr>
             <a:r>
               <a:rPr lang="en-US" i="1" dirty="0" smtClean="0">
                 <a:solidFill>
-                  <a:srgbClr val="E0E2E4"/>
-                </a:solidFill>
-                <a:latin typeface="Courier New" panose="02070309020205020404" pitchFamily="49" charset="0"/>
-              </a:rPr>
-              <a:t> </a:t>
-            </a:r>
-            <a:r>
-              <a:rPr lang="en-US" i="1" dirty="0">
-                <a:solidFill>
-                  <a:srgbClr val="E0E2E4"/>
-                </a:solidFill>
-                <a:latin typeface="Courier New" panose="02070309020205020404" pitchFamily="49" charset="0"/>
-              </a:rPr>
-              <a:t>Account</a:t>
-            </a:r>
-            <a:r>
-              <a:rPr lang="en-US" i="1" dirty="0">
-                <a:solidFill>
                   <a:srgbClr val="E8E2B7"/>
                 </a:solidFill>
                 <a:latin typeface="Courier New" panose="02070309020205020404" pitchFamily="49" charset="0"/>
               </a:rPr>
-              <a:t>(</a:t>
-            </a:r>
-            <a:r>
-              <a:rPr lang="en-US" i="1" dirty="0">
-                <a:solidFill>
-                  <a:srgbClr val="E0E2E4"/>
-                </a:solidFill>
-                <a:latin typeface="Courier New" panose="02070309020205020404" pitchFamily="49" charset="0"/>
-              </a:rPr>
-              <a:t>name</a:t>
-            </a:r>
-            <a:r>
-              <a:rPr lang="en-US" i="1" dirty="0">
-                <a:solidFill>
-                  <a:srgbClr val="E8E2B7"/>
-                </a:solidFill>
-                <a:latin typeface="Courier New" panose="02070309020205020404" pitchFamily="49" charset="0"/>
-              </a:rPr>
-              <a:t>,</a:t>
-            </a:r>
-            <a:r>
-              <a:rPr lang="en-US" i="1" dirty="0">
-                <a:solidFill>
-                  <a:srgbClr val="E0E2E4"/>
-                </a:solidFill>
-                <a:latin typeface="Courier New" panose="02070309020205020404" pitchFamily="49" charset="0"/>
-              </a:rPr>
-              <a:t> id</a:t>
-            </a:r>
-            <a:r>
-              <a:rPr lang="en-US" i="1" dirty="0">
-                <a:solidFill>
-                  <a:srgbClr val="E8E2B7"/>
-                </a:solidFill>
-                <a:latin typeface="Courier New" panose="02070309020205020404" pitchFamily="49" charset="0"/>
-              </a:rPr>
-              <a:t>,</a:t>
-            </a:r>
-            <a:r>
-              <a:rPr lang="en-US" i="1" dirty="0">
-                <a:solidFill>
-                  <a:srgbClr val="E0E2E4"/>
-                </a:solidFill>
-                <a:latin typeface="Courier New" panose="02070309020205020404" pitchFamily="49" charset="0"/>
-              </a:rPr>
-              <a:t> balance</a:t>
-            </a:r>
-            <a:r>
-              <a:rPr lang="en-US" i="1" dirty="0" smtClean="0">
-                <a:solidFill>
-                  <a:srgbClr val="E8E2B7"/>
-                </a:solidFill>
-                <a:latin typeface="Courier New" panose="02070309020205020404" pitchFamily="49" charset="0"/>
-              </a:rPr>
-              <a:t>);</a:t>
-            </a:r>
-          </a:p>
-          <a:p>
-            <a:pPr marL="0" indent="0">
-              <a:buNone/>
-            </a:pPr>
-            <a:r>
-              <a:rPr lang="en-US" i="1" dirty="0" smtClean="0">
-                <a:solidFill>
-                  <a:srgbClr val="E8E2B7"/>
-                </a:solidFill>
-                <a:latin typeface="Courier New" panose="02070309020205020404" pitchFamily="49" charset="0"/>
-              </a:rPr>
               <a:t>}</a:t>
             </a:r>
+            <a:endParaRPr lang="en-US" dirty="0"/>
+          </a:p>
+          <a:p>
+            <a:endParaRPr lang="en-US" dirty="0"/>
           </a:p>
         </p:txBody>
       </p:sp>
@@ -15000,7 +14657,7 @@
     </p:spTree>
     <p:extLst>
       <p:ext uri="{BB962C8B-B14F-4D97-AF65-F5344CB8AC3E}">
-        <p14:creationId xmlns:p14="http://schemas.microsoft.com/office/powerpoint/2010/main" val="3811446849"/>
+        <p14:creationId xmlns:p14="http://schemas.microsoft.com/office/powerpoint/2010/main" val="2079043483"/>
       </p:ext>
     </p:extLst>
   </p:cSld>
@@ -15131,28 +14788,46 @@
           <a:p>
             <a:pPr lvl="1"/>
             <a:r>
+              <a:rPr lang="en-US" altLang="en-US" sz="2400" dirty="0" smtClean="0">
+                <a:latin typeface="Arial" panose="020B0604020202020204" pitchFamily="34" charset="0"/>
+              </a:rPr>
+              <a:t>Permanent </a:t>
+            </a:r>
+            <a:r>
               <a:rPr lang="en-US" altLang="en-US" sz="2400" dirty="0">
                 <a:latin typeface="Arial" panose="020B0604020202020204" pitchFamily="34" charset="0"/>
               </a:rPr>
-              <a:t>permanent copy</a:t>
+              <a:t>copy</a:t>
             </a:r>
           </a:p>
           <a:p>
             <a:pPr lvl="1"/>
+            <a:r>
+              <a:rPr lang="en-US" altLang="en-US" sz="2400" dirty="0" smtClean="0">
+                <a:latin typeface="Arial" panose="020B0604020202020204" pitchFamily="34" charset="0"/>
+              </a:rPr>
+              <a:t>Output </a:t>
+            </a:r>
             <a:r>
               <a:rPr lang="en-US" altLang="en-US" sz="2400" dirty="0">
                 <a:latin typeface="Arial" panose="020B0604020202020204" pitchFamily="34" charset="0"/>
               </a:rPr>
-              <a:t>output from one program can be input to another</a:t>
+              <a:t>from one program can be input to another</a:t>
             </a:r>
           </a:p>
           <a:p>
             <a:pPr lvl="1"/>
+            <a:r>
+              <a:rPr lang="en-US" altLang="en-US" sz="2400" dirty="0" smtClean="0">
+                <a:latin typeface="Arial" panose="020B0604020202020204" pitchFamily="34" charset="0"/>
+              </a:rPr>
+              <a:t>Input </a:t>
+            </a:r>
             <a:r>
               <a:rPr lang="en-US" altLang="en-US" sz="2400" dirty="0">
                 <a:latin typeface="Arial" panose="020B0604020202020204" pitchFamily="34" charset="0"/>
               </a:rPr>
-              <a:t>input can be automated (rather than entered </a:t>
+              <a:t>can be automated (rather than entered </a:t>
             </a:r>
             <a:r>
               <a:rPr lang="en-US" altLang="en-US" sz="2400" dirty="0" smtClean="0">
@@ -15248,20 +14923,8 @@
           <a:lstStyle/>
           <a:p>
             <a:r>
-              <a:rPr lang="en-US" altLang="en-US" dirty="0">
-                <a:solidFill>
-                  <a:srgbClr val="EBEBEB"/>
-                </a:solidFill>
-              </a:rPr>
-              <a:t>Multiple types on one </a:t>
-            </a:r>
-            <a:r>
-              <a:rPr lang="en-US" altLang="en-US" dirty="0" smtClean="0">
-                <a:solidFill>
-                  <a:srgbClr val="EBEBEB"/>
-                </a:solidFill>
-              </a:rPr>
-              <a:t>line (Cont.)</a:t>
+              <a:rPr lang="en-US" altLang="en-US" dirty="0"/>
+              <a:t>Multiple types on one line</a:t>
             </a:r>
             <a:endParaRPr lang="en-US" dirty="0"/>
           </a:p>
@@ -15279,23 +14942,17 @@
         </p:nvSpPr>
         <p:spPr>
           <a:xfrm>
-            <a:off x="1103312" y="1579418"/>
-            <a:ext cx="8946541" cy="4668981"/>
+            <a:off x="536448" y="1475232"/>
+            <a:ext cx="9513405" cy="5382768"/>
           </a:xfrm>
         </p:spPr>
         <p:txBody>
           <a:bodyPr>
-            <a:normAutofit fontScale="92500" lnSpcReduction="20000"/>
+            <a:normAutofit/>
           </a:bodyPr>
           <a:lstStyle/>
           <a:p>
-            <a:pPr marL="0" lvl="0" indent="0">
-              <a:buClr>
-                <a:srgbClr val="1E5155">
-                  <a:lumMod val="40000"/>
-                  <a:lumOff val="60000"/>
-                </a:srgbClr>
-              </a:buClr>
+            <a:pPr marL="0" indent="0">
               <a:buNone/>
             </a:pPr>
             <a:r>
@@ -15305,21 +14962,24 @@
                 </a:solidFill>
                 <a:latin typeface="Courier New" panose="02070309020205020404" pitchFamily="49" charset="0"/>
               </a:rPr>
-              <a:t>// Name, id, balance</a:t>
-            </a:r>
-          </a:p>
-          <a:p>
-            <a:pPr marL="0" lvl="0" indent="0">
-              <a:buClr>
-                <a:srgbClr val="1E5155">
-                  <a:lumMod val="40000"/>
-                  <a:lumOff val="60000"/>
-                </a:srgbClr>
-              </a:buClr>
+              <a:t>// Name, id, </a:t>
+            </a:r>
+            <a:r>
+              <a:rPr lang="en-US" i="1" dirty="0" smtClean="0">
+                <a:solidFill>
+                  <a:srgbClr val="66747B"/>
+                </a:solidFill>
+                <a:latin typeface="Courier New" panose="02070309020205020404" pitchFamily="49" charset="0"/>
+              </a:rPr>
+              <a:t>balance</a:t>
+            </a:r>
+          </a:p>
+          <a:p>
+            <a:pPr marL="0" indent="0">
               <a:buNone/>
             </a:pPr>
             <a:r>
-              <a:rPr lang="en-US" i="1" dirty="0">
+              <a:rPr lang="en-US" i="1" dirty="0" smtClean="0">
                 <a:solidFill>
                   <a:srgbClr val="E0E2E4"/>
                 </a:solidFill>
@@ -15461,24 +15121,323 @@
             <a:r>
               <a:rPr lang="en-US" i="1" dirty="0" smtClean="0">
                 <a:solidFill>
-                  <a:srgbClr val="E0E2E4"/>
-                </a:solidFill>
-                <a:latin typeface="Courier New" panose="02070309020205020404" pitchFamily="49" charset="0"/>
-              </a:rPr>
-              <a:t>String line</a:t>
+                  <a:srgbClr val="93C763"/>
+                </a:solidFill>
+                <a:latin typeface="Courier New" panose="02070309020205020404" pitchFamily="49" charset="0"/>
+              </a:rPr>
+              <a:t>while</a:t>
             </a:r>
             <a:r>
               <a:rPr lang="en-US" i="1" dirty="0" smtClean="0">
                 <a:solidFill>
+                  <a:srgbClr val="E0E2E4"/>
+                </a:solidFill>
+                <a:latin typeface="Courier New" panose="02070309020205020404" pitchFamily="49" charset="0"/>
+              </a:rPr>
+              <a:t> </a:t>
+            </a:r>
+            <a:r>
+              <a:rPr lang="en-US" i="1" dirty="0">
+                <a:solidFill>
                   <a:srgbClr val="E8E2B7"/>
                 </a:solidFill>
                 <a:latin typeface="Courier New" panose="02070309020205020404" pitchFamily="49" charset="0"/>
               </a:rPr>
-              <a:t>;</a:t>
+              <a:t>(</a:t>
+            </a:r>
+            <a:r>
+              <a:rPr lang="en-US" i="1" dirty="0" err="1">
+                <a:solidFill>
+                  <a:srgbClr val="E0E2E4"/>
+                </a:solidFill>
+                <a:latin typeface="Courier New" panose="02070309020205020404" pitchFamily="49" charset="0"/>
+              </a:rPr>
+              <a:t>inFile</a:t>
+            </a:r>
+            <a:r>
+              <a:rPr lang="en-US" i="1" dirty="0" err="1">
+                <a:solidFill>
+                  <a:srgbClr val="E8E2B7"/>
+                </a:solidFill>
+                <a:latin typeface="Courier New" panose="02070309020205020404" pitchFamily="49" charset="0"/>
+              </a:rPr>
+              <a:t>.</a:t>
+            </a:r>
+            <a:r>
+              <a:rPr lang="en-US" i="1" dirty="0" err="1">
+                <a:solidFill>
+                  <a:srgbClr val="E0E2E4"/>
+                </a:solidFill>
+                <a:latin typeface="Courier New" panose="02070309020205020404" pitchFamily="49" charset="0"/>
+              </a:rPr>
+              <a:t>hasNext</a:t>
+            </a:r>
+            <a:r>
+              <a:rPr lang="en-US" i="1" dirty="0" smtClean="0">
+                <a:solidFill>
+                  <a:srgbClr val="E8E2B7"/>
+                </a:solidFill>
+                <a:latin typeface="Courier New" panose="02070309020205020404" pitchFamily="49" charset="0"/>
+              </a:rPr>
+              <a:t>()){</a:t>
+            </a:r>
+          </a:p>
+          <a:p>
+            <a:pPr marL="0" indent="0">
+              <a:buNone/>
+            </a:pPr>
+            <a:r>
+              <a:rPr lang="en-US" i="1" dirty="0">
+                <a:solidFill>
+                  <a:srgbClr val="E0E2E4"/>
+                </a:solidFill>
+                <a:latin typeface="Courier New" panose="02070309020205020404" pitchFamily="49" charset="0"/>
+              </a:rPr>
+              <a:t>	</a:t>
+            </a:r>
+            <a:r>
+              <a:rPr lang="en-US" i="1" dirty="0" smtClean="0">
+                <a:solidFill>
+                  <a:srgbClr val="E0E2E4"/>
+                </a:solidFill>
+                <a:latin typeface="Courier New" panose="02070309020205020404" pitchFamily="49" charset="0"/>
+              </a:rPr>
+              <a:t>name </a:t>
+            </a:r>
+            <a:r>
+              <a:rPr lang="en-US" i="1" dirty="0">
+                <a:solidFill>
+                  <a:srgbClr val="E8E2B7"/>
+                </a:solidFill>
+                <a:latin typeface="Courier New" panose="02070309020205020404" pitchFamily="49" charset="0"/>
+              </a:rPr>
+              <a:t>=</a:t>
+            </a:r>
+            <a:r>
+              <a:rPr lang="en-US" i="1" dirty="0">
+                <a:solidFill>
+                  <a:srgbClr val="E0E2E4"/>
+                </a:solidFill>
+                <a:latin typeface="Courier New" panose="02070309020205020404" pitchFamily="49" charset="0"/>
+              </a:rPr>
+              <a:t> </a:t>
+            </a:r>
+            <a:r>
+              <a:rPr lang="en-US" i="1" dirty="0" err="1">
+                <a:solidFill>
+                  <a:srgbClr val="E0E2E4"/>
+                </a:solidFill>
+                <a:latin typeface="Courier New" panose="02070309020205020404" pitchFamily="49" charset="0"/>
+              </a:rPr>
+              <a:t>inFile</a:t>
+            </a:r>
+            <a:r>
+              <a:rPr lang="en-US" i="1" dirty="0" err="1">
+                <a:solidFill>
+                  <a:srgbClr val="E8E2B7"/>
+                </a:solidFill>
+                <a:latin typeface="Courier New" panose="02070309020205020404" pitchFamily="49" charset="0"/>
+              </a:rPr>
+              <a:t>.</a:t>
+            </a:r>
+            <a:r>
+              <a:rPr lang="en-US" i="1" dirty="0" err="1">
+                <a:solidFill>
+                  <a:srgbClr val="E0E2E4"/>
+                </a:solidFill>
+                <a:latin typeface="Courier New" panose="02070309020205020404" pitchFamily="49" charset="0"/>
+              </a:rPr>
+              <a:t>next</a:t>
+            </a:r>
+            <a:r>
+              <a:rPr lang="en-US" i="1" dirty="0" smtClean="0">
+                <a:solidFill>
+                  <a:srgbClr val="E8E2B7"/>
+                </a:solidFill>
+                <a:latin typeface="Courier New" panose="02070309020205020404" pitchFamily="49" charset="0"/>
+              </a:rPr>
+              <a:t>();</a:t>
+            </a:r>
+          </a:p>
+          <a:p>
+            <a:pPr marL="0" indent="0">
+              <a:buNone/>
+            </a:pPr>
+            <a:r>
+              <a:rPr lang="en-US" i="1" dirty="0">
+                <a:solidFill>
+                  <a:srgbClr val="E0E2E4"/>
+                </a:solidFill>
+                <a:latin typeface="Courier New" panose="02070309020205020404" pitchFamily="49" charset="0"/>
+              </a:rPr>
+              <a:t>	</a:t>
+            </a:r>
+            <a:r>
+              <a:rPr lang="en-US" i="1" dirty="0" smtClean="0">
+                <a:solidFill>
+                  <a:srgbClr val="E0E2E4"/>
+                </a:solidFill>
+                <a:latin typeface="Courier New" panose="02070309020205020404" pitchFamily="49" charset="0"/>
+              </a:rPr>
+              <a:t>id </a:t>
+            </a:r>
+            <a:r>
+              <a:rPr lang="en-US" i="1" dirty="0">
+                <a:solidFill>
+                  <a:srgbClr val="E8E2B7"/>
+                </a:solidFill>
+                <a:latin typeface="Courier New" panose="02070309020205020404" pitchFamily="49" charset="0"/>
+              </a:rPr>
+              <a:t>=</a:t>
+            </a:r>
+            <a:r>
+              <a:rPr lang="en-US" i="1" dirty="0">
+                <a:solidFill>
+                  <a:srgbClr val="E0E2E4"/>
+                </a:solidFill>
+                <a:latin typeface="Courier New" panose="02070309020205020404" pitchFamily="49" charset="0"/>
+              </a:rPr>
+              <a:t> </a:t>
+            </a:r>
+            <a:r>
+              <a:rPr lang="en-US" i="1" dirty="0" err="1">
+                <a:solidFill>
+                  <a:srgbClr val="E0E2E4"/>
+                </a:solidFill>
+                <a:latin typeface="Courier New" panose="02070309020205020404" pitchFamily="49" charset="0"/>
+              </a:rPr>
+              <a:t>inFile</a:t>
+            </a:r>
+            <a:r>
+              <a:rPr lang="en-US" i="1" dirty="0" err="1">
+                <a:solidFill>
+                  <a:srgbClr val="E8E2B7"/>
+                </a:solidFill>
+                <a:latin typeface="Courier New" panose="02070309020205020404" pitchFamily="49" charset="0"/>
+              </a:rPr>
+              <a:t>.</a:t>
+            </a:r>
+            <a:r>
+              <a:rPr lang="en-US" i="1" dirty="0" err="1">
+                <a:solidFill>
+                  <a:srgbClr val="E0E2E4"/>
+                </a:solidFill>
+                <a:latin typeface="Courier New" panose="02070309020205020404" pitchFamily="49" charset="0"/>
+              </a:rPr>
+              <a:t>nextInt</a:t>
+            </a:r>
+            <a:r>
+              <a:rPr lang="en-US" i="1" dirty="0" smtClean="0">
+                <a:solidFill>
+                  <a:srgbClr val="E8E2B7"/>
+                </a:solidFill>
+                <a:latin typeface="Courier New" panose="02070309020205020404" pitchFamily="49" charset="0"/>
+              </a:rPr>
+              <a:t>();</a:t>
+            </a:r>
+          </a:p>
+          <a:p>
+            <a:pPr marL="0" indent="0">
+              <a:buNone/>
+            </a:pPr>
+            <a:r>
+              <a:rPr lang="en-US" i="1" dirty="0" smtClean="0">
+                <a:solidFill>
+                  <a:srgbClr val="E0E2E4"/>
+                </a:solidFill>
+                <a:latin typeface="Courier New" panose="02070309020205020404" pitchFamily="49" charset="0"/>
+              </a:rPr>
+              <a:t>	balance </a:t>
+            </a:r>
+            <a:r>
+              <a:rPr lang="en-US" i="1" dirty="0">
+                <a:solidFill>
+                  <a:srgbClr val="E8E2B7"/>
+                </a:solidFill>
+                <a:latin typeface="Courier New" panose="02070309020205020404" pitchFamily="49" charset="0"/>
+              </a:rPr>
+              <a:t>=</a:t>
+            </a:r>
+            <a:r>
+              <a:rPr lang="en-US" i="1" dirty="0">
+                <a:solidFill>
+                  <a:srgbClr val="E0E2E4"/>
+                </a:solidFill>
+                <a:latin typeface="Courier New" panose="02070309020205020404" pitchFamily="49" charset="0"/>
+              </a:rPr>
+              <a:t> </a:t>
+            </a:r>
+            <a:r>
+              <a:rPr lang="en-US" i="1" dirty="0" err="1">
+                <a:solidFill>
+                  <a:srgbClr val="E0E2E4"/>
+                </a:solidFill>
+                <a:latin typeface="Courier New" panose="02070309020205020404" pitchFamily="49" charset="0"/>
+              </a:rPr>
+              <a:t>inFile</a:t>
+            </a:r>
+            <a:r>
+              <a:rPr lang="en-US" i="1" dirty="0" err="1">
+                <a:solidFill>
+                  <a:srgbClr val="E8E2B7"/>
+                </a:solidFill>
+                <a:latin typeface="Courier New" panose="02070309020205020404" pitchFamily="49" charset="0"/>
+              </a:rPr>
+              <a:t>.</a:t>
+            </a:r>
+            <a:r>
+              <a:rPr lang="en-US" i="1" dirty="0" err="1">
+                <a:solidFill>
+                  <a:srgbClr val="E0E2E4"/>
+                </a:solidFill>
+                <a:latin typeface="Courier New" panose="02070309020205020404" pitchFamily="49" charset="0"/>
+              </a:rPr>
+              <a:t>nextFloat</a:t>
+            </a:r>
+            <a:r>
+              <a:rPr lang="en-US" i="1" dirty="0" smtClean="0">
+                <a:solidFill>
+                  <a:srgbClr val="E8E2B7"/>
+                </a:solidFill>
+                <a:latin typeface="Courier New" panose="02070309020205020404" pitchFamily="49" charset="0"/>
+              </a:rPr>
+              <a:t>();</a:t>
+            </a:r>
+          </a:p>
+          <a:p>
+            <a:pPr marL="0" indent="0">
+              <a:buNone/>
+            </a:pPr>
+            <a:r>
+              <a:rPr lang="en-US" i="1" dirty="0" smtClean="0">
+                <a:solidFill>
+                  <a:srgbClr val="E0E2E4"/>
+                </a:solidFill>
+                <a:latin typeface="Courier New" panose="02070309020205020404" pitchFamily="49" charset="0"/>
+              </a:rPr>
+              <a:t> 	</a:t>
+            </a:r>
+            <a:r>
+              <a:rPr lang="en-US" i="1" dirty="0" smtClean="0">
+                <a:solidFill>
+                  <a:srgbClr val="66747B"/>
+                </a:solidFill>
+                <a:latin typeface="Courier New" panose="02070309020205020404" pitchFamily="49" charset="0"/>
+              </a:rPr>
+              <a:t>// </a:t>
+            </a:r>
+            <a:r>
+              <a:rPr lang="en-US" i="1" dirty="0">
+                <a:solidFill>
+                  <a:srgbClr val="66747B"/>
+                </a:solidFill>
+                <a:latin typeface="Courier New" panose="02070309020205020404" pitchFamily="49" charset="0"/>
+              </a:rPr>
+              <a:t>… </a:t>
             </a:r>
             <a:endParaRPr lang="en-US" i="1" dirty="0" smtClean="0">
               <a:solidFill>
-                <a:srgbClr val="E0E2E4"/>
+                <a:srgbClr val="66747B"/>
               </a:solidFill>
               <a:latin typeface="Courier New" panose="02070309020205020404" pitchFamily="49" charset="0"/>
             </a:endParaRPr>
@@ -15494,7 +15453,7 @@
                 </a:solidFill>
                 <a:latin typeface="Courier New" panose="02070309020205020404" pitchFamily="49" charset="0"/>
               </a:rPr>
-              <a:t>while</a:t>
+              <a:t>	new</a:t>
             </a:r>
             <a:r>
               <a:rPr lang="en-US" i="1" dirty="0" smtClean="0">
@@ -15508,6 +15467,15 @@
             <a:r>
               <a:rPr lang="en-US" i="1" dirty="0">
                 <a:solidFill>
+                  <a:srgbClr val="E0E2E4"/>
+                </a:solidFill>
+                <a:latin typeface="Courier New" panose="02070309020205020404" pitchFamily="49" charset="0"/>
+              </a:rPr>
+              <a:t>Account</a:t>
+            </a:r>
+            <a:r>
+              <a:rPr lang="en-US" i="1" dirty="0">
+                <a:solidFill>
                   <a:srgbClr val="E8E2B7"/>
                 </a:solidFill>
                 <a:latin typeface="Courier New" panose="02070309020205020404" pitchFamily="49" charset="0"/>
@@ -15515,31 +15483,49 @@
               <a:t>(</a:t>
             </a:r>
             <a:r>
-              <a:rPr lang="en-US" i="1" dirty="0" err="1">
-                <a:solidFill>
-                  <a:srgbClr val="E0E2E4"/>
-                </a:solidFill>
-                <a:latin typeface="Courier New" panose="02070309020205020404" pitchFamily="49" charset="0"/>
-              </a:rPr>
-              <a:t>inFile</a:t>
-            </a:r>
-            <a:r>
-              <a:rPr lang="en-US" i="1" dirty="0" err="1">
+              <a:rPr lang="en-US" i="1" dirty="0">
+                <a:solidFill>
+                  <a:srgbClr val="E0E2E4"/>
+                </a:solidFill>
+                <a:latin typeface="Courier New" panose="02070309020205020404" pitchFamily="49" charset="0"/>
+              </a:rPr>
+              <a:t>name</a:t>
+            </a:r>
+            <a:r>
+              <a:rPr lang="en-US" i="1" dirty="0">
                 <a:solidFill>
                   <a:srgbClr val="E8E2B7"/>
                 </a:solidFill>
                 <a:latin typeface="Courier New" panose="02070309020205020404" pitchFamily="49" charset="0"/>
               </a:rPr>
-              <a:t>.</a:t>
-            </a:r>
-            <a:r>
-              <a:rPr lang="en-US" i="1" dirty="0" err="1">
-                <a:solidFill>
-                  <a:srgbClr val="E0E2E4"/>
-                </a:solidFill>
-                <a:latin typeface="Courier New" panose="02070309020205020404" pitchFamily="49" charset="0"/>
-              </a:rPr>
-              <a:t>hasNextLine</a:t>
+              <a:t>,</a:t>
+            </a:r>
+            <a:r>
+              <a:rPr lang="en-US" i="1" dirty="0">
+                <a:solidFill>
+                  <a:srgbClr val="E0E2E4"/>
+                </a:solidFill>
+                <a:latin typeface="Courier New" panose="02070309020205020404" pitchFamily="49" charset="0"/>
+              </a:rPr>
+              <a:t> id</a:t>
+            </a:r>
+            <a:r>
+              <a:rPr lang="en-US" i="1" dirty="0">
+                <a:solidFill>
+                  <a:srgbClr val="E8E2B7"/>
+                </a:solidFill>
+                <a:latin typeface="Courier New" panose="02070309020205020404" pitchFamily="49" charset="0"/>
+              </a:rPr>
+              <a:t>,</a:t>
+            </a:r>
+            <a:r>
+              <a:rPr lang="en-US" i="1" dirty="0">
+                <a:solidFill>
+                  <a:srgbClr val="E0E2E4"/>
+                </a:solidFill>
+                <a:latin typeface="Courier New" panose="02070309020205020404" pitchFamily="49" charset="0"/>
+              </a:rPr>
+              <a:t> balance</a:t>
             </a:r>
             <a:r>
               <a:rPr lang="en-US" i="1" dirty="0" smtClean="0">
@@ -15548,14 +15534,8 @@
                 </a:solidFill>
                 <a:latin typeface="Courier New" panose="02070309020205020404" pitchFamily="49" charset="0"/>
               </a:rPr>
-              <a:t>()){</a:t>
-            </a:r>
-            <a:endParaRPr lang="en-US" i="1" dirty="0" smtClean="0">
-              <a:solidFill>
-                <a:srgbClr val="E0E2E4"/>
-              </a:solidFill>
-              <a:latin typeface="Courier New" panose="02070309020205020404" pitchFamily="49" charset="0"/>
-            </a:endParaRPr>
+              <a:t>);</a:t>
+            </a:r>
           </a:p>
           <a:p>
             <a:pPr marL="0" indent="0">
@@ -15564,605 +15544,12 @@
             <a:r>
               <a:rPr lang="en-US" i="1" dirty="0" smtClean="0">
                 <a:solidFill>
-                  <a:srgbClr val="E0E2E4"/>
-                </a:solidFill>
-                <a:latin typeface="Courier New" panose="02070309020205020404" pitchFamily="49" charset="0"/>
-              </a:rPr>
-              <a:t>	line </a:t>
-            </a:r>
-            <a:r>
-              <a:rPr lang="en-US" i="1" dirty="0">
-                <a:solidFill>
                   <a:srgbClr val="E8E2B7"/>
                 </a:solidFill>
                 <a:latin typeface="Courier New" panose="02070309020205020404" pitchFamily="49" charset="0"/>
               </a:rPr>
-              <a:t>=</a:t>
-            </a:r>
-            <a:r>
-              <a:rPr lang="en-US" i="1" dirty="0">
-                <a:solidFill>
-                  <a:srgbClr val="E0E2E4"/>
-                </a:solidFill>
-                <a:latin typeface="Courier New" panose="02070309020205020404" pitchFamily="49" charset="0"/>
-              </a:rPr>
-              <a:t> </a:t>
-            </a:r>
-            <a:r>
-              <a:rPr lang="en-US" i="1" dirty="0" err="1">
-                <a:solidFill>
-                  <a:srgbClr val="E0E2E4"/>
-                </a:solidFill>
-                <a:latin typeface="Courier New" panose="02070309020205020404" pitchFamily="49" charset="0"/>
-              </a:rPr>
-              <a:t>inFile</a:t>
-            </a:r>
-            <a:r>
-              <a:rPr lang="en-US" i="1" dirty="0" err="1">
-                <a:solidFill>
-                  <a:srgbClr val="E8E2B7"/>
-                </a:solidFill>
-                <a:latin typeface="Courier New" panose="02070309020205020404" pitchFamily="49" charset="0"/>
-              </a:rPr>
-              <a:t>.</a:t>
-            </a:r>
-            <a:r>
-              <a:rPr lang="en-US" i="1" dirty="0" err="1">
-                <a:solidFill>
-                  <a:srgbClr val="E0E2E4"/>
-                </a:solidFill>
-                <a:latin typeface="Courier New" panose="02070309020205020404" pitchFamily="49" charset="0"/>
-              </a:rPr>
-              <a:t>nextLine</a:t>
-            </a:r>
-            <a:r>
-              <a:rPr lang="en-US" i="1" dirty="0" smtClean="0">
-                <a:solidFill>
-                  <a:srgbClr val="E8E2B7"/>
-                </a:solidFill>
-                <a:latin typeface="Courier New" panose="02070309020205020404" pitchFamily="49" charset="0"/>
-              </a:rPr>
-              <a:t>();</a:t>
-            </a:r>
-            <a:endParaRPr lang="en-US" i="1" dirty="0" smtClean="0">
-              <a:solidFill>
-                <a:srgbClr val="E0E2E4"/>
-              </a:solidFill>
-              <a:latin typeface="Courier New" panose="02070309020205020404" pitchFamily="49" charset="0"/>
-            </a:endParaRPr>
-          </a:p>
-          <a:p>
-            <a:pPr marL="0" indent="0">
-              <a:buNone/>
-            </a:pPr>
-            <a:r>
-              <a:rPr lang="en-US" i="1" dirty="0" smtClean="0">
-                <a:solidFill>
-                  <a:srgbClr val="66747B"/>
-                </a:solidFill>
-                <a:latin typeface="Courier New" panose="02070309020205020404" pitchFamily="49" charset="0"/>
-              </a:rPr>
-              <a:t>	// </a:t>
-            </a:r>
-            <a:r>
-              <a:rPr lang="en-US" i="1" dirty="0">
-                <a:solidFill>
-                  <a:srgbClr val="66747B"/>
-                </a:solidFill>
-                <a:latin typeface="Courier New" panose="02070309020205020404" pitchFamily="49" charset="0"/>
-              </a:rPr>
-              <a:t>Scanner again</a:t>
-            </a:r>
-            <a:r>
-              <a:rPr lang="en-US" i="1" dirty="0" smtClean="0">
-                <a:solidFill>
-                  <a:srgbClr val="66747B"/>
-                </a:solidFill>
-                <a:latin typeface="Courier New" panose="02070309020205020404" pitchFamily="49" charset="0"/>
-              </a:rPr>
-              <a:t>!</a:t>
-            </a:r>
-            <a:r>
-              <a:rPr lang="en-US" i="1" dirty="0">
-                <a:solidFill>
-                  <a:srgbClr val="66747B"/>
-                </a:solidFill>
-                <a:latin typeface="Courier New" panose="02070309020205020404" pitchFamily="49" charset="0"/>
-              </a:rPr>
-              <a:t>	</a:t>
-            </a:r>
-            <a:r>
-              <a:rPr lang="en-US" i="1" dirty="0">
-                <a:solidFill>
-                  <a:srgbClr val="E0E2E4"/>
-                </a:solidFill>
-                <a:latin typeface="Courier New" panose="02070309020205020404" pitchFamily="49" charset="0"/>
-              </a:rPr>
-              <a:t>	</a:t>
-            </a:r>
-            <a:endParaRPr lang="en-US" i="1" dirty="0" smtClean="0">
-              <a:solidFill>
-                <a:srgbClr val="E0E2E4"/>
-              </a:solidFill>
-              <a:latin typeface="Courier New" panose="02070309020205020404" pitchFamily="49" charset="0"/>
-            </a:endParaRPr>
-          </a:p>
-          <a:p>
-            <a:pPr marL="0" indent="0">
-              <a:buNone/>
-            </a:pPr>
-            <a:r>
-              <a:rPr lang="en-US" i="1" dirty="0" smtClean="0">
-                <a:solidFill>
-                  <a:srgbClr val="E0E2E4"/>
-                </a:solidFill>
-                <a:latin typeface="Courier New" panose="02070309020205020404" pitchFamily="49" charset="0"/>
-              </a:rPr>
-              <a:t>	Scanner </a:t>
-            </a:r>
-            <a:r>
-              <a:rPr lang="en-US" i="1" dirty="0" err="1">
-                <a:solidFill>
-                  <a:srgbClr val="E0E2E4"/>
-                </a:solidFill>
-                <a:latin typeface="Courier New" panose="02070309020205020404" pitchFamily="49" charset="0"/>
-              </a:rPr>
-              <a:t>parseLine</a:t>
-            </a:r>
-            <a:r>
-              <a:rPr lang="en-US" i="1" dirty="0">
-                <a:solidFill>
-                  <a:srgbClr val="E0E2E4"/>
-                </a:solidFill>
-                <a:latin typeface="Courier New" panose="02070309020205020404" pitchFamily="49" charset="0"/>
-              </a:rPr>
-              <a:t> </a:t>
-            </a:r>
-            <a:r>
-              <a:rPr lang="en-US" i="1" dirty="0">
-                <a:solidFill>
-                  <a:srgbClr val="E8E2B7"/>
-                </a:solidFill>
-                <a:latin typeface="Courier New" panose="02070309020205020404" pitchFamily="49" charset="0"/>
-              </a:rPr>
-              <a:t>=</a:t>
-            </a:r>
-            <a:r>
-              <a:rPr lang="en-US" i="1" dirty="0">
-                <a:solidFill>
-                  <a:srgbClr val="E0E2E4"/>
-                </a:solidFill>
-                <a:latin typeface="Courier New" panose="02070309020205020404" pitchFamily="49" charset="0"/>
-              </a:rPr>
-              <a:t> </a:t>
-            </a:r>
-            <a:r>
-              <a:rPr lang="en-US" i="1" dirty="0">
-                <a:solidFill>
-                  <a:srgbClr val="93C763"/>
-                </a:solidFill>
-                <a:latin typeface="Courier New" panose="02070309020205020404" pitchFamily="49" charset="0"/>
-              </a:rPr>
-              <a:t>new</a:t>
-            </a:r>
-            <a:r>
-              <a:rPr lang="en-US" i="1" dirty="0">
-                <a:solidFill>
-                  <a:srgbClr val="E0E2E4"/>
-                </a:solidFill>
-                <a:latin typeface="Courier New" panose="02070309020205020404" pitchFamily="49" charset="0"/>
-              </a:rPr>
-              <a:t> Scanner</a:t>
-            </a:r>
-            <a:r>
-              <a:rPr lang="en-US" i="1" dirty="0">
-                <a:solidFill>
-                  <a:srgbClr val="E8E2B7"/>
-                </a:solidFill>
-                <a:latin typeface="Courier New" panose="02070309020205020404" pitchFamily="49" charset="0"/>
-              </a:rPr>
-              <a:t>(</a:t>
-            </a:r>
-            <a:r>
-              <a:rPr lang="en-US" i="1" dirty="0">
-                <a:solidFill>
-                  <a:srgbClr val="E0E2E4"/>
-                </a:solidFill>
-                <a:latin typeface="Courier New" panose="02070309020205020404" pitchFamily="49" charset="0"/>
-              </a:rPr>
-              <a:t>line</a:t>
-            </a:r>
-            <a:r>
-              <a:rPr lang="en-US" i="1" dirty="0" smtClean="0">
-                <a:solidFill>
-                  <a:srgbClr val="E8E2B7"/>
-                </a:solidFill>
-                <a:latin typeface="Courier New" panose="02070309020205020404" pitchFamily="49" charset="0"/>
-              </a:rPr>
-              <a:t>)</a:t>
-            </a:r>
-          </a:p>
-          <a:p>
-            <a:pPr marL="0" indent="0">
-              <a:buNone/>
-            </a:pPr>
-            <a:r>
-              <a:rPr lang="en-US" i="1" dirty="0" smtClean="0">
-                <a:solidFill>
-                  <a:srgbClr val="E0E2E4"/>
-                </a:solidFill>
-                <a:latin typeface="Courier New" panose="02070309020205020404" pitchFamily="49" charset="0"/>
-              </a:rPr>
-              <a:t> 	name </a:t>
-            </a:r>
-            <a:r>
-              <a:rPr lang="en-US" i="1" dirty="0">
-                <a:solidFill>
-                  <a:srgbClr val="E8E2B7"/>
-                </a:solidFill>
-                <a:latin typeface="Courier New" panose="02070309020205020404" pitchFamily="49" charset="0"/>
-              </a:rPr>
-              <a:t>=</a:t>
-            </a:r>
-            <a:r>
-              <a:rPr lang="en-US" i="1" dirty="0">
-                <a:solidFill>
-                  <a:srgbClr val="E0E2E4"/>
-                </a:solidFill>
-                <a:latin typeface="Courier New" panose="02070309020205020404" pitchFamily="49" charset="0"/>
-              </a:rPr>
-              <a:t> </a:t>
-            </a:r>
-            <a:r>
-              <a:rPr lang="en-US" i="1" dirty="0" err="1">
-                <a:solidFill>
-                  <a:srgbClr val="E0E2E4"/>
-                </a:solidFill>
-                <a:latin typeface="Courier New" panose="02070309020205020404" pitchFamily="49" charset="0"/>
-              </a:rPr>
-              <a:t>parseLine</a:t>
-            </a:r>
-            <a:r>
-              <a:rPr lang="en-US" i="1" dirty="0" err="1">
-                <a:solidFill>
-                  <a:srgbClr val="E8E2B7"/>
-                </a:solidFill>
-                <a:latin typeface="Courier New" panose="02070309020205020404" pitchFamily="49" charset="0"/>
-              </a:rPr>
-              <a:t>.</a:t>
-            </a:r>
-            <a:r>
-              <a:rPr lang="en-US" i="1" dirty="0" err="1">
-                <a:solidFill>
-                  <a:srgbClr val="E0E2E4"/>
-                </a:solidFill>
-                <a:latin typeface="Courier New" panose="02070309020205020404" pitchFamily="49" charset="0"/>
-              </a:rPr>
-              <a:t>next</a:t>
-            </a:r>
-            <a:r>
-              <a:rPr lang="en-US" i="1" dirty="0" smtClean="0">
-                <a:solidFill>
-                  <a:srgbClr val="E8E2B7"/>
-                </a:solidFill>
-                <a:latin typeface="Courier New" panose="02070309020205020404" pitchFamily="49" charset="0"/>
-              </a:rPr>
-              <a:t>();</a:t>
-            </a:r>
-            <a:endParaRPr lang="en-US" i="1" dirty="0" smtClean="0">
-              <a:solidFill>
-                <a:srgbClr val="E0E2E4"/>
-              </a:solidFill>
-              <a:latin typeface="Courier New" panose="02070309020205020404" pitchFamily="49" charset="0"/>
-            </a:endParaRPr>
-          </a:p>
-          <a:p>
-            <a:pPr marL="0" indent="0">
-              <a:buNone/>
-            </a:pPr>
-            <a:r>
-              <a:rPr lang="en-US" i="1" dirty="0" smtClean="0">
-                <a:solidFill>
-                  <a:srgbClr val="E0E2E4"/>
-                </a:solidFill>
-                <a:latin typeface="Courier New" panose="02070309020205020404" pitchFamily="49" charset="0"/>
-              </a:rPr>
-              <a:t>	id </a:t>
-            </a:r>
-            <a:r>
-              <a:rPr lang="en-US" i="1" dirty="0">
-                <a:solidFill>
-                  <a:srgbClr val="E8E2B7"/>
-                </a:solidFill>
-                <a:latin typeface="Courier New" panose="02070309020205020404" pitchFamily="49" charset="0"/>
-              </a:rPr>
-              <a:t>=</a:t>
-            </a:r>
-            <a:r>
-              <a:rPr lang="en-US" i="1" dirty="0">
-                <a:solidFill>
-                  <a:srgbClr val="E0E2E4"/>
-                </a:solidFill>
-                <a:latin typeface="Courier New" panose="02070309020205020404" pitchFamily="49" charset="0"/>
-              </a:rPr>
-              <a:t> </a:t>
-            </a:r>
-            <a:r>
-              <a:rPr lang="en-US" i="1" dirty="0" err="1">
-                <a:solidFill>
-                  <a:srgbClr val="E0E2E4"/>
-                </a:solidFill>
-                <a:latin typeface="Courier New" panose="02070309020205020404" pitchFamily="49" charset="0"/>
-              </a:rPr>
-              <a:t>parseLine</a:t>
-            </a:r>
-            <a:r>
-              <a:rPr lang="en-US" i="1" dirty="0" err="1">
-                <a:solidFill>
-                  <a:srgbClr val="E8E2B7"/>
-                </a:solidFill>
-                <a:latin typeface="Courier New" panose="02070309020205020404" pitchFamily="49" charset="0"/>
-              </a:rPr>
-              <a:t>.</a:t>
-            </a:r>
-            <a:r>
-              <a:rPr lang="en-US" i="1" dirty="0" err="1">
-                <a:solidFill>
-                  <a:srgbClr val="E0E2E4"/>
-                </a:solidFill>
-                <a:latin typeface="Courier New" panose="02070309020205020404" pitchFamily="49" charset="0"/>
-              </a:rPr>
-              <a:t>nextInt</a:t>
-            </a:r>
-            <a:r>
-              <a:rPr lang="en-US" i="1" dirty="0" smtClean="0">
-                <a:solidFill>
-                  <a:srgbClr val="E8E2B7"/>
-                </a:solidFill>
-                <a:latin typeface="Courier New" panose="02070309020205020404" pitchFamily="49" charset="0"/>
-              </a:rPr>
-              <a:t>();</a:t>
-            </a:r>
-            <a:endParaRPr lang="en-US" i="1" dirty="0" smtClean="0">
-              <a:solidFill>
-                <a:srgbClr val="E0E2E4"/>
-              </a:solidFill>
-              <a:latin typeface="Courier New" panose="02070309020205020404" pitchFamily="49" charset="0"/>
-            </a:endParaRPr>
-          </a:p>
-          <a:p>
-            <a:pPr marL="0" indent="0">
-              <a:buNone/>
-            </a:pPr>
-            <a:r>
-              <a:rPr lang="en-US" i="1" dirty="0">
-                <a:solidFill>
-                  <a:srgbClr val="E0E2E4"/>
-                </a:solidFill>
-                <a:latin typeface="Courier New" panose="02070309020205020404" pitchFamily="49" charset="0"/>
-              </a:rPr>
-              <a:t>	</a:t>
-            </a:r>
-            <a:r>
-              <a:rPr lang="en-US" i="1" dirty="0" smtClean="0">
-                <a:solidFill>
-                  <a:srgbClr val="E0E2E4"/>
-                </a:solidFill>
-                <a:latin typeface="Courier New" panose="02070309020205020404" pitchFamily="49" charset="0"/>
-              </a:rPr>
-              <a:t>balance </a:t>
-            </a:r>
-            <a:r>
-              <a:rPr lang="en-US" i="1" dirty="0">
-                <a:solidFill>
-                  <a:srgbClr val="E8E2B7"/>
-                </a:solidFill>
-                <a:latin typeface="Courier New" panose="02070309020205020404" pitchFamily="49" charset="0"/>
-              </a:rPr>
-              <a:t>=</a:t>
-            </a:r>
-            <a:r>
-              <a:rPr lang="en-US" i="1" dirty="0">
-                <a:solidFill>
-                  <a:srgbClr val="E0E2E4"/>
-                </a:solidFill>
-                <a:latin typeface="Courier New" panose="02070309020205020404" pitchFamily="49" charset="0"/>
-              </a:rPr>
-              <a:t> </a:t>
-            </a:r>
-            <a:r>
-              <a:rPr lang="en-US" i="1" dirty="0" err="1">
-                <a:solidFill>
-                  <a:srgbClr val="E0E2E4"/>
-                </a:solidFill>
-                <a:latin typeface="Courier New" panose="02070309020205020404" pitchFamily="49" charset="0"/>
-              </a:rPr>
-              <a:t>parseLine</a:t>
-            </a:r>
-            <a:r>
-              <a:rPr lang="en-US" i="1" dirty="0" err="1">
-                <a:solidFill>
-                  <a:srgbClr val="E8E2B7"/>
-                </a:solidFill>
-                <a:latin typeface="Courier New" panose="02070309020205020404" pitchFamily="49" charset="0"/>
-              </a:rPr>
-              <a:t>.</a:t>
-            </a:r>
-            <a:r>
-              <a:rPr lang="en-US" i="1" dirty="0" err="1">
-                <a:solidFill>
-                  <a:srgbClr val="E0E2E4"/>
-                </a:solidFill>
-                <a:latin typeface="Courier New" panose="02070309020205020404" pitchFamily="49" charset="0"/>
-              </a:rPr>
-              <a:t>nextFloat</a:t>
-            </a:r>
-            <a:r>
-              <a:rPr lang="en-US" i="1" dirty="0" smtClean="0">
-                <a:solidFill>
-                  <a:srgbClr val="E8E2B7"/>
-                </a:solidFill>
-                <a:latin typeface="Courier New" panose="02070309020205020404" pitchFamily="49" charset="0"/>
-              </a:rPr>
-              <a:t>();</a:t>
-            </a:r>
-            <a:endParaRPr lang="en-US" i="1" dirty="0" smtClean="0">
-              <a:solidFill>
-                <a:srgbClr val="E0E2E4"/>
-              </a:solidFill>
-              <a:latin typeface="Courier New" panose="02070309020205020404" pitchFamily="49" charset="0"/>
-            </a:endParaRPr>
-          </a:p>
-          <a:p>
-            <a:pPr marL="0" indent="0">
-              <a:buNone/>
-            </a:pPr>
-            <a:r>
-              <a:rPr lang="en-US" i="1" dirty="0" smtClean="0">
-                <a:solidFill>
-                  <a:srgbClr val="66747B"/>
-                </a:solidFill>
-                <a:latin typeface="Courier New" panose="02070309020205020404" pitchFamily="49" charset="0"/>
-              </a:rPr>
-              <a:t>	// …</a:t>
-            </a:r>
-          </a:p>
-          <a:p>
-            <a:pPr marL="0" indent="0">
-              <a:buNone/>
-            </a:pPr>
-            <a:r>
-              <a:rPr lang="en-US" i="1" dirty="0">
-                <a:solidFill>
-                  <a:srgbClr val="66747B"/>
-                </a:solidFill>
-                <a:latin typeface="Courier New" panose="02070309020205020404" pitchFamily="49" charset="0"/>
-              </a:rPr>
-              <a:t>	</a:t>
-            </a:r>
-            <a:r>
-              <a:rPr lang="en-US" i="1" dirty="0" smtClean="0">
-                <a:solidFill>
-                  <a:srgbClr val="93C763"/>
-                </a:solidFill>
-                <a:latin typeface="Courier New" panose="02070309020205020404" pitchFamily="49" charset="0"/>
-              </a:rPr>
-              <a:t>new</a:t>
-            </a:r>
-            <a:r>
-              <a:rPr lang="en-US" i="1" dirty="0" smtClean="0">
-                <a:solidFill>
-                  <a:srgbClr val="E0E2E4"/>
-                </a:solidFill>
-                <a:latin typeface="Courier New" panose="02070309020205020404" pitchFamily="49" charset="0"/>
-              </a:rPr>
-              <a:t> </a:t>
-            </a:r>
-            <a:r>
-              <a:rPr lang="en-US" i="1" dirty="0">
-                <a:solidFill>
-                  <a:srgbClr val="E0E2E4"/>
-                </a:solidFill>
-                <a:latin typeface="Courier New" panose="02070309020205020404" pitchFamily="49" charset="0"/>
-              </a:rPr>
-              <a:t>Account</a:t>
-            </a:r>
-            <a:r>
-              <a:rPr lang="en-US" i="1" dirty="0">
-                <a:solidFill>
-                  <a:srgbClr val="E8E2B7"/>
-                </a:solidFill>
-                <a:latin typeface="Courier New" panose="02070309020205020404" pitchFamily="49" charset="0"/>
-              </a:rPr>
-              <a:t>(</a:t>
-            </a:r>
-            <a:r>
-              <a:rPr lang="en-US" i="1" dirty="0">
-                <a:solidFill>
-                  <a:srgbClr val="E0E2E4"/>
-                </a:solidFill>
-                <a:latin typeface="Courier New" panose="02070309020205020404" pitchFamily="49" charset="0"/>
-              </a:rPr>
-              <a:t>name</a:t>
-            </a:r>
-            <a:r>
-              <a:rPr lang="en-US" i="1" dirty="0">
-                <a:solidFill>
-                  <a:srgbClr val="E8E2B7"/>
-                </a:solidFill>
-                <a:latin typeface="Courier New" panose="02070309020205020404" pitchFamily="49" charset="0"/>
-              </a:rPr>
-              <a:t>,</a:t>
-            </a:r>
-            <a:r>
-              <a:rPr lang="en-US" i="1" dirty="0">
-                <a:solidFill>
-                  <a:srgbClr val="E0E2E4"/>
-                </a:solidFill>
-                <a:latin typeface="Courier New" panose="02070309020205020404" pitchFamily="49" charset="0"/>
-              </a:rPr>
-              <a:t> id</a:t>
-            </a:r>
-            <a:r>
-              <a:rPr lang="en-US" i="1" dirty="0">
-                <a:solidFill>
-                  <a:srgbClr val="E8E2B7"/>
-                </a:solidFill>
-                <a:latin typeface="Courier New" panose="02070309020205020404" pitchFamily="49" charset="0"/>
-              </a:rPr>
-              <a:t>,</a:t>
-            </a:r>
-            <a:r>
-              <a:rPr lang="en-US" i="1" dirty="0">
-                <a:solidFill>
-                  <a:srgbClr val="E0E2E4"/>
-                </a:solidFill>
-                <a:latin typeface="Courier New" panose="02070309020205020404" pitchFamily="49" charset="0"/>
-              </a:rPr>
-              <a:t> balance</a:t>
-            </a:r>
-            <a:r>
-              <a:rPr lang="en-US" i="1" dirty="0" smtClean="0">
-                <a:solidFill>
-                  <a:srgbClr val="E8E2B7"/>
-                </a:solidFill>
-                <a:latin typeface="Courier New" panose="02070309020205020404" pitchFamily="49" charset="0"/>
-              </a:rPr>
-              <a:t>);</a:t>
-            </a:r>
-            <a:endParaRPr lang="en-US" i="1" dirty="0" smtClean="0">
-              <a:solidFill>
-                <a:srgbClr val="E0E2E4"/>
-              </a:solidFill>
-              <a:latin typeface="Courier New" panose="02070309020205020404" pitchFamily="49" charset="0"/>
-            </a:endParaRPr>
-          </a:p>
-          <a:p>
-            <a:pPr marL="0" indent="0">
-              <a:buNone/>
-            </a:pPr>
-            <a:r>
-              <a:rPr lang="en-US" i="1" dirty="0" smtClean="0">
-                <a:solidFill>
-                  <a:srgbClr val="E8E2B7"/>
-                </a:solidFill>
-                <a:latin typeface="Courier New" panose="02070309020205020404" pitchFamily="49" charset="0"/>
-              </a:rPr>
               <a:t>}</a:t>
             </a:r>
-            <a:r>
-              <a:rPr lang="en-US" i="1" dirty="0" smtClean="0">
-                <a:solidFill>
-                  <a:srgbClr val="E0E2E4"/>
-                </a:solidFill>
-                <a:latin typeface="Courier New" panose="02070309020205020404" pitchFamily="49" charset="0"/>
-              </a:rPr>
-              <a:t> </a:t>
-            </a:r>
-            <a:endParaRPr lang="en-US" dirty="0"/>
-          </a:p>
-          <a:p>
-            <a:endParaRPr lang="en-US" dirty="0"/>
           </a:p>
         </p:txBody>
       </p:sp>
@@ -16192,7 +15579,7 @@
     </p:spTree>
     <p:extLst>
       <p:ext uri="{BB962C8B-B14F-4D97-AF65-F5344CB8AC3E}">
-        <p14:creationId xmlns:p14="http://schemas.microsoft.com/office/powerpoint/2010/main" val="1693339205"/>
+        <p14:creationId xmlns:p14="http://schemas.microsoft.com/office/powerpoint/2010/main" val="3811446849"/>
       </p:ext>
     </p:extLst>
   </p:cSld>
@@ -16242,8 +15629,20 @@
           <a:lstStyle/>
           <a:p>
             <a:r>
-              <a:rPr lang="en-US" altLang="en-US" dirty="0"/>
-              <a:t>Multiple types on one line</a:t>
+              <a:rPr lang="en-US" altLang="en-US" dirty="0">
+                <a:solidFill>
+                  <a:srgbClr val="EBEBEB"/>
+                </a:solidFill>
+              </a:rPr>
+              <a:t>Multiple types on one </a:t>
+            </a:r>
+            <a:r>
+              <a:rPr lang="en-US" altLang="en-US" dirty="0" smtClean="0">
+                <a:solidFill>
+                  <a:srgbClr val="EBEBEB"/>
+                </a:solidFill>
+              </a:rPr>
+              <a:t>line (Cont.)</a:t>
             </a:r>
             <a:endParaRPr lang="en-US" dirty="0"/>
           </a:p>
@@ -16259,14 +15658,25 @@
             <p:ph idx="1"/>
           </p:nvPr>
         </p:nvSpPr>
-        <p:spPr/>
+        <p:spPr>
+          <a:xfrm>
+            <a:off x="1103312" y="1579418"/>
+            <a:ext cx="8946541" cy="4668981"/>
+          </a:xfrm>
+        </p:spPr>
         <p:txBody>
           <a:bodyPr>
-            <a:normAutofit fontScale="70000" lnSpcReduction="20000"/>
+            <a:normAutofit fontScale="92500" lnSpcReduction="20000"/>
           </a:bodyPr>
           <a:lstStyle/>
           <a:p>
-            <a:pPr marL="0" indent="0">
+            <a:pPr marL="0" lvl="0" indent="0">
+              <a:buClr>
+                <a:srgbClr val="1E5155">
+                  <a:lumMod val="40000"/>
+                  <a:lumOff val="60000"/>
+                </a:srgbClr>
+              </a:buClr>
               <a:buNone/>
             </a:pPr>
             <a:r>
@@ -16276,24 +15686,21 @@
                 </a:solidFill>
                 <a:latin typeface="Courier New" panose="02070309020205020404" pitchFamily="49" charset="0"/>
               </a:rPr>
-              <a:t>// Name, id, </a:t>
-            </a:r>
-            <a:r>
-              <a:rPr lang="en-US" i="1" dirty="0" smtClean="0">
-                <a:solidFill>
-                  <a:srgbClr val="66747B"/>
-                </a:solidFill>
-                <a:latin typeface="Courier New" panose="02070309020205020404" pitchFamily="49" charset="0"/>
-              </a:rPr>
-              <a:t>balance</a:t>
-            </a:r>
-          </a:p>
-          <a:p>
-            <a:pPr marL="0" indent="0">
+              <a:t>// Name, id, balance</a:t>
+            </a:r>
+          </a:p>
+          <a:p>
+            <a:pPr marL="0" lvl="0" indent="0">
+              <a:buClr>
+                <a:srgbClr val="1E5155">
+                  <a:lumMod val="40000"/>
+                  <a:lumOff val="60000"/>
+                </a:srgbClr>
+              </a:buClr>
               <a:buNone/>
             </a:pPr>
             <a:r>
-              <a:rPr lang="en-US" i="1" dirty="0" smtClean="0">
+              <a:rPr lang="en-US" i="1" dirty="0">
                 <a:solidFill>
                   <a:srgbClr val="E0E2E4"/>
                 </a:solidFill>
@@ -16536,22 +15943,13 @@
               <a:buNone/>
             </a:pPr>
             <a:r>
-              <a:rPr lang="en-US" i="1" dirty="0">
-                <a:solidFill>
-                  <a:srgbClr val="E0E2E4"/>
-                </a:solidFill>
-                <a:latin typeface="Courier New" panose="02070309020205020404" pitchFamily="49" charset="0"/>
-              </a:rPr>
-              <a:t>	</a:t>
-            </a:r>
-            <a:r>
               <a:rPr lang="en-US" i="1" dirty="0" smtClean="0">
                 <a:solidFill>
                   <a:srgbClr val="E0E2E4"/>
                 </a:solidFill>
                 <a:latin typeface="Courier New" panose="02070309020205020404" pitchFamily="49" charset="0"/>
               </a:rPr>
-              <a:t>line </a:t>
+              <a:t>	line </a:t>
             </a:r>
             <a:r>
               <a:rPr lang="en-US" i="1" dirty="0">
@@ -16621,83 +16019,47 @@
             <a:r>
               <a:rPr lang="en-US" i="1" dirty="0" smtClean="0">
                 <a:solidFill>
-                  <a:srgbClr val="E0E2E4"/>
-                </a:solidFill>
-                <a:latin typeface="Courier New" panose="02070309020205020404" pitchFamily="49" charset="0"/>
-              </a:rPr>
-              <a:t>	Account </a:t>
-            </a:r>
-            <a:r>
-              <a:rPr lang="en-US" i="1" dirty="0">
-                <a:solidFill>
-                  <a:srgbClr val="E0E2E4"/>
-                </a:solidFill>
-                <a:latin typeface="Courier New" panose="02070309020205020404" pitchFamily="49" charset="0"/>
-              </a:rPr>
-              <a:t>account </a:t>
-            </a:r>
-            <a:r>
-              <a:rPr lang="en-US" i="1" dirty="0">
-                <a:solidFill>
-                  <a:srgbClr val="E8E2B7"/>
-                </a:solidFill>
-                <a:latin typeface="Courier New" panose="02070309020205020404" pitchFamily="49" charset="0"/>
-              </a:rPr>
-              <a:t>=</a:t>
-            </a:r>
-            <a:r>
-              <a:rPr lang="en-US" i="1" dirty="0">
-                <a:solidFill>
-                  <a:srgbClr val="E0E2E4"/>
-                </a:solidFill>
-                <a:latin typeface="Courier New" panose="02070309020205020404" pitchFamily="49" charset="0"/>
-              </a:rPr>
-              <a:t> </a:t>
-            </a:r>
-            <a:r>
-              <a:rPr lang="en-US" i="1" dirty="0">
-                <a:solidFill>
-                  <a:srgbClr val="93C763"/>
-                </a:solidFill>
-                <a:latin typeface="Courier New" panose="02070309020205020404" pitchFamily="49" charset="0"/>
-              </a:rPr>
-              <a:t>new</a:t>
-            </a:r>
-            <a:r>
-              <a:rPr lang="en-US" i="1" dirty="0">
-                <a:solidFill>
-                  <a:srgbClr val="E0E2E4"/>
-                </a:solidFill>
-                <a:latin typeface="Courier New" panose="02070309020205020404" pitchFamily="49" charset="0"/>
-              </a:rPr>
-              <a:t> Account</a:t>
-            </a:r>
-            <a:r>
-              <a:rPr lang="en-US" i="1" dirty="0">
-                <a:solidFill>
-                  <a:srgbClr val="E8E2B7"/>
-                </a:solidFill>
-                <a:latin typeface="Courier New" panose="02070309020205020404" pitchFamily="49" charset="0"/>
-              </a:rPr>
-              <a:t>(</a:t>
-            </a:r>
-            <a:r>
-              <a:rPr lang="en-US" i="1" dirty="0">
-                <a:solidFill>
-                  <a:srgbClr val="E0E2E4"/>
-                </a:solidFill>
-                <a:latin typeface="Courier New" panose="02070309020205020404" pitchFamily="49" charset="0"/>
-              </a:rPr>
-              <a:t>line</a:t>
+                  <a:srgbClr val="66747B"/>
+                </a:solidFill>
+                <a:latin typeface="Courier New" panose="02070309020205020404" pitchFamily="49" charset="0"/>
+              </a:rPr>
+              <a:t>	// </a:t>
+            </a:r>
+            <a:r>
+              <a:rPr lang="en-US" i="1" dirty="0">
+                <a:solidFill>
+                  <a:srgbClr val="66747B"/>
+                </a:solidFill>
+                <a:latin typeface="Courier New" panose="02070309020205020404" pitchFamily="49" charset="0"/>
+              </a:rPr>
+              <a:t>Scanner again</a:t>
             </a:r>
             <a:r>
               <a:rPr lang="en-US" i="1" dirty="0" smtClean="0">
                 <a:solidFill>
-                  <a:srgbClr val="E8E2B7"/>
-                </a:solidFill>
-                <a:latin typeface="Courier New" panose="02070309020205020404" pitchFamily="49" charset="0"/>
-              </a:rPr>
-              <a:t>);</a:t>
+                  <a:srgbClr val="66747B"/>
+                </a:solidFill>
+                <a:latin typeface="Courier New" panose="02070309020205020404" pitchFamily="49" charset="0"/>
+              </a:rPr>
+              <a:t>!</a:t>
+            </a:r>
+            <a:r>
+              <a:rPr lang="en-US" i="1" dirty="0">
+                <a:solidFill>
+                  <a:srgbClr val="66747B"/>
+                </a:solidFill>
+                <a:latin typeface="Courier New" panose="02070309020205020404" pitchFamily="49" charset="0"/>
+              </a:rPr>
+              <a:t>	</a:t>
+            </a:r>
+            <a:r>
+              <a:rPr lang="en-US" i="1" dirty="0">
+                <a:solidFill>
+                  <a:srgbClr val="E0E2E4"/>
+                </a:solidFill>
+                <a:latin typeface="Courier New" panose="02070309020205020404" pitchFamily="49" charset="0"/>
+              </a:rPr>
+              <a:t>	</a:t>
             </a:r>
             <a:endParaRPr lang="en-US" i="1" dirty="0" smtClean="0">
               <a:solidFill>
@@ -16713,11 +16075,92 @@
             <a:r>
               <a:rPr lang="en-US" i="1" dirty="0" smtClean="0">
                 <a:solidFill>
+                  <a:srgbClr val="E0E2E4"/>
+                </a:solidFill>
+                <a:latin typeface="Courier New" panose="02070309020205020404" pitchFamily="49" charset="0"/>
+              </a:rPr>
+              <a:t>	Scanner </a:t>
+            </a:r>
+            <a:r>
+              <a:rPr lang="en-US" i="1" dirty="0" err="1">
+                <a:solidFill>
+                  <a:srgbClr val="E0E2E4"/>
+                </a:solidFill>
+                <a:latin typeface="Courier New" panose="02070309020205020404" pitchFamily="49" charset="0"/>
+              </a:rPr>
+              <a:t>parseLine</a:t>
+            </a:r>
+            <a:r>
+              <a:rPr lang="en-US" i="1" dirty="0">
+                <a:solidFill>
+                  <a:srgbClr val="E0E2E4"/>
+                </a:solidFill>
+                <a:latin typeface="Courier New" panose="02070309020205020404" pitchFamily="49" charset="0"/>
+              </a:rPr>
+              <a:t> </a:t>
+            </a:r>
+            <a:r>
+              <a:rPr lang="en-US" i="1" dirty="0">
+                <a:solidFill>
                   <a:srgbClr val="E8E2B7"/>
                 </a:solidFill>
                 <a:latin typeface="Courier New" panose="02070309020205020404" pitchFamily="49" charset="0"/>
               </a:rPr>
-              <a:t>}</a:t>
+              <a:t>=</a:t>
+            </a:r>
+            <a:r>
+              <a:rPr lang="en-US" i="1" dirty="0">
+                <a:solidFill>
+                  <a:srgbClr val="E0E2E4"/>
+                </a:solidFill>
+                <a:latin typeface="Courier New" panose="02070309020205020404" pitchFamily="49" charset="0"/>
+              </a:rPr>
+              <a:t> </a:t>
+            </a:r>
+            <a:r>
+              <a:rPr lang="en-US" i="1" dirty="0">
+                <a:solidFill>
+                  <a:srgbClr val="93C763"/>
+                </a:solidFill>
+                <a:latin typeface="Courier New" panose="02070309020205020404" pitchFamily="49" charset="0"/>
+              </a:rPr>
+              <a:t>new</a:t>
+            </a:r>
+            <a:r>
+              <a:rPr lang="en-US" i="1" dirty="0">
+                <a:solidFill>
+                  <a:srgbClr val="E0E2E4"/>
+                </a:solidFill>
+                <a:latin typeface="Courier New" panose="02070309020205020404" pitchFamily="49" charset="0"/>
+              </a:rPr>
+              <a:t> Scanner</a:t>
+            </a:r>
+            <a:r>
+              <a:rPr lang="en-US" i="1" dirty="0">
+                <a:solidFill>
+                  <a:srgbClr val="E8E2B7"/>
+                </a:solidFill>
+                <a:latin typeface="Courier New" panose="02070309020205020404" pitchFamily="49" charset="0"/>
+              </a:rPr>
+              <a:t>(</a:t>
+            </a:r>
+            <a:r>
+              <a:rPr lang="en-US" i="1" dirty="0">
+                <a:solidFill>
+                  <a:srgbClr val="E0E2E4"/>
+                </a:solidFill>
+                <a:latin typeface="Courier New" panose="02070309020205020404" pitchFamily="49" charset="0"/>
+              </a:rPr>
+              <a:t>line</a:t>
+            </a:r>
+            <a:r>
+              <a:rPr lang="en-US" i="1" dirty="0" smtClean="0">
+                <a:solidFill>
+                  <a:srgbClr val="E8E2B7"/>
+                </a:solidFill>
+                <a:latin typeface="Courier New" panose="02070309020205020404" pitchFamily="49" charset="0"/>
+              </a:rPr>
+              <a:t>)</a:t>
             </a:r>
           </a:p>
           <a:p>
@@ -16727,22 +16170,67 @@
             <a:r>
               <a:rPr lang="en-US" i="1" dirty="0" smtClean="0">
                 <a:solidFill>
-                  <a:srgbClr val="66747B"/>
-                </a:solidFill>
-                <a:latin typeface="Courier New" panose="02070309020205020404" pitchFamily="49" charset="0"/>
-              </a:rPr>
-              <a:t>// </a:t>
-            </a:r>
-            <a:r>
-              <a:rPr lang="en-US" i="1" dirty="0">
-                <a:solidFill>
-                  <a:srgbClr val="66747B"/>
-                </a:solidFill>
-                <a:latin typeface="Courier New" panose="02070309020205020404" pitchFamily="49" charset="0"/>
-              </a:rPr>
-              <a:t>constructor </a:t>
-            </a:r>
-            <a:endParaRPr lang="en-US" i="1" dirty="0">
+                  <a:srgbClr val="E0E2E4"/>
+                </a:solidFill>
+                <a:latin typeface="Courier New" panose="02070309020205020404" pitchFamily="49" charset="0"/>
+              </a:rPr>
+              <a:t> 	name </a:t>
+            </a:r>
+            <a:r>
+              <a:rPr lang="en-US" i="1" dirty="0">
+                <a:solidFill>
+                  <a:srgbClr val="E8E2B7"/>
+                </a:solidFill>
+                <a:latin typeface="Courier New" panose="02070309020205020404" pitchFamily="49" charset="0"/>
+              </a:rPr>
+              <a:t>=</a:t>
+            </a:r>
+            <a:r>
+              <a:rPr lang="en-US" i="1" dirty="0">
+                <a:solidFill>
+                  <a:srgbClr val="E0E2E4"/>
+                </a:solidFill>
+                <a:latin typeface="Courier New" panose="02070309020205020404" pitchFamily="49" charset="0"/>
+              </a:rPr>
+              <a:t> </a:t>
+            </a:r>
+            <a:r>
+              <a:rPr lang="en-US" i="1" dirty="0" err="1">
+                <a:solidFill>
+                  <a:srgbClr val="E0E2E4"/>
+                </a:solidFill>
+                <a:latin typeface="Courier New" panose="02070309020205020404" pitchFamily="49" charset="0"/>
+              </a:rPr>
+              <a:t>parseLine</a:t>
+            </a:r>
+            <a:r>
+              <a:rPr lang="en-US" i="1" dirty="0" err="1">
+                <a:solidFill>
+                  <a:srgbClr val="E8E2B7"/>
+                </a:solidFill>
+                <a:latin typeface="Courier New" panose="02070309020205020404" pitchFamily="49" charset="0"/>
+              </a:rPr>
+              <a:t>.</a:t>
+            </a:r>
+            <a:r>
+              <a:rPr lang="en-US" i="1" dirty="0" err="1">
+                <a:solidFill>
+                  <a:srgbClr val="E0E2E4"/>
+                </a:solidFill>
+                <a:latin typeface="Courier New" panose="02070309020205020404" pitchFamily="49" charset="0"/>
+              </a:rPr>
+              <a:t>next</a:t>
+            </a:r>
+            <a:r>
+              <a:rPr lang="en-US" i="1" dirty="0" smtClean="0">
+                <a:solidFill>
+                  <a:srgbClr val="E8E2B7"/>
+                </a:solidFill>
+                <a:latin typeface="Courier New" panose="02070309020205020404" pitchFamily="49" charset="0"/>
+              </a:rPr>
+              <a:t>();</a:t>
+            </a:r>
+            <a:endParaRPr lang="en-US" i="1" dirty="0" smtClean="0">
               <a:solidFill>
                 <a:srgbClr val="E0E2E4"/>
               </a:solidFill>
@@ -16756,15 +16244,107 @@
             <a:r>
               <a:rPr lang="en-US" i="1" dirty="0" smtClean="0">
                 <a:solidFill>
-                  <a:srgbClr val="678CB1"/>
-                </a:solidFill>
-                <a:latin typeface="Courier New" panose="02070309020205020404" pitchFamily="49" charset="0"/>
-              </a:rPr>
-              <a:t>public</a:t>
+                  <a:srgbClr val="E0E2E4"/>
+                </a:solidFill>
+                <a:latin typeface="Courier New" panose="02070309020205020404" pitchFamily="49" charset="0"/>
+              </a:rPr>
+              <a:t>	id </a:t>
+            </a:r>
+            <a:r>
+              <a:rPr lang="en-US" i="1" dirty="0">
+                <a:solidFill>
+                  <a:srgbClr val="E8E2B7"/>
+                </a:solidFill>
+                <a:latin typeface="Courier New" panose="02070309020205020404" pitchFamily="49" charset="0"/>
+              </a:rPr>
+              <a:t>=</a:t>
+            </a:r>
+            <a:r>
+              <a:rPr lang="en-US" i="1" dirty="0">
+                <a:solidFill>
+                  <a:srgbClr val="E0E2E4"/>
+                </a:solidFill>
+                <a:latin typeface="Courier New" panose="02070309020205020404" pitchFamily="49" charset="0"/>
+              </a:rPr>
+              <a:t> </a:t>
+            </a:r>
+            <a:r>
+              <a:rPr lang="en-US" i="1" dirty="0" err="1">
+                <a:solidFill>
+                  <a:srgbClr val="E0E2E4"/>
+                </a:solidFill>
+                <a:latin typeface="Courier New" panose="02070309020205020404" pitchFamily="49" charset="0"/>
+              </a:rPr>
+              <a:t>parseLine</a:t>
+            </a:r>
+            <a:r>
+              <a:rPr lang="en-US" i="1" dirty="0" err="1">
+                <a:solidFill>
+                  <a:srgbClr val="E8E2B7"/>
+                </a:solidFill>
+                <a:latin typeface="Courier New" panose="02070309020205020404" pitchFamily="49" charset="0"/>
+              </a:rPr>
+              <a:t>.</a:t>
+            </a:r>
+            <a:r>
+              <a:rPr lang="en-US" i="1" dirty="0" err="1">
+                <a:solidFill>
+                  <a:srgbClr val="E0E2E4"/>
+                </a:solidFill>
+                <a:latin typeface="Courier New" panose="02070309020205020404" pitchFamily="49" charset="0"/>
+              </a:rPr>
+              <a:t>nextInt</a:t>
             </a:r>
             <a:r>
               <a:rPr lang="en-US" i="1" dirty="0" smtClean="0">
                 <a:solidFill>
+                  <a:srgbClr val="E8E2B7"/>
+                </a:solidFill>
+                <a:latin typeface="Courier New" panose="02070309020205020404" pitchFamily="49" charset="0"/>
+              </a:rPr>
+              <a:t>();</a:t>
+            </a:r>
+            <a:endParaRPr lang="en-US" i="1" dirty="0" smtClean="0">
+              <a:solidFill>
+                <a:srgbClr val="E0E2E4"/>
+              </a:solidFill>
+              <a:latin typeface="Courier New" panose="02070309020205020404" pitchFamily="49" charset="0"/>
+            </a:endParaRPr>
+          </a:p>
+          <a:p>
+            <a:pPr marL="0" indent="0">
+              <a:buNone/>
+            </a:pPr>
+            <a:r>
+              <a:rPr lang="en-US" i="1" dirty="0">
+                <a:solidFill>
+                  <a:srgbClr val="E0E2E4"/>
+                </a:solidFill>
+                <a:latin typeface="Courier New" panose="02070309020205020404" pitchFamily="49" charset="0"/>
+              </a:rPr>
+              <a:t>	</a:t>
+            </a:r>
+            <a:r>
+              <a:rPr lang="en-US" i="1" dirty="0" smtClean="0">
+                <a:solidFill>
+                  <a:srgbClr val="E0E2E4"/>
+                </a:solidFill>
+                <a:latin typeface="Courier New" panose="02070309020205020404" pitchFamily="49" charset="0"/>
+              </a:rPr>
+              <a:t>balance </a:t>
+            </a:r>
+            <a:r>
+              <a:rPr lang="en-US" i="1" dirty="0">
+                <a:solidFill>
+                  <a:srgbClr val="E8E2B7"/>
+                </a:solidFill>
+                <a:latin typeface="Courier New" panose="02070309020205020404" pitchFamily="49" charset="0"/>
+              </a:rPr>
+              <a:t>=</a:t>
+            </a:r>
+            <a:r>
+              <a:rPr lang="en-US" i="1" dirty="0">
+                <a:solidFill>
                   <a:srgbClr val="E0E2E4"/>
                 </a:solidFill>
                 <a:latin typeface="Courier New" panose="02070309020205020404" pitchFamily="49" charset="0"/>
@@ -16772,6 +16352,94 @@
               <a:t> </a:t>
             </a:r>
             <a:r>
+              <a:rPr lang="en-US" i="1" dirty="0" err="1">
+                <a:solidFill>
+                  <a:srgbClr val="E0E2E4"/>
+                </a:solidFill>
+                <a:latin typeface="Courier New" panose="02070309020205020404" pitchFamily="49" charset="0"/>
+              </a:rPr>
+              <a:t>parseLine</a:t>
+            </a:r>
+            <a:r>
+              <a:rPr lang="en-US" i="1" dirty="0" err="1">
+                <a:solidFill>
+                  <a:srgbClr val="E8E2B7"/>
+                </a:solidFill>
+                <a:latin typeface="Courier New" panose="02070309020205020404" pitchFamily="49" charset="0"/>
+              </a:rPr>
+              <a:t>.</a:t>
+            </a:r>
+            <a:r>
+              <a:rPr lang="en-US" i="1" dirty="0" err="1">
+                <a:solidFill>
+                  <a:srgbClr val="E0E2E4"/>
+                </a:solidFill>
+                <a:latin typeface="Courier New" panose="02070309020205020404" pitchFamily="49" charset="0"/>
+              </a:rPr>
+              <a:t>nextFloat</a:t>
+            </a:r>
+            <a:r>
+              <a:rPr lang="en-US" i="1" dirty="0" smtClean="0">
+                <a:solidFill>
+                  <a:srgbClr val="E8E2B7"/>
+                </a:solidFill>
+                <a:latin typeface="Courier New" panose="02070309020205020404" pitchFamily="49" charset="0"/>
+              </a:rPr>
+              <a:t>();</a:t>
+            </a:r>
+            <a:endParaRPr lang="en-US" i="1" dirty="0" smtClean="0">
+              <a:solidFill>
+                <a:srgbClr val="E0E2E4"/>
+              </a:solidFill>
+              <a:latin typeface="Courier New" panose="02070309020205020404" pitchFamily="49" charset="0"/>
+            </a:endParaRPr>
+          </a:p>
+          <a:p>
+            <a:pPr marL="0" indent="0">
+              <a:buNone/>
+            </a:pPr>
+            <a:r>
+              <a:rPr lang="en-US" i="1" dirty="0" smtClean="0">
+                <a:solidFill>
+                  <a:srgbClr val="66747B"/>
+                </a:solidFill>
+                <a:latin typeface="Courier New" panose="02070309020205020404" pitchFamily="49" charset="0"/>
+              </a:rPr>
+              <a:t>	// …</a:t>
+            </a:r>
+          </a:p>
+          <a:p>
+            <a:pPr marL="0" indent="0">
+              <a:buNone/>
+            </a:pPr>
+            <a:r>
+              <a:rPr lang="en-US" i="1" dirty="0">
+                <a:solidFill>
+                  <a:srgbClr val="66747B"/>
+                </a:solidFill>
+                <a:latin typeface="Courier New" panose="02070309020205020404" pitchFamily="49" charset="0"/>
+              </a:rPr>
+              <a:t>	</a:t>
+            </a:r>
+            <a:r>
+              <a:rPr lang="en-US" i="1" dirty="0" smtClean="0">
+                <a:solidFill>
+                  <a:srgbClr val="93C763"/>
+                </a:solidFill>
+                <a:latin typeface="Courier New" panose="02070309020205020404" pitchFamily="49" charset="0"/>
+              </a:rPr>
+              <a:t>new</a:t>
+            </a:r>
+            <a:r>
+              <a:rPr lang="en-US" i="1" dirty="0" smtClean="0">
+                <a:solidFill>
+                  <a:srgbClr val="E0E2E4"/>
+                </a:solidFill>
+                <a:latin typeface="Courier New" panose="02070309020205020404" pitchFamily="49" charset="0"/>
+              </a:rPr>
+              <a:t> </a:t>
+            </a:r>
+            <a:r>
               <a:rPr lang="en-US" i="1" dirty="0">
                 <a:solidFill>
                   <a:srgbClr val="E0E2E4"/>
@@ -16796,7 +16464,43 @@
                 </a:solidFill>
                 <a:latin typeface="Courier New" panose="02070309020205020404" pitchFamily="49" charset="0"/>
               </a:rPr>
-              <a:t>String line</a:t>
+              <a:t>name</a:t>
+            </a:r>
+            <a:r>
+              <a:rPr lang="en-US" i="1" dirty="0">
+                <a:solidFill>
+                  <a:srgbClr val="E8E2B7"/>
+                </a:solidFill>
+                <a:latin typeface="Courier New" panose="02070309020205020404" pitchFamily="49" charset="0"/>
+              </a:rPr>
+              <a:t>,</a:t>
+            </a:r>
+            <a:r>
+              <a:rPr lang="en-US" i="1" dirty="0">
+                <a:solidFill>
+                  <a:srgbClr val="E0E2E4"/>
+                </a:solidFill>
+                <a:latin typeface="Courier New" panose="02070309020205020404" pitchFamily="49" charset="0"/>
+              </a:rPr>
+              <a:t> id</a:t>
+            </a:r>
+            <a:r>
+              <a:rPr lang="en-US" i="1" dirty="0">
+                <a:solidFill>
+                  <a:srgbClr val="E8E2B7"/>
+                </a:solidFill>
+                <a:latin typeface="Courier New" panose="02070309020205020404" pitchFamily="49" charset="0"/>
+              </a:rPr>
+              <a:t>,</a:t>
+            </a:r>
+            <a:r>
+              <a:rPr lang="en-US" i="1" dirty="0">
+                <a:solidFill>
+                  <a:srgbClr val="E0E2E4"/>
+                </a:solidFill>
+                <a:latin typeface="Courier New" panose="02070309020205020404" pitchFamily="49" charset="0"/>
+              </a:rPr>
+              <a:t> balance</a:t>
             </a:r>
             <a:r>
               <a:rPr lang="en-US" i="1" dirty="0" smtClean="0">
@@ -16805,437 +16509,36 @@
                 </a:solidFill>
                 <a:latin typeface="Courier New" panose="02070309020205020404" pitchFamily="49" charset="0"/>
               </a:rPr>
-              <a:t>)</a:t>
-            </a:r>
+              <a:t>);</a:t>
+            </a:r>
+            <a:endParaRPr lang="en-US" i="1" dirty="0" smtClean="0">
+              <a:solidFill>
+                <a:srgbClr val="E0E2E4"/>
+              </a:solidFill>
+              <a:latin typeface="Courier New" panose="02070309020205020404" pitchFamily="49" charset="0"/>
+            </a:endParaRPr>
+          </a:p>
+          <a:p>
+            <a:pPr marL="0" indent="0">
+              <a:buNone/>
+            </a:pPr>
             <a:r>
               <a:rPr lang="en-US" i="1" dirty="0" smtClean="0">
                 <a:solidFill>
+                  <a:srgbClr val="E8E2B7"/>
+                </a:solidFill>
+                <a:latin typeface="Courier New" panose="02070309020205020404" pitchFamily="49" charset="0"/>
+              </a:rPr>
+              <a:t>}</a:t>
+            </a:r>
+            <a:r>
+              <a:rPr lang="en-US" i="1" dirty="0" smtClean="0">
+                <a:solidFill>
                   <a:srgbClr val="E0E2E4"/>
                 </a:solidFill>
                 <a:latin typeface="Courier New" panose="02070309020205020404" pitchFamily="49" charset="0"/>
               </a:rPr>
               <a:t> </a:t>
-            </a:r>
-            <a:r>
-              <a:rPr lang="en-US" i="1" dirty="0" smtClean="0">
-                <a:solidFill>
-                  <a:srgbClr val="E8E2B7"/>
-                </a:solidFill>
-                <a:latin typeface="Courier New" panose="02070309020205020404" pitchFamily="49" charset="0"/>
-              </a:rPr>
-              <a:t>{</a:t>
-            </a:r>
-          </a:p>
-          <a:p>
-            <a:pPr marL="0" indent="0">
-              <a:buNone/>
-            </a:pPr>
-            <a:r>
-              <a:rPr lang="en-US" i="1" dirty="0">
-                <a:solidFill>
-                  <a:srgbClr val="E0E2E4"/>
-                </a:solidFill>
-                <a:latin typeface="Courier New" panose="02070309020205020404" pitchFamily="49" charset="0"/>
-              </a:rPr>
-              <a:t>	</a:t>
-            </a:r>
-            <a:r>
-              <a:rPr lang="en-US" i="1" dirty="0" smtClean="0">
-                <a:solidFill>
-                  <a:srgbClr val="E0E2E4"/>
-                </a:solidFill>
-                <a:latin typeface="Courier New" panose="02070309020205020404" pitchFamily="49" charset="0"/>
-              </a:rPr>
-              <a:t>Scanner </a:t>
-            </a:r>
-            <a:r>
-              <a:rPr lang="en-US" i="1" dirty="0" err="1">
-                <a:solidFill>
-                  <a:srgbClr val="E0E2E4"/>
-                </a:solidFill>
-                <a:latin typeface="Courier New" panose="02070309020205020404" pitchFamily="49" charset="0"/>
-              </a:rPr>
-              <a:t>accountLine</a:t>
-            </a:r>
-            <a:r>
-              <a:rPr lang="en-US" i="1" dirty="0">
-                <a:solidFill>
-                  <a:srgbClr val="E0E2E4"/>
-                </a:solidFill>
-                <a:latin typeface="Courier New" panose="02070309020205020404" pitchFamily="49" charset="0"/>
-              </a:rPr>
-              <a:t> </a:t>
-            </a:r>
-            <a:r>
-              <a:rPr lang="en-US" i="1" dirty="0">
-                <a:solidFill>
-                  <a:srgbClr val="E8E2B7"/>
-                </a:solidFill>
-                <a:latin typeface="Courier New" panose="02070309020205020404" pitchFamily="49" charset="0"/>
-              </a:rPr>
-              <a:t>=</a:t>
-            </a:r>
-            <a:r>
-              <a:rPr lang="en-US" i="1" dirty="0">
-                <a:solidFill>
-                  <a:srgbClr val="E0E2E4"/>
-                </a:solidFill>
-                <a:latin typeface="Courier New" panose="02070309020205020404" pitchFamily="49" charset="0"/>
-              </a:rPr>
-              <a:t> </a:t>
-            </a:r>
-            <a:r>
-              <a:rPr lang="en-US" i="1" dirty="0">
-                <a:solidFill>
-                  <a:srgbClr val="93C763"/>
-                </a:solidFill>
-                <a:latin typeface="Courier New" panose="02070309020205020404" pitchFamily="49" charset="0"/>
-              </a:rPr>
-              <a:t>new</a:t>
-            </a:r>
-            <a:r>
-              <a:rPr lang="en-US" i="1" dirty="0">
-                <a:solidFill>
-                  <a:srgbClr val="E0E2E4"/>
-                </a:solidFill>
-                <a:latin typeface="Courier New" panose="02070309020205020404" pitchFamily="49" charset="0"/>
-              </a:rPr>
-              <a:t> Scanner</a:t>
-            </a:r>
-            <a:r>
-              <a:rPr lang="en-US" i="1" dirty="0">
-                <a:solidFill>
-                  <a:srgbClr val="E8E2B7"/>
-                </a:solidFill>
-                <a:latin typeface="Courier New" panose="02070309020205020404" pitchFamily="49" charset="0"/>
-              </a:rPr>
-              <a:t>(</a:t>
-            </a:r>
-            <a:r>
-              <a:rPr lang="en-US" i="1" dirty="0">
-                <a:solidFill>
-                  <a:srgbClr val="E0E2E4"/>
-                </a:solidFill>
-                <a:latin typeface="Courier New" panose="02070309020205020404" pitchFamily="49" charset="0"/>
-              </a:rPr>
-              <a:t>line</a:t>
-            </a:r>
-            <a:r>
-              <a:rPr lang="en-US" i="1" dirty="0" smtClean="0">
-                <a:solidFill>
-                  <a:srgbClr val="E8E2B7"/>
-                </a:solidFill>
-                <a:latin typeface="Courier New" panose="02070309020205020404" pitchFamily="49" charset="0"/>
-              </a:rPr>
-              <a:t>);</a:t>
-            </a:r>
-          </a:p>
-          <a:p>
-            <a:pPr marL="0" indent="0">
-              <a:buNone/>
-            </a:pPr>
-            <a:r>
-              <a:rPr lang="en-US" i="1" dirty="0" smtClean="0">
-                <a:solidFill>
-                  <a:srgbClr val="E0E2E4"/>
-                </a:solidFill>
-                <a:latin typeface="Courier New" panose="02070309020205020404" pitchFamily="49" charset="0"/>
-              </a:rPr>
-              <a:t> 	</a:t>
-            </a:r>
-            <a:r>
-              <a:rPr lang="en-US" i="1" dirty="0" smtClean="0">
-                <a:solidFill>
-                  <a:srgbClr val="93C763"/>
-                </a:solidFill>
-                <a:latin typeface="Courier New" panose="02070309020205020404" pitchFamily="49" charset="0"/>
-              </a:rPr>
-              <a:t>this</a:t>
-            </a:r>
-            <a:r>
-              <a:rPr lang="en-US" i="1" dirty="0" smtClean="0">
-                <a:solidFill>
-                  <a:srgbClr val="E8E2B7"/>
-                </a:solidFill>
-                <a:latin typeface="Courier New" panose="02070309020205020404" pitchFamily="49" charset="0"/>
-              </a:rPr>
-              <a:t>.</a:t>
-            </a:r>
-            <a:r>
-              <a:rPr lang="en-US" i="1" dirty="0" smtClean="0">
-                <a:solidFill>
-                  <a:srgbClr val="E0E2E4"/>
-                </a:solidFill>
-                <a:latin typeface="Courier New" panose="02070309020205020404" pitchFamily="49" charset="0"/>
-              </a:rPr>
-              <a:t>name </a:t>
-            </a:r>
-            <a:r>
-              <a:rPr lang="en-US" i="1" dirty="0">
-                <a:solidFill>
-                  <a:srgbClr val="E8E2B7"/>
-                </a:solidFill>
-                <a:latin typeface="Courier New" panose="02070309020205020404" pitchFamily="49" charset="0"/>
-              </a:rPr>
-              <a:t>=</a:t>
-            </a:r>
-            <a:r>
-              <a:rPr lang="en-US" i="1" dirty="0">
-                <a:solidFill>
-                  <a:srgbClr val="E0E2E4"/>
-                </a:solidFill>
-                <a:latin typeface="Courier New" panose="02070309020205020404" pitchFamily="49" charset="0"/>
-              </a:rPr>
-              <a:t> </a:t>
-            </a:r>
-            <a:r>
-              <a:rPr lang="en-US" i="1" dirty="0" err="1" smtClean="0">
-                <a:solidFill>
-                  <a:srgbClr val="E0E2E4"/>
-                </a:solidFill>
-                <a:latin typeface="Courier New" panose="02070309020205020404" pitchFamily="49" charset="0"/>
-              </a:rPr>
-              <a:t>accountLine</a:t>
-            </a:r>
-            <a:r>
-              <a:rPr lang="en-US" i="1" dirty="0" err="1" smtClean="0">
-                <a:solidFill>
-                  <a:srgbClr val="E8E2B7"/>
-                </a:solidFill>
-                <a:latin typeface="Courier New" panose="02070309020205020404" pitchFamily="49" charset="0"/>
-              </a:rPr>
-              <a:t>.</a:t>
-            </a:r>
-            <a:r>
-              <a:rPr lang="en-US" i="1" dirty="0" err="1" smtClean="0">
-                <a:solidFill>
-                  <a:srgbClr val="E0E2E4"/>
-                </a:solidFill>
-                <a:latin typeface="Courier New" panose="02070309020205020404" pitchFamily="49" charset="0"/>
-              </a:rPr>
-              <a:t>next</a:t>
-            </a:r>
-            <a:r>
-              <a:rPr lang="en-US" i="1" dirty="0" smtClean="0">
-                <a:solidFill>
-                  <a:srgbClr val="E8E2B7"/>
-                </a:solidFill>
-                <a:latin typeface="Courier New" panose="02070309020205020404" pitchFamily="49" charset="0"/>
-              </a:rPr>
-              <a:t>();</a:t>
-            </a:r>
-          </a:p>
-          <a:p>
-            <a:pPr marL="0" indent="0">
-              <a:buNone/>
-            </a:pPr>
-            <a:r>
-              <a:rPr lang="en-US" i="1" dirty="0" smtClean="0">
-                <a:solidFill>
-                  <a:srgbClr val="E0E2E4"/>
-                </a:solidFill>
-                <a:latin typeface="Courier New" panose="02070309020205020404" pitchFamily="49" charset="0"/>
-              </a:rPr>
-              <a:t> 	</a:t>
-            </a:r>
-            <a:r>
-              <a:rPr lang="en-US" i="1" dirty="0" smtClean="0">
-                <a:solidFill>
-                  <a:srgbClr val="93C763"/>
-                </a:solidFill>
-                <a:latin typeface="Courier New" panose="02070309020205020404" pitchFamily="49" charset="0"/>
-              </a:rPr>
-              <a:t>this</a:t>
-            </a:r>
-            <a:r>
-              <a:rPr lang="en-US" i="1" dirty="0" smtClean="0">
-                <a:solidFill>
-                  <a:srgbClr val="E8E2B7"/>
-                </a:solidFill>
-                <a:latin typeface="Courier New" panose="02070309020205020404" pitchFamily="49" charset="0"/>
-              </a:rPr>
-              <a:t>.</a:t>
-            </a:r>
-            <a:r>
-              <a:rPr lang="en-US" i="1" dirty="0" smtClean="0">
-                <a:solidFill>
-                  <a:srgbClr val="E0E2E4"/>
-                </a:solidFill>
-                <a:latin typeface="Courier New" panose="02070309020205020404" pitchFamily="49" charset="0"/>
-              </a:rPr>
-              <a:t>id </a:t>
-            </a:r>
-            <a:r>
-              <a:rPr lang="en-US" i="1" dirty="0">
-                <a:solidFill>
-                  <a:srgbClr val="E8E2B7"/>
-                </a:solidFill>
-                <a:latin typeface="Courier New" panose="02070309020205020404" pitchFamily="49" charset="0"/>
-              </a:rPr>
-              <a:t>=</a:t>
-            </a:r>
-            <a:r>
-              <a:rPr lang="en-US" i="1" dirty="0">
-                <a:solidFill>
-                  <a:srgbClr val="E0E2E4"/>
-                </a:solidFill>
-                <a:latin typeface="Courier New" panose="02070309020205020404" pitchFamily="49" charset="0"/>
-              </a:rPr>
-              <a:t> </a:t>
-            </a:r>
-            <a:r>
-              <a:rPr lang="en-US" i="1" dirty="0" err="1">
-                <a:solidFill>
-                  <a:srgbClr val="E0E2E4"/>
-                </a:solidFill>
-                <a:latin typeface="Courier New" panose="02070309020205020404" pitchFamily="49" charset="0"/>
-              </a:rPr>
-              <a:t>accountLine</a:t>
-            </a:r>
-            <a:r>
-              <a:rPr lang="en-US" i="1" dirty="0" err="1">
-                <a:solidFill>
-                  <a:srgbClr val="E8E2B7"/>
-                </a:solidFill>
-                <a:latin typeface="Courier New" panose="02070309020205020404" pitchFamily="49" charset="0"/>
-              </a:rPr>
-              <a:t>.</a:t>
-            </a:r>
-            <a:r>
-              <a:rPr lang="en-US" i="1" dirty="0" err="1">
-                <a:solidFill>
-                  <a:srgbClr val="E0E2E4"/>
-                </a:solidFill>
-                <a:latin typeface="Courier New" panose="02070309020205020404" pitchFamily="49" charset="0"/>
-              </a:rPr>
-              <a:t>nextInt</a:t>
-            </a:r>
-            <a:r>
-              <a:rPr lang="en-US" i="1" dirty="0" smtClean="0">
-                <a:solidFill>
-                  <a:srgbClr val="E8E2B7"/>
-                </a:solidFill>
-                <a:latin typeface="Courier New" panose="02070309020205020404" pitchFamily="49" charset="0"/>
-              </a:rPr>
-              <a:t>();</a:t>
-            </a:r>
-          </a:p>
-          <a:p>
-            <a:pPr marL="0" indent="0">
-              <a:buNone/>
-            </a:pPr>
-            <a:r>
-              <a:rPr lang="en-US" i="1" dirty="0" smtClean="0">
-                <a:solidFill>
-                  <a:srgbClr val="E0E2E4"/>
-                </a:solidFill>
-                <a:latin typeface="Courier New" panose="02070309020205020404" pitchFamily="49" charset="0"/>
-              </a:rPr>
-              <a:t> 	</a:t>
-            </a:r>
-            <a:r>
-              <a:rPr lang="en-US" i="1" dirty="0" err="1" smtClean="0">
-                <a:solidFill>
-                  <a:srgbClr val="93C763"/>
-                </a:solidFill>
-                <a:latin typeface="Courier New" panose="02070309020205020404" pitchFamily="49" charset="0"/>
-              </a:rPr>
-              <a:t>this</a:t>
-            </a:r>
-            <a:r>
-              <a:rPr lang="en-US" i="1" dirty="0" err="1" smtClean="0">
-                <a:solidFill>
-                  <a:srgbClr val="E8E2B7"/>
-                </a:solidFill>
-                <a:latin typeface="Courier New" panose="02070309020205020404" pitchFamily="49" charset="0"/>
-              </a:rPr>
-              <a:t>.</a:t>
-            </a:r>
-            <a:r>
-              <a:rPr lang="en-US" i="1" dirty="0" err="1" smtClean="0">
-                <a:solidFill>
-                  <a:srgbClr val="E0E2E4"/>
-                </a:solidFill>
-                <a:latin typeface="Courier New" panose="02070309020205020404" pitchFamily="49" charset="0"/>
-              </a:rPr>
-              <a:t>balance</a:t>
-            </a:r>
-            <a:r>
-              <a:rPr lang="en-US" i="1" dirty="0" smtClean="0">
-                <a:solidFill>
-                  <a:srgbClr val="E0E2E4"/>
-                </a:solidFill>
-                <a:latin typeface="Courier New" panose="02070309020205020404" pitchFamily="49" charset="0"/>
-              </a:rPr>
-              <a:t> </a:t>
-            </a:r>
-            <a:r>
-              <a:rPr lang="en-US" i="1" dirty="0">
-                <a:solidFill>
-                  <a:srgbClr val="E8E2B7"/>
-                </a:solidFill>
-                <a:latin typeface="Courier New" panose="02070309020205020404" pitchFamily="49" charset="0"/>
-              </a:rPr>
-              <a:t>=</a:t>
-            </a:r>
-            <a:r>
-              <a:rPr lang="en-US" i="1" dirty="0">
-                <a:solidFill>
-                  <a:srgbClr val="E0E2E4"/>
-                </a:solidFill>
-                <a:latin typeface="Courier New" panose="02070309020205020404" pitchFamily="49" charset="0"/>
-              </a:rPr>
-              <a:t> </a:t>
-            </a:r>
-            <a:r>
-              <a:rPr lang="en-US" i="1" dirty="0" err="1">
-                <a:solidFill>
-                  <a:srgbClr val="E0E2E4"/>
-                </a:solidFill>
-                <a:latin typeface="Courier New" panose="02070309020205020404" pitchFamily="49" charset="0"/>
-              </a:rPr>
-              <a:t>accountLine</a:t>
-            </a:r>
-            <a:r>
-              <a:rPr lang="en-US" i="1" dirty="0" err="1">
-                <a:solidFill>
-                  <a:srgbClr val="E8E2B7"/>
-                </a:solidFill>
-                <a:latin typeface="Courier New" panose="02070309020205020404" pitchFamily="49" charset="0"/>
-              </a:rPr>
-              <a:t>.</a:t>
-            </a:r>
-            <a:r>
-              <a:rPr lang="en-US" i="1" dirty="0" err="1">
-                <a:solidFill>
-                  <a:srgbClr val="E0E2E4"/>
-                </a:solidFill>
-                <a:latin typeface="Courier New" panose="02070309020205020404" pitchFamily="49" charset="0"/>
-              </a:rPr>
-              <a:t>nextFloat</a:t>
-            </a:r>
-            <a:r>
-              <a:rPr lang="en-US" i="1" dirty="0" smtClean="0">
-                <a:solidFill>
-                  <a:srgbClr val="E8E2B7"/>
-                </a:solidFill>
-                <a:latin typeface="Courier New" panose="02070309020205020404" pitchFamily="49" charset="0"/>
-              </a:rPr>
-              <a:t>();</a:t>
-            </a:r>
-          </a:p>
-          <a:p>
-            <a:pPr marL="0" indent="0">
-              <a:buNone/>
-            </a:pPr>
-            <a:r>
-              <a:rPr lang="en-US" i="1" smtClean="0">
-                <a:solidFill>
-                  <a:srgbClr val="E8E2B7"/>
-                </a:solidFill>
-                <a:latin typeface="Courier New" panose="02070309020205020404" pitchFamily="49" charset="0"/>
-              </a:rPr>
-              <a:t>}</a:t>
             </a:r>
             <a:endParaRPr lang="en-US" dirty="0"/>
           </a:p>
@@ -17270,7 +16573,7 @@
     </p:spTree>
     <p:extLst>
       <p:ext uri="{BB962C8B-B14F-4D97-AF65-F5344CB8AC3E}">
-        <p14:creationId xmlns:p14="http://schemas.microsoft.com/office/powerpoint/2010/main" val="721000061"/>
+        <p14:creationId xmlns:p14="http://schemas.microsoft.com/office/powerpoint/2010/main" val="1693339205"/>
       </p:ext>
     </p:extLst>
   </p:cSld>
@@ -17320,6 +16623,1084 @@
           <a:lstStyle/>
           <a:p>
             <a:r>
+              <a:rPr lang="en-US" altLang="en-US" dirty="0"/>
+              <a:t>Multiple types on one line</a:t>
+            </a:r>
+            <a:endParaRPr lang="en-US" dirty="0"/>
+          </a:p>
+        </p:txBody>
+      </p:sp>
+      <p:sp>
+        <p:nvSpPr>
+          <p:cNvPr id="3" name="Content Placeholder 2"/>
+          <p:cNvSpPr>
+            <a:spLocks noGrp="1"/>
+          </p:cNvSpPr>
+          <p:nvPr>
+            <p:ph idx="1"/>
+          </p:nvPr>
+        </p:nvSpPr>
+        <p:spPr/>
+        <p:txBody>
+          <a:bodyPr>
+            <a:normAutofit fontScale="70000" lnSpcReduction="20000"/>
+          </a:bodyPr>
+          <a:lstStyle/>
+          <a:p>
+            <a:pPr marL="0" indent="0">
+              <a:buNone/>
+            </a:pPr>
+            <a:r>
+              <a:rPr lang="en-US" i="1" dirty="0">
+                <a:solidFill>
+                  <a:srgbClr val="66747B"/>
+                </a:solidFill>
+                <a:latin typeface="Courier New" panose="02070309020205020404" pitchFamily="49" charset="0"/>
+              </a:rPr>
+              <a:t>// Name, id, </a:t>
+            </a:r>
+            <a:r>
+              <a:rPr lang="en-US" i="1" dirty="0" smtClean="0">
+                <a:solidFill>
+                  <a:srgbClr val="66747B"/>
+                </a:solidFill>
+                <a:latin typeface="Courier New" panose="02070309020205020404" pitchFamily="49" charset="0"/>
+              </a:rPr>
+              <a:t>balance</a:t>
+            </a:r>
+          </a:p>
+          <a:p>
+            <a:pPr marL="0" indent="0">
+              <a:buNone/>
+            </a:pPr>
+            <a:r>
+              <a:rPr lang="en-US" i="1" dirty="0" smtClean="0">
+                <a:solidFill>
+                  <a:srgbClr val="E0E2E4"/>
+                </a:solidFill>
+                <a:latin typeface="Courier New" panose="02070309020205020404" pitchFamily="49" charset="0"/>
+              </a:rPr>
+              <a:t>Scanner </a:t>
+            </a:r>
+            <a:r>
+              <a:rPr lang="en-US" i="1" dirty="0" err="1">
+                <a:solidFill>
+                  <a:srgbClr val="E0E2E4"/>
+                </a:solidFill>
+                <a:latin typeface="Courier New" panose="02070309020205020404" pitchFamily="49" charset="0"/>
+              </a:rPr>
+              <a:t>inFile</a:t>
+            </a:r>
+            <a:r>
+              <a:rPr lang="en-US" i="1" dirty="0">
+                <a:solidFill>
+                  <a:srgbClr val="E0E2E4"/>
+                </a:solidFill>
+                <a:latin typeface="Courier New" panose="02070309020205020404" pitchFamily="49" charset="0"/>
+              </a:rPr>
+              <a:t> </a:t>
+            </a:r>
+            <a:r>
+              <a:rPr lang="en-US" i="1" dirty="0">
+                <a:solidFill>
+                  <a:srgbClr val="E8E2B7"/>
+                </a:solidFill>
+                <a:latin typeface="Courier New" panose="02070309020205020404" pitchFamily="49" charset="0"/>
+              </a:rPr>
+              <a:t>=</a:t>
+            </a:r>
+            <a:r>
+              <a:rPr lang="en-US" i="1" dirty="0">
+                <a:solidFill>
+                  <a:srgbClr val="E0E2E4"/>
+                </a:solidFill>
+                <a:latin typeface="Courier New" panose="02070309020205020404" pitchFamily="49" charset="0"/>
+              </a:rPr>
+              <a:t> </a:t>
+            </a:r>
+            <a:r>
+              <a:rPr lang="en-US" i="1" dirty="0">
+                <a:solidFill>
+                  <a:srgbClr val="93C763"/>
+                </a:solidFill>
+                <a:latin typeface="Courier New" panose="02070309020205020404" pitchFamily="49" charset="0"/>
+              </a:rPr>
+              <a:t>new</a:t>
+            </a:r>
+            <a:r>
+              <a:rPr lang="en-US" i="1" dirty="0">
+                <a:solidFill>
+                  <a:srgbClr val="E0E2E4"/>
+                </a:solidFill>
+                <a:latin typeface="Courier New" panose="02070309020205020404" pitchFamily="49" charset="0"/>
+              </a:rPr>
+              <a:t> Scanner</a:t>
+            </a:r>
+            <a:r>
+              <a:rPr lang="en-US" i="1" dirty="0">
+                <a:solidFill>
+                  <a:srgbClr val="E8E2B7"/>
+                </a:solidFill>
+                <a:latin typeface="Courier New" panose="02070309020205020404" pitchFamily="49" charset="0"/>
+              </a:rPr>
+              <a:t>(</a:t>
+            </a:r>
+            <a:r>
+              <a:rPr lang="en-US" i="1" dirty="0">
+                <a:solidFill>
+                  <a:srgbClr val="93C763"/>
+                </a:solidFill>
+                <a:latin typeface="Courier New" panose="02070309020205020404" pitchFamily="49" charset="0"/>
+              </a:rPr>
+              <a:t>new</a:t>
+            </a:r>
+            <a:r>
+              <a:rPr lang="en-US" i="1" dirty="0">
+                <a:solidFill>
+                  <a:srgbClr val="E0E2E4"/>
+                </a:solidFill>
+                <a:latin typeface="Courier New" panose="02070309020205020404" pitchFamily="49" charset="0"/>
+              </a:rPr>
+              <a:t> File</a:t>
+            </a:r>
+            <a:r>
+              <a:rPr lang="en-US" i="1" dirty="0">
+                <a:solidFill>
+                  <a:srgbClr val="E8E2B7"/>
+                </a:solidFill>
+                <a:latin typeface="Courier New" panose="02070309020205020404" pitchFamily="49" charset="0"/>
+              </a:rPr>
+              <a:t>(</a:t>
+            </a:r>
+            <a:r>
+              <a:rPr lang="en-US" i="1" dirty="0">
+                <a:solidFill>
+                  <a:srgbClr val="E0E2E4"/>
+                </a:solidFill>
+                <a:latin typeface="Courier New" panose="02070309020205020404" pitchFamily="49" charset="0"/>
+              </a:rPr>
+              <a:t>“in</a:t>
+            </a:r>
+            <a:r>
+              <a:rPr lang="en-US" i="1" dirty="0">
+                <a:solidFill>
+                  <a:srgbClr val="E8E2B7"/>
+                </a:solidFill>
+                <a:latin typeface="Courier New" panose="02070309020205020404" pitchFamily="49" charset="0"/>
+              </a:rPr>
+              <a:t>.</a:t>
+            </a:r>
+            <a:r>
+              <a:rPr lang="en-US" i="1" dirty="0">
+                <a:solidFill>
+                  <a:srgbClr val="E0E2E4"/>
+                </a:solidFill>
+                <a:latin typeface="Courier New" panose="02070309020205020404" pitchFamily="49" charset="0"/>
+              </a:rPr>
+              <a:t>txt</a:t>
+            </a:r>
+            <a:r>
+              <a:rPr lang="en-US" i="1" dirty="0" smtClean="0">
+                <a:solidFill>
+                  <a:srgbClr val="E0E2E4"/>
+                </a:solidFill>
+                <a:latin typeface="Courier New" panose="02070309020205020404" pitchFamily="49" charset="0"/>
+              </a:rPr>
+              <a:t>"));</a:t>
+            </a:r>
+          </a:p>
+          <a:p>
+            <a:pPr marL="0" indent="0">
+              <a:buNone/>
+            </a:pPr>
+            <a:r>
+              <a:rPr lang="en-US" i="1" dirty="0" smtClean="0">
+                <a:solidFill>
+                  <a:srgbClr val="E0E2E4"/>
+                </a:solidFill>
+                <a:latin typeface="Courier New" panose="02070309020205020404" pitchFamily="49" charset="0"/>
+              </a:rPr>
+              <a:t>String line</a:t>
+            </a:r>
+            <a:r>
+              <a:rPr lang="en-US" i="1" dirty="0" smtClean="0">
+                <a:solidFill>
+                  <a:srgbClr val="E8E2B7"/>
+                </a:solidFill>
+                <a:latin typeface="Courier New" panose="02070309020205020404" pitchFamily="49" charset="0"/>
+              </a:rPr>
+              <a:t>;</a:t>
+            </a:r>
+            <a:endParaRPr lang="en-US" i="1" dirty="0" smtClean="0">
+              <a:solidFill>
+                <a:srgbClr val="E0E2E4"/>
+              </a:solidFill>
+              <a:latin typeface="Courier New" panose="02070309020205020404" pitchFamily="49" charset="0"/>
+            </a:endParaRPr>
+          </a:p>
+          <a:p>
+            <a:pPr marL="0" indent="0">
+              <a:buNone/>
+            </a:pPr>
+            <a:r>
+              <a:rPr lang="en-US" i="1" dirty="0" smtClean="0">
+                <a:solidFill>
+                  <a:srgbClr val="93C763"/>
+                </a:solidFill>
+                <a:latin typeface="Courier New" panose="02070309020205020404" pitchFamily="49" charset="0"/>
+              </a:rPr>
+              <a:t>while</a:t>
+            </a:r>
+            <a:r>
+              <a:rPr lang="en-US" i="1" dirty="0" smtClean="0">
+                <a:solidFill>
+                  <a:srgbClr val="E0E2E4"/>
+                </a:solidFill>
+                <a:latin typeface="Courier New" panose="02070309020205020404" pitchFamily="49" charset="0"/>
+              </a:rPr>
+              <a:t> </a:t>
+            </a:r>
+            <a:r>
+              <a:rPr lang="en-US" i="1" dirty="0">
+                <a:solidFill>
+                  <a:srgbClr val="E8E2B7"/>
+                </a:solidFill>
+                <a:latin typeface="Courier New" panose="02070309020205020404" pitchFamily="49" charset="0"/>
+              </a:rPr>
+              <a:t>(</a:t>
+            </a:r>
+            <a:r>
+              <a:rPr lang="en-US" i="1" dirty="0" err="1">
+                <a:solidFill>
+                  <a:srgbClr val="E0E2E4"/>
+                </a:solidFill>
+                <a:latin typeface="Courier New" panose="02070309020205020404" pitchFamily="49" charset="0"/>
+              </a:rPr>
+              <a:t>inFile</a:t>
+            </a:r>
+            <a:r>
+              <a:rPr lang="en-US" i="1" dirty="0" err="1">
+                <a:solidFill>
+                  <a:srgbClr val="E8E2B7"/>
+                </a:solidFill>
+                <a:latin typeface="Courier New" panose="02070309020205020404" pitchFamily="49" charset="0"/>
+              </a:rPr>
+              <a:t>.</a:t>
+            </a:r>
+            <a:r>
+              <a:rPr lang="en-US" i="1" dirty="0" err="1">
+                <a:solidFill>
+                  <a:srgbClr val="E0E2E4"/>
+                </a:solidFill>
+                <a:latin typeface="Courier New" panose="02070309020205020404" pitchFamily="49" charset="0"/>
+              </a:rPr>
+              <a:t>hasNextLine</a:t>
+            </a:r>
+            <a:r>
+              <a:rPr lang="en-US" i="1" dirty="0" smtClean="0">
+                <a:solidFill>
+                  <a:srgbClr val="E8E2B7"/>
+                </a:solidFill>
+                <a:latin typeface="Courier New" panose="02070309020205020404" pitchFamily="49" charset="0"/>
+              </a:rPr>
+              <a:t>()){</a:t>
+            </a:r>
+            <a:endParaRPr lang="en-US" i="1" dirty="0" smtClean="0">
+              <a:solidFill>
+                <a:srgbClr val="E0E2E4"/>
+              </a:solidFill>
+              <a:latin typeface="Courier New" panose="02070309020205020404" pitchFamily="49" charset="0"/>
+            </a:endParaRPr>
+          </a:p>
+          <a:p>
+            <a:pPr marL="0" indent="0">
+              <a:buNone/>
+            </a:pPr>
+            <a:r>
+              <a:rPr lang="en-US" i="1" dirty="0">
+                <a:solidFill>
+                  <a:srgbClr val="E0E2E4"/>
+                </a:solidFill>
+                <a:latin typeface="Courier New" panose="02070309020205020404" pitchFamily="49" charset="0"/>
+              </a:rPr>
+              <a:t>	</a:t>
+            </a:r>
+            <a:r>
+              <a:rPr lang="en-US" i="1" dirty="0" smtClean="0">
+                <a:solidFill>
+                  <a:srgbClr val="E0E2E4"/>
+                </a:solidFill>
+                <a:latin typeface="Courier New" panose="02070309020205020404" pitchFamily="49" charset="0"/>
+              </a:rPr>
+              <a:t>line </a:t>
+            </a:r>
+            <a:r>
+              <a:rPr lang="en-US" i="1" dirty="0">
+                <a:solidFill>
+                  <a:srgbClr val="E8E2B7"/>
+                </a:solidFill>
+                <a:latin typeface="Courier New" panose="02070309020205020404" pitchFamily="49" charset="0"/>
+              </a:rPr>
+              <a:t>=</a:t>
+            </a:r>
+            <a:r>
+              <a:rPr lang="en-US" i="1" dirty="0">
+                <a:solidFill>
+                  <a:srgbClr val="E0E2E4"/>
+                </a:solidFill>
+                <a:latin typeface="Courier New" panose="02070309020205020404" pitchFamily="49" charset="0"/>
+              </a:rPr>
+              <a:t> </a:t>
+            </a:r>
+            <a:r>
+              <a:rPr lang="en-US" i="1" dirty="0" err="1">
+                <a:solidFill>
+                  <a:srgbClr val="E0E2E4"/>
+                </a:solidFill>
+                <a:latin typeface="Courier New" panose="02070309020205020404" pitchFamily="49" charset="0"/>
+              </a:rPr>
+              <a:t>inFile</a:t>
+            </a:r>
+            <a:r>
+              <a:rPr lang="en-US" i="1" dirty="0" err="1">
+                <a:solidFill>
+                  <a:srgbClr val="E8E2B7"/>
+                </a:solidFill>
+                <a:latin typeface="Courier New" panose="02070309020205020404" pitchFamily="49" charset="0"/>
+              </a:rPr>
+              <a:t>.</a:t>
+            </a:r>
+            <a:r>
+              <a:rPr lang="en-US" i="1" dirty="0" err="1">
+                <a:solidFill>
+                  <a:srgbClr val="E0E2E4"/>
+                </a:solidFill>
+                <a:latin typeface="Courier New" panose="02070309020205020404" pitchFamily="49" charset="0"/>
+              </a:rPr>
+              <a:t>nextLine</a:t>
+            </a:r>
+            <a:r>
+              <a:rPr lang="en-US" i="1" dirty="0" smtClean="0">
+                <a:solidFill>
+                  <a:srgbClr val="E8E2B7"/>
+                </a:solidFill>
+                <a:latin typeface="Courier New" panose="02070309020205020404" pitchFamily="49" charset="0"/>
+              </a:rPr>
+              <a:t>();</a:t>
+            </a:r>
+            <a:endParaRPr lang="en-US" i="1" dirty="0" smtClean="0">
+              <a:solidFill>
+                <a:srgbClr val="E0E2E4"/>
+              </a:solidFill>
+              <a:latin typeface="Courier New" panose="02070309020205020404" pitchFamily="49" charset="0"/>
+            </a:endParaRPr>
+          </a:p>
+          <a:p>
+            <a:pPr marL="0" indent="0">
+              <a:buNone/>
+            </a:pPr>
+            <a:r>
+              <a:rPr lang="en-US" i="1" dirty="0" smtClean="0">
+                <a:solidFill>
+                  <a:srgbClr val="E0E2E4"/>
+                </a:solidFill>
+                <a:latin typeface="Courier New" panose="02070309020205020404" pitchFamily="49" charset="0"/>
+              </a:rPr>
+              <a:t>	Account </a:t>
+            </a:r>
+            <a:r>
+              <a:rPr lang="en-US" i="1" dirty="0">
+                <a:solidFill>
+                  <a:srgbClr val="E0E2E4"/>
+                </a:solidFill>
+                <a:latin typeface="Courier New" panose="02070309020205020404" pitchFamily="49" charset="0"/>
+              </a:rPr>
+              <a:t>account </a:t>
+            </a:r>
+            <a:r>
+              <a:rPr lang="en-US" i="1" dirty="0">
+                <a:solidFill>
+                  <a:srgbClr val="E8E2B7"/>
+                </a:solidFill>
+                <a:latin typeface="Courier New" panose="02070309020205020404" pitchFamily="49" charset="0"/>
+              </a:rPr>
+              <a:t>=</a:t>
+            </a:r>
+            <a:r>
+              <a:rPr lang="en-US" i="1" dirty="0">
+                <a:solidFill>
+                  <a:srgbClr val="E0E2E4"/>
+                </a:solidFill>
+                <a:latin typeface="Courier New" panose="02070309020205020404" pitchFamily="49" charset="0"/>
+              </a:rPr>
+              <a:t> </a:t>
+            </a:r>
+            <a:r>
+              <a:rPr lang="en-US" i="1" dirty="0">
+                <a:solidFill>
+                  <a:srgbClr val="93C763"/>
+                </a:solidFill>
+                <a:latin typeface="Courier New" panose="02070309020205020404" pitchFamily="49" charset="0"/>
+              </a:rPr>
+              <a:t>new</a:t>
+            </a:r>
+            <a:r>
+              <a:rPr lang="en-US" i="1" dirty="0">
+                <a:solidFill>
+                  <a:srgbClr val="E0E2E4"/>
+                </a:solidFill>
+                <a:latin typeface="Courier New" panose="02070309020205020404" pitchFamily="49" charset="0"/>
+              </a:rPr>
+              <a:t> Account</a:t>
+            </a:r>
+            <a:r>
+              <a:rPr lang="en-US" i="1" dirty="0">
+                <a:solidFill>
+                  <a:srgbClr val="E8E2B7"/>
+                </a:solidFill>
+                <a:latin typeface="Courier New" panose="02070309020205020404" pitchFamily="49" charset="0"/>
+              </a:rPr>
+              <a:t>(</a:t>
+            </a:r>
+            <a:r>
+              <a:rPr lang="en-US" i="1" dirty="0">
+                <a:solidFill>
+                  <a:srgbClr val="E0E2E4"/>
+                </a:solidFill>
+                <a:latin typeface="Courier New" panose="02070309020205020404" pitchFamily="49" charset="0"/>
+              </a:rPr>
+              <a:t>line</a:t>
+            </a:r>
+            <a:r>
+              <a:rPr lang="en-US" i="1" dirty="0" smtClean="0">
+                <a:solidFill>
+                  <a:srgbClr val="E8E2B7"/>
+                </a:solidFill>
+                <a:latin typeface="Courier New" panose="02070309020205020404" pitchFamily="49" charset="0"/>
+              </a:rPr>
+              <a:t>);</a:t>
+            </a:r>
+            <a:endParaRPr lang="en-US" i="1" dirty="0" smtClean="0">
+              <a:solidFill>
+                <a:srgbClr val="E0E2E4"/>
+              </a:solidFill>
+              <a:latin typeface="Courier New" panose="02070309020205020404" pitchFamily="49" charset="0"/>
+            </a:endParaRPr>
+          </a:p>
+          <a:p>
+            <a:pPr marL="0" indent="0">
+              <a:buNone/>
+            </a:pPr>
+            <a:r>
+              <a:rPr lang="en-US" i="1" dirty="0" smtClean="0">
+                <a:solidFill>
+                  <a:srgbClr val="E8E2B7"/>
+                </a:solidFill>
+                <a:latin typeface="Courier New" panose="02070309020205020404" pitchFamily="49" charset="0"/>
+              </a:rPr>
+              <a:t>}</a:t>
+            </a:r>
+          </a:p>
+          <a:p>
+            <a:pPr marL="0" indent="0">
+              <a:buNone/>
+            </a:pPr>
+            <a:r>
+              <a:rPr lang="en-US" i="1" dirty="0" smtClean="0">
+                <a:solidFill>
+                  <a:srgbClr val="66747B"/>
+                </a:solidFill>
+                <a:latin typeface="Courier New" panose="02070309020205020404" pitchFamily="49" charset="0"/>
+              </a:rPr>
+              <a:t>// </a:t>
+            </a:r>
+            <a:r>
+              <a:rPr lang="en-US" i="1" dirty="0">
+                <a:solidFill>
+                  <a:srgbClr val="66747B"/>
+                </a:solidFill>
+                <a:latin typeface="Courier New" panose="02070309020205020404" pitchFamily="49" charset="0"/>
+              </a:rPr>
+              <a:t>constructor </a:t>
+            </a:r>
+            <a:endParaRPr lang="en-US" i="1" dirty="0">
+              <a:solidFill>
+                <a:srgbClr val="E0E2E4"/>
+              </a:solidFill>
+              <a:latin typeface="Courier New" panose="02070309020205020404" pitchFamily="49" charset="0"/>
+            </a:endParaRPr>
+          </a:p>
+          <a:p>
+            <a:pPr marL="0" indent="0">
+              <a:buNone/>
+            </a:pPr>
+            <a:r>
+              <a:rPr lang="en-US" i="1" dirty="0" smtClean="0">
+                <a:solidFill>
+                  <a:srgbClr val="678CB1"/>
+                </a:solidFill>
+                <a:latin typeface="Courier New" panose="02070309020205020404" pitchFamily="49" charset="0"/>
+              </a:rPr>
+              <a:t>public</a:t>
+            </a:r>
+            <a:r>
+              <a:rPr lang="en-US" i="1" dirty="0" smtClean="0">
+                <a:solidFill>
+                  <a:srgbClr val="E0E2E4"/>
+                </a:solidFill>
+                <a:latin typeface="Courier New" panose="02070309020205020404" pitchFamily="49" charset="0"/>
+              </a:rPr>
+              <a:t> </a:t>
+            </a:r>
+            <a:r>
+              <a:rPr lang="en-US" i="1" dirty="0">
+                <a:solidFill>
+                  <a:srgbClr val="E0E2E4"/>
+                </a:solidFill>
+                <a:latin typeface="Courier New" panose="02070309020205020404" pitchFamily="49" charset="0"/>
+              </a:rPr>
+              <a:t>Account</a:t>
+            </a:r>
+            <a:r>
+              <a:rPr lang="en-US" i="1" dirty="0">
+                <a:solidFill>
+                  <a:srgbClr val="E8E2B7"/>
+                </a:solidFill>
+                <a:latin typeface="Courier New" panose="02070309020205020404" pitchFamily="49" charset="0"/>
+              </a:rPr>
+              <a:t>(</a:t>
+            </a:r>
+            <a:r>
+              <a:rPr lang="en-US" i="1" dirty="0">
+                <a:solidFill>
+                  <a:srgbClr val="E0E2E4"/>
+                </a:solidFill>
+                <a:latin typeface="Courier New" panose="02070309020205020404" pitchFamily="49" charset="0"/>
+              </a:rPr>
+              <a:t>String line</a:t>
+            </a:r>
+            <a:r>
+              <a:rPr lang="en-US" i="1" dirty="0" smtClean="0">
+                <a:solidFill>
+                  <a:srgbClr val="E8E2B7"/>
+                </a:solidFill>
+                <a:latin typeface="Courier New" panose="02070309020205020404" pitchFamily="49" charset="0"/>
+              </a:rPr>
+              <a:t>)</a:t>
+            </a:r>
+            <a:r>
+              <a:rPr lang="en-US" i="1" dirty="0" smtClean="0">
+                <a:solidFill>
+                  <a:srgbClr val="E0E2E4"/>
+                </a:solidFill>
+                <a:latin typeface="Courier New" panose="02070309020205020404" pitchFamily="49" charset="0"/>
+              </a:rPr>
+              <a:t> </a:t>
+            </a:r>
+            <a:r>
+              <a:rPr lang="en-US" i="1" dirty="0" smtClean="0">
+                <a:solidFill>
+                  <a:srgbClr val="E8E2B7"/>
+                </a:solidFill>
+                <a:latin typeface="Courier New" panose="02070309020205020404" pitchFamily="49" charset="0"/>
+              </a:rPr>
+              <a:t>{</a:t>
+            </a:r>
+          </a:p>
+          <a:p>
+            <a:pPr marL="0" indent="0">
+              <a:buNone/>
+            </a:pPr>
+            <a:r>
+              <a:rPr lang="en-US" i="1" dirty="0">
+                <a:solidFill>
+                  <a:srgbClr val="E0E2E4"/>
+                </a:solidFill>
+                <a:latin typeface="Courier New" panose="02070309020205020404" pitchFamily="49" charset="0"/>
+              </a:rPr>
+              <a:t>	</a:t>
+            </a:r>
+            <a:r>
+              <a:rPr lang="en-US" i="1" dirty="0" smtClean="0">
+                <a:solidFill>
+                  <a:srgbClr val="E0E2E4"/>
+                </a:solidFill>
+                <a:latin typeface="Courier New" panose="02070309020205020404" pitchFamily="49" charset="0"/>
+              </a:rPr>
+              <a:t>Scanner </a:t>
+            </a:r>
+            <a:r>
+              <a:rPr lang="en-US" i="1" dirty="0" err="1">
+                <a:solidFill>
+                  <a:srgbClr val="E0E2E4"/>
+                </a:solidFill>
+                <a:latin typeface="Courier New" panose="02070309020205020404" pitchFamily="49" charset="0"/>
+              </a:rPr>
+              <a:t>accountLine</a:t>
+            </a:r>
+            <a:r>
+              <a:rPr lang="en-US" i="1" dirty="0">
+                <a:solidFill>
+                  <a:srgbClr val="E0E2E4"/>
+                </a:solidFill>
+                <a:latin typeface="Courier New" panose="02070309020205020404" pitchFamily="49" charset="0"/>
+              </a:rPr>
+              <a:t> </a:t>
+            </a:r>
+            <a:r>
+              <a:rPr lang="en-US" i="1" dirty="0">
+                <a:solidFill>
+                  <a:srgbClr val="E8E2B7"/>
+                </a:solidFill>
+                <a:latin typeface="Courier New" panose="02070309020205020404" pitchFamily="49" charset="0"/>
+              </a:rPr>
+              <a:t>=</a:t>
+            </a:r>
+            <a:r>
+              <a:rPr lang="en-US" i="1" dirty="0">
+                <a:solidFill>
+                  <a:srgbClr val="E0E2E4"/>
+                </a:solidFill>
+                <a:latin typeface="Courier New" panose="02070309020205020404" pitchFamily="49" charset="0"/>
+              </a:rPr>
+              <a:t> </a:t>
+            </a:r>
+            <a:r>
+              <a:rPr lang="en-US" i="1" dirty="0">
+                <a:solidFill>
+                  <a:srgbClr val="93C763"/>
+                </a:solidFill>
+                <a:latin typeface="Courier New" panose="02070309020205020404" pitchFamily="49" charset="0"/>
+              </a:rPr>
+              <a:t>new</a:t>
+            </a:r>
+            <a:r>
+              <a:rPr lang="en-US" i="1" dirty="0">
+                <a:solidFill>
+                  <a:srgbClr val="E0E2E4"/>
+                </a:solidFill>
+                <a:latin typeface="Courier New" panose="02070309020205020404" pitchFamily="49" charset="0"/>
+              </a:rPr>
+              <a:t> Scanner</a:t>
+            </a:r>
+            <a:r>
+              <a:rPr lang="en-US" i="1" dirty="0">
+                <a:solidFill>
+                  <a:srgbClr val="E8E2B7"/>
+                </a:solidFill>
+                <a:latin typeface="Courier New" panose="02070309020205020404" pitchFamily="49" charset="0"/>
+              </a:rPr>
+              <a:t>(</a:t>
+            </a:r>
+            <a:r>
+              <a:rPr lang="en-US" i="1" dirty="0">
+                <a:solidFill>
+                  <a:srgbClr val="E0E2E4"/>
+                </a:solidFill>
+                <a:latin typeface="Courier New" panose="02070309020205020404" pitchFamily="49" charset="0"/>
+              </a:rPr>
+              <a:t>line</a:t>
+            </a:r>
+            <a:r>
+              <a:rPr lang="en-US" i="1" dirty="0" smtClean="0">
+                <a:solidFill>
+                  <a:srgbClr val="E8E2B7"/>
+                </a:solidFill>
+                <a:latin typeface="Courier New" panose="02070309020205020404" pitchFamily="49" charset="0"/>
+              </a:rPr>
+              <a:t>);</a:t>
+            </a:r>
+          </a:p>
+          <a:p>
+            <a:pPr marL="0" indent="0">
+              <a:buNone/>
+            </a:pPr>
+            <a:r>
+              <a:rPr lang="en-US" i="1" dirty="0" smtClean="0">
+                <a:solidFill>
+                  <a:srgbClr val="E0E2E4"/>
+                </a:solidFill>
+                <a:latin typeface="Courier New" panose="02070309020205020404" pitchFamily="49" charset="0"/>
+              </a:rPr>
+              <a:t> 	</a:t>
+            </a:r>
+            <a:r>
+              <a:rPr lang="en-US" i="1" dirty="0" smtClean="0">
+                <a:solidFill>
+                  <a:srgbClr val="93C763"/>
+                </a:solidFill>
+                <a:latin typeface="Courier New" panose="02070309020205020404" pitchFamily="49" charset="0"/>
+              </a:rPr>
+              <a:t>this</a:t>
+            </a:r>
+            <a:r>
+              <a:rPr lang="en-US" i="1" dirty="0" smtClean="0">
+                <a:solidFill>
+                  <a:srgbClr val="E8E2B7"/>
+                </a:solidFill>
+                <a:latin typeface="Courier New" panose="02070309020205020404" pitchFamily="49" charset="0"/>
+              </a:rPr>
+              <a:t>.</a:t>
+            </a:r>
+            <a:r>
+              <a:rPr lang="en-US" i="1" dirty="0" smtClean="0">
+                <a:solidFill>
+                  <a:srgbClr val="E0E2E4"/>
+                </a:solidFill>
+                <a:latin typeface="Courier New" panose="02070309020205020404" pitchFamily="49" charset="0"/>
+              </a:rPr>
+              <a:t>name </a:t>
+            </a:r>
+            <a:r>
+              <a:rPr lang="en-US" i="1" dirty="0">
+                <a:solidFill>
+                  <a:srgbClr val="E8E2B7"/>
+                </a:solidFill>
+                <a:latin typeface="Courier New" panose="02070309020205020404" pitchFamily="49" charset="0"/>
+              </a:rPr>
+              <a:t>=</a:t>
+            </a:r>
+            <a:r>
+              <a:rPr lang="en-US" i="1" dirty="0">
+                <a:solidFill>
+                  <a:srgbClr val="E0E2E4"/>
+                </a:solidFill>
+                <a:latin typeface="Courier New" panose="02070309020205020404" pitchFamily="49" charset="0"/>
+              </a:rPr>
+              <a:t> </a:t>
+            </a:r>
+            <a:r>
+              <a:rPr lang="en-US" i="1" dirty="0" err="1" smtClean="0">
+                <a:solidFill>
+                  <a:srgbClr val="E0E2E4"/>
+                </a:solidFill>
+                <a:latin typeface="Courier New" panose="02070309020205020404" pitchFamily="49" charset="0"/>
+              </a:rPr>
+              <a:t>accountLine</a:t>
+            </a:r>
+            <a:r>
+              <a:rPr lang="en-US" i="1" dirty="0" err="1" smtClean="0">
+                <a:solidFill>
+                  <a:srgbClr val="E8E2B7"/>
+                </a:solidFill>
+                <a:latin typeface="Courier New" panose="02070309020205020404" pitchFamily="49" charset="0"/>
+              </a:rPr>
+              <a:t>.</a:t>
+            </a:r>
+            <a:r>
+              <a:rPr lang="en-US" i="1" dirty="0" err="1" smtClean="0">
+                <a:solidFill>
+                  <a:srgbClr val="E0E2E4"/>
+                </a:solidFill>
+                <a:latin typeface="Courier New" panose="02070309020205020404" pitchFamily="49" charset="0"/>
+              </a:rPr>
+              <a:t>next</a:t>
+            </a:r>
+            <a:r>
+              <a:rPr lang="en-US" i="1" dirty="0" smtClean="0">
+                <a:solidFill>
+                  <a:srgbClr val="E8E2B7"/>
+                </a:solidFill>
+                <a:latin typeface="Courier New" panose="02070309020205020404" pitchFamily="49" charset="0"/>
+              </a:rPr>
+              <a:t>();</a:t>
+            </a:r>
+          </a:p>
+          <a:p>
+            <a:pPr marL="0" indent="0">
+              <a:buNone/>
+            </a:pPr>
+            <a:r>
+              <a:rPr lang="en-US" i="1" dirty="0" smtClean="0">
+                <a:solidFill>
+                  <a:srgbClr val="E0E2E4"/>
+                </a:solidFill>
+                <a:latin typeface="Courier New" panose="02070309020205020404" pitchFamily="49" charset="0"/>
+              </a:rPr>
+              <a:t> 	</a:t>
+            </a:r>
+            <a:r>
+              <a:rPr lang="en-US" i="1" dirty="0" smtClean="0">
+                <a:solidFill>
+                  <a:srgbClr val="93C763"/>
+                </a:solidFill>
+                <a:latin typeface="Courier New" panose="02070309020205020404" pitchFamily="49" charset="0"/>
+              </a:rPr>
+              <a:t>this</a:t>
+            </a:r>
+            <a:r>
+              <a:rPr lang="en-US" i="1" dirty="0" smtClean="0">
+                <a:solidFill>
+                  <a:srgbClr val="E8E2B7"/>
+                </a:solidFill>
+                <a:latin typeface="Courier New" panose="02070309020205020404" pitchFamily="49" charset="0"/>
+              </a:rPr>
+              <a:t>.</a:t>
+            </a:r>
+            <a:r>
+              <a:rPr lang="en-US" i="1" dirty="0" smtClean="0">
+                <a:solidFill>
+                  <a:srgbClr val="E0E2E4"/>
+                </a:solidFill>
+                <a:latin typeface="Courier New" panose="02070309020205020404" pitchFamily="49" charset="0"/>
+              </a:rPr>
+              <a:t>id </a:t>
+            </a:r>
+            <a:r>
+              <a:rPr lang="en-US" i="1" dirty="0">
+                <a:solidFill>
+                  <a:srgbClr val="E8E2B7"/>
+                </a:solidFill>
+                <a:latin typeface="Courier New" panose="02070309020205020404" pitchFamily="49" charset="0"/>
+              </a:rPr>
+              <a:t>=</a:t>
+            </a:r>
+            <a:r>
+              <a:rPr lang="en-US" i="1" dirty="0">
+                <a:solidFill>
+                  <a:srgbClr val="E0E2E4"/>
+                </a:solidFill>
+                <a:latin typeface="Courier New" panose="02070309020205020404" pitchFamily="49" charset="0"/>
+              </a:rPr>
+              <a:t> </a:t>
+            </a:r>
+            <a:r>
+              <a:rPr lang="en-US" i="1" dirty="0" err="1">
+                <a:solidFill>
+                  <a:srgbClr val="E0E2E4"/>
+                </a:solidFill>
+                <a:latin typeface="Courier New" panose="02070309020205020404" pitchFamily="49" charset="0"/>
+              </a:rPr>
+              <a:t>accountLine</a:t>
+            </a:r>
+            <a:r>
+              <a:rPr lang="en-US" i="1" dirty="0" err="1">
+                <a:solidFill>
+                  <a:srgbClr val="E8E2B7"/>
+                </a:solidFill>
+                <a:latin typeface="Courier New" panose="02070309020205020404" pitchFamily="49" charset="0"/>
+              </a:rPr>
+              <a:t>.</a:t>
+            </a:r>
+            <a:r>
+              <a:rPr lang="en-US" i="1" dirty="0" err="1">
+                <a:solidFill>
+                  <a:srgbClr val="E0E2E4"/>
+                </a:solidFill>
+                <a:latin typeface="Courier New" panose="02070309020205020404" pitchFamily="49" charset="0"/>
+              </a:rPr>
+              <a:t>nextInt</a:t>
+            </a:r>
+            <a:r>
+              <a:rPr lang="en-US" i="1" dirty="0" smtClean="0">
+                <a:solidFill>
+                  <a:srgbClr val="E8E2B7"/>
+                </a:solidFill>
+                <a:latin typeface="Courier New" panose="02070309020205020404" pitchFamily="49" charset="0"/>
+              </a:rPr>
+              <a:t>();</a:t>
+            </a:r>
+          </a:p>
+          <a:p>
+            <a:pPr marL="0" indent="0">
+              <a:buNone/>
+            </a:pPr>
+            <a:r>
+              <a:rPr lang="en-US" i="1" dirty="0" smtClean="0">
+                <a:solidFill>
+                  <a:srgbClr val="E0E2E4"/>
+                </a:solidFill>
+                <a:latin typeface="Courier New" panose="02070309020205020404" pitchFamily="49" charset="0"/>
+              </a:rPr>
+              <a:t> 	</a:t>
+            </a:r>
+            <a:r>
+              <a:rPr lang="en-US" i="1" dirty="0" err="1" smtClean="0">
+                <a:solidFill>
+                  <a:srgbClr val="93C763"/>
+                </a:solidFill>
+                <a:latin typeface="Courier New" panose="02070309020205020404" pitchFamily="49" charset="0"/>
+              </a:rPr>
+              <a:t>this</a:t>
+            </a:r>
+            <a:r>
+              <a:rPr lang="en-US" i="1" dirty="0" err="1" smtClean="0">
+                <a:solidFill>
+                  <a:srgbClr val="E8E2B7"/>
+                </a:solidFill>
+                <a:latin typeface="Courier New" panose="02070309020205020404" pitchFamily="49" charset="0"/>
+              </a:rPr>
+              <a:t>.</a:t>
+            </a:r>
+            <a:r>
+              <a:rPr lang="en-US" i="1" dirty="0" err="1" smtClean="0">
+                <a:solidFill>
+                  <a:srgbClr val="E0E2E4"/>
+                </a:solidFill>
+                <a:latin typeface="Courier New" panose="02070309020205020404" pitchFamily="49" charset="0"/>
+              </a:rPr>
+              <a:t>balance</a:t>
+            </a:r>
+            <a:r>
+              <a:rPr lang="en-US" i="1" dirty="0" smtClean="0">
+                <a:solidFill>
+                  <a:srgbClr val="E0E2E4"/>
+                </a:solidFill>
+                <a:latin typeface="Courier New" panose="02070309020205020404" pitchFamily="49" charset="0"/>
+              </a:rPr>
+              <a:t> </a:t>
+            </a:r>
+            <a:r>
+              <a:rPr lang="en-US" i="1" dirty="0">
+                <a:solidFill>
+                  <a:srgbClr val="E8E2B7"/>
+                </a:solidFill>
+                <a:latin typeface="Courier New" panose="02070309020205020404" pitchFamily="49" charset="0"/>
+              </a:rPr>
+              <a:t>=</a:t>
+            </a:r>
+            <a:r>
+              <a:rPr lang="en-US" i="1" dirty="0">
+                <a:solidFill>
+                  <a:srgbClr val="E0E2E4"/>
+                </a:solidFill>
+                <a:latin typeface="Courier New" panose="02070309020205020404" pitchFamily="49" charset="0"/>
+              </a:rPr>
+              <a:t> </a:t>
+            </a:r>
+            <a:r>
+              <a:rPr lang="en-US" i="1" dirty="0" err="1">
+                <a:solidFill>
+                  <a:srgbClr val="E0E2E4"/>
+                </a:solidFill>
+                <a:latin typeface="Courier New" panose="02070309020205020404" pitchFamily="49" charset="0"/>
+              </a:rPr>
+              <a:t>accountLine</a:t>
+            </a:r>
+            <a:r>
+              <a:rPr lang="en-US" i="1" dirty="0" err="1">
+                <a:solidFill>
+                  <a:srgbClr val="E8E2B7"/>
+                </a:solidFill>
+                <a:latin typeface="Courier New" panose="02070309020205020404" pitchFamily="49" charset="0"/>
+              </a:rPr>
+              <a:t>.</a:t>
+            </a:r>
+            <a:r>
+              <a:rPr lang="en-US" i="1" dirty="0" err="1">
+                <a:solidFill>
+                  <a:srgbClr val="E0E2E4"/>
+                </a:solidFill>
+                <a:latin typeface="Courier New" panose="02070309020205020404" pitchFamily="49" charset="0"/>
+              </a:rPr>
+              <a:t>nextFloat</a:t>
+            </a:r>
+            <a:r>
+              <a:rPr lang="en-US" i="1" dirty="0" smtClean="0">
+                <a:solidFill>
+                  <a:srgbClr val="E8E2B7"/>
+                </a:solidFill>
+                <a:latin typeface="Courier New" panose="02070309020205020404" pitchFamily="49" charset="0"/>
+              </a:rPr>
+              <a:t>();</a:t>
+            </a:r>
+          </a:p>
+          <a:p>
+            <a:pPr marL="0" indent="0">
+              <a:buNone/>
+            </a:pPr>
+            <a:r>
+              <a:rPr lang="en-US" i="1" smtClean="0">
+                <a:solidFill>
+                  <a:srgbClr val="E8E2B7"/>
+                </a:solidFill>
+                <a:latin typeface="Courier New" panose="02070309020205020404" pitchFamily="49" charset="0"/>
+              </a:rPr>
+              <a:t>}</a:t>
+            </a:r>
+            <a:endParaRPr lang="en-US" dirty="0"/>
+          </a:p>
+          <a:p>
+            <a:endParaRPr lang="en-US" dirty="0"/>
+          </a:p>
+        </p:txBody>
+      </p:sp>
+      <p:sp>
+        <p:nvSpPr>
+          <p:cNvPr id="4" name="Slide Number Placeholder 3"/>
+          <p:cNvSpPr>
+            <a:spLocks noGrp="1"/>
+          </p:cNvSpPr>
+          <p:nvPr>
+            <p:ph type="sldNum" sz="quarter" idx="12"/>
+          </p:nvPr>
+        </p:nvSpPr>
+        <p:spPr/>
+        <p:txBody>
+          <a:bodyPr/>
+          <a:lstStyle/>
+          <a:p>
+            <a:fld id="{E0548AC5-FEC9-4289-893E-87E42F601290}" type="slidenum">
+              <a:rPr lang="en-US" smtClean="0"/>
+              <a:t>32</a:t>
+            </a:fld>
+            <a:endParaRPr lang="en-US"/>
+          </a:p>
+        </p:txBody>
+      </p:sp>
+    </p:spTree>
+    <p:extLst>
+      <p:ext uri="{BB962C8B-B14F-4D97-AF65-F5344CB8AC3E}">
+        <p14:creationId xmlns:p14="http://schemas.microsoft.com/office/powerpoint/2010/main" val="721000061"/>
+      </p:ext>
+    </p:extLst>
+  </p:cSld>
+  <p:clrMapOvr>
+    <a:masterClrMapping/>
+  </p:clrMapOvr>
+  <p:timing>
+    <p:tnLst>
+      <p:par>
+        <p:cTn id="1" dur="indefinite" restart="never" nodeType="tmRoot"/>
+      </p:par>
+    </p:tnLst>
+  </p:timing>
+</p:sld>
+</file>
+
+<file path=ppt/slides/slide33.xml><?xml version="1.0" encoding="utf-8"?>
+<p:sld xmlns:a="http://schemas.openxmlformats.org/drawingml/2006/main" xmlns:r="http://schemas.openxmlformats.org/officeDocument/2006/relationships" xmlns:p="http://schemas.openxmlformats.org/presentationml/2006/main">
+  <p:cSld>
+    <p:spTree>
+      <p:nvGrpSpPr>
+        <p:cNvPr id="1" name=""/>
+        <p:cNvGrpSpPr/>
+        <p:nvPr/>
+      </p:nvGrpSpPr>
+      <p:grpSpPr>
+        <a:xfrm>
+          <a:off x="0" y="0"/>
+          <a:ext cx="0" cy="0"/>
+          <a:chOff x="0" y="0"/>
+          <a:chExt cx="0" cy="0"/>
+        </a:xfrm>
+      </p:grpSpPr>
+      <p:sp>
+        <p:nvSpPr>
+          <p:cNvPr id="2" name="Title 1"/>
+          <p:cNvSpPr>
+            <a:spLocks noGrp="1"/>
+          </p:cNvSpPr>
+          <p:nvPr>
+            <p:ph type="title"/>
+          </p:nvPr>
+        </p:nvSpPr>
+        <p:spPr/>
+        <p:txBody>
+          <a:bodyPr/>
+          <a:lstStyle/>
+          <a:p>
+            <a:r>
               <a:rPr lang="en-US" altLang="en-US" sz="4400" dirty="0" err="1">
                 <a:latin typeface="Courier New" panose="02070309020205020404" pitchFamily="49" charset="0"/>
               </a:rPr>
@@ -17552,7 +17933,7 @@
           <a:p>
             <a:fld id="{E0548AC5-FEC9-4289-893E-87E42F601290}" type="slidenum">
               <a:rPr lang="en-US" smtClean="0"/>
-              <a:t>32</a:t>
+              <a:t>33</a:t>
             </a:fld>
             <a:endParaRPr lang="en-US"/>
           </a:p>
@@ -17856,11 +18237,7 @@
             </a:r>
             <a:r>
               <a:rPr lang="en-US" altLang="en-US" dirty="0" smtClean="0"/>
-              <a:t>v</a:t>
-            </a:r>
-            <a:r>
-              <a:rPr lang="en-US" altLang="en-US" dirty="0" smtClean="0"/>
-              <a:t>s. Text </a:t>
+              <a:t>vs. Text </a:t>
             </a:r>
             <a:r>
               <a:rPr lang="en-US" altLang="en-US" dirty="0"/>
@@ -18180,19 +18557,7 @@
           <a:p>
             <a:r>
               <a:rPr lang="en-US" altLang="en-US" dirty="0" smtClean="0"/>
-              <a:t>Binary </a:t>
-            </a:r>
-            <a:r>
-              <a:rPr lang="en-US" altLang="en-US" dirty="0" smtClean="0"/>
-              <a:t>vs.</a:t>
-            </a:r>
-            <a:r>
-              <a:rPr lang="en-US" altLang="en-US" dirty="0" smtClean="0"/>
-              <a:t> Text Files (Cont</a:t>
-            </a:r>
-            <a:r>
-              <a:rPr lang="en-US" altLang="en-US" dirty="0" smtClean="0"/>
-              <a:t>.)</a:t>
+              <a:t>Binary vs. Text Files (Cont.)</a:t>
             </a:r>
             <a:endParaRPr lang="en-US" dirty="0"/>
           </a:p>
@@ -18247,8 +18612,12 @@
           <a:p>
             <a:pPr lvl="1"/>
             <a:r>
+              <a:rPr lang="en-US" altLang="en-US" sz="2000" dirty="0" smtClean="0"/>
+              <a:t>They </a:t>
+            </a:r>
+            <a:r>
               <a:rPr lang="en-US" altLang="en-US" sz="2000" dirty="0"/>
-              <a:t>they can be used by Java on different machines</a:t>
+              <a:t>can be used by Java on different machines</a:t>
             </a:r>
           </a:p>
           <a:p>
@@ -18261,8 +18630,12 @@
           <a:p>
             <a:pPr lvl="1"/>
             <a:r>
+              <a:rPr lang="en-US" altLang="en-US" sz="2000" dirty="0" smtClean="0"/>
+              <a:t>Text </a:t>
+            </a:r>
+            <a:r>
               <a:rPr lang="en-US" altLang="en-US" sz="2000" dirty="0"/>
-              <a:t>text files are used only to communicate with </a:t>
+              <a:t>files are used only to communicate with </a:t>
             </a:r>
             <a:r>
               <a:rPr lang="en-US" altLang="en-US" sz="2000" dirty="0" smtClean="0"/>
@@ -18314,7 +18687,6 @@
               <a:rPr lang="en-US" altLang="en-US" sz="2200" dirty="0" smtClean="0"/>
               <a:t>Files</a:t>
             </a:r>
-            <a:endParaRPr lang="en-US" altLang="en-US" sz="2200" dirty="0" smtClean="0"/>
           </a:p>
           <a:p>
             <a:pPr lvl="1"/>
@@ -19047,7 +19419,7 @@
             <a:r>
               <a:rPr lang="en-US" altLang="en-US" dirty="0">
                 <a:solidFill>
-                  <a:srgbClr val="FF3300"/>
+                  <a:srgbClr val="FFC000"/>
                 </a:solidFill>
               </a:rPr>
               <a:t>Not </a:t>
@@ -19055,14 +19427,10 @@
             <a:r>
               <a:rPr lang="en-US" altLang="en-US" dirty="0" smtClean="0">
                 <a:solidFill>
-                  <a:srgbClr val="FF3300"/>
-                </a:solidFill>
-              </a:rPr>
-              <a:t>buffered:</a:t>
-            </a:r>
-            <a:r>
-              <a:rPr lang="en-US" altLang="en-US" dirty="0" smtClean="0"/>
-              <a:t> </a:t>
+                  <a:srgbClr val="FFC000"/>
+                </a:solidFill>
+              </a:rPr>
+              <a:t>buffered: </a:t>
             </a:r>
             <a:r>
               <a:rPr lang="en-US" altLang="en-US" dirty="0"/>
@@ -19120,7 +19488,7 @@
             <a:r>
               <a:rPr lang="en-US" altLang="en-US" dirty="0" smtClean="0">
                 <a:solidFill>
-                  <a:srgbClr val="FF3300"/>
+                  <a:srgbClr val="FFC000"/>
                 </a:solidFill>
               </a:rPr>
               <a:t>Buffered:</a:t>
